--- a/GIT WoRKSHOP.pptx
+++ b/GIT WoRKSHOP.pptx
@@ -13,6 +13,8 @@
     <p:sldId id="260" r:id="rId8"/>
     <p:sldId id="261" r:id="rId9"/>
     <p:sldId id="262" r:id="rId10"/>
+    <p:sldId id="263" r:id="rId11"/>
+    <p:sldId id="264" r:id="rId12"/>
   </p:sldIdLst>
   <p:sldSz cx="12192000" cy="6858000"/>
   <p:notesSz cx="7559675" cy="10691812"/>
@@ -60,7 +62,7 @@
       </p:grpSpPr>
       <p:sp>
         <p:nvSpPr>
-          <p:cNvPr id="46" name="PlaceHolder 1"/>
+          <p:cNvPr id="43" name="PlaceHolder 1"/>
           <p:cNvSpPr>
             <a:spLocks noGrp="1"/>
           </p:cNvSpPr>
@@ -70,8 +72,8 @@
         </p:nvSpPr>
         <p:spPr>
           <a:xfrm>
-            <a:off x="677160" y="609480"/>
-            <a:ext cx="8596440" cy="1320480"/>
+            <a:off x="609480" y="273600"/>
+            <a:ext cx="10972440" cy="1144800"/>
           </a:xfrm>
           <a:prstGeom prst="rect">
             <a:avLst/>
@@ -80,23 +82,24 @@
         <p:txBody>
           <a:bodyPr lIns="0" rIns="0" tIns="0" bIns="0" anchor="ctr"/>
           <a:p>
-            <a:endParaRPr b="0" lang="en-US" sz="1800" spc="-1" strike="noStrike">
-              <a:solidFill>
-                <a:srgbClr val="000000"/>
-              </a:solidFill>
-              <a:uFill>
-                <a:solidFill>
-                  <a:srgbClr val="ffffff"/>
-                </a:solidFill>
-              </a:uFill>
-              <a:latin typeface="Trebuchet MS"/>
-            </a:endParaRPr>
-          </a:p>
-        </p:txBody>
-      </p:sp>
-      <p:sp>
-        <p:nvSpPr>
-          <p:cNvPr id="47" name="PlaceHolder 2"/>
+            <a:pPr algn="ctr"/>
+            <a:endParaRPr b="0" lang="en-IN" sz="4400" spc="-1" strike="noStrike">
+              <a:solidFill>
+                <a:srgbClr val="000000"/>
+              </a:solidFill>
+              <a:uFill>
+                <a:solidFill>
+                  <a:srgbClr val="ffffff"/>
+                </a:solidFill>
+              </a:uFill>
+              <a:latin typeface="Arial"/>
+            </a:endParaRPr>
+          </a:p>
+        </p:txBody>
+      </p:sp>
+      <p:sp>
+        <p:nvSpPr>
+          <p:cNvPr id="44" name="PlaceHolder 2"/>
           <p:cNvSpPr>
             <a:spLocks noGrp="1"/>
           </p:cNvSpPr>
@@ -106,8 +109,8 @@
         </p:nvSpPr>
         <p:spPr>
           <a:xfrm>
-            <a:off x="677160" y="2160720"/>
-            <a:ext cx="8596440" cy="1850760"/>
+            <a:off x="609480" y="1604520"/>
+            <a:ext cx="10972440" cy="1896840"/>
           </a:xfrm>
           <a:prstGeom prst="rect">
             <a:avLst/>
@@ -116,23 +119,23 @@
         <p:txBody>
           <a:bodyPr lIns="0" rIns="0" tIns="0" bIns="0"/>
           <a:p>
-            <a:endParaRPr b="0" lang="en-US" sz="1800" spc="-1" strike="noStrike">
-              <a:solidFill>
-                <a:srgbClr val="404040"/>
-              </a:solidFill>
-              <a:uFill>
-                <a:solidFill>
-                  <a:srgbClr val="ffffff"/>
-                </a:solidFill>
-              </a:uFill>
-              <a:latin typeface="Trebuchet MS"/>
-            </a:endParaRPr>
-          </a:p>
-        </p:txBody>
-      </p:sp>
-      <p:sp>
-        <p:nvSpPr>
-          <p:cNvPr id="48" name="PlaceHolder 3"/>
+            <a:endParaRPr b="0" lang="en-IN" sz="3200" spc="-1" strike="noStrike">
+              <a:solidFill>
+                <a:srgbClr val="000000"/>
+              </a:solidFill>
+              <a:uFill>
+                <a:solidFill>
+                  <a:srgbClr val="ffffff"/>
+                </a:solidFill>
+              </a:uFill>
+              <a:latin typeface="Arial"/>
+            </a:endParaRPr>
+          </a:p>
+        </p:txBody>
+      </p:sp>
+      <p:sp>
+        <p:nvSpPr>
+          <p:cNvPr id="45" name="PlaceHolder 3"/>
           <p:cNvSpPr>
             <a:spLocks noGrp="1"/>
           </p:cNvSpPr>
@@ -142,8 +145,8 @@
         </p:nvSpPr>
         <p:spPr>
           <a:xfrm>
-            <a:off x="677160" y="4187520"/>
-            <a:ext cx="8596440" cy="1850760"/>
+            <a:off x="609480" y="3682080"/>
+            <a:ext cx="10972440" cy="1896840"/>
           </a:xfrm>
           <a:prstGeom prst="rect">
             <a:avLst/>
@@ -152,16 +155,16 @@
         <p:txBody>
           <a:bodyPr lIns="0" rIns="0" tIns="0" bIns="0"/>
           <a:p>
-            <a:endParaRPr b="0" lang="en-US" sz="1800" spc="-1" strike="noStrike">
-              <a:solidFill>
-                <a:srgbClr val="404040"/>
-              </a:solidFill>
-              <a:uFill>
-                <a:solidFill>
-                  <a:srgbClr val="ffffff"/>
-                </a:solidFill>
-              </a:uFill>
-              <a:latin typeface="Trebuchet MS"/>
+            <a:endParaRPr b="0" lang="en-IN" sz="3200" spc="-1" strike="noStrike">
+              <a:solidFill>
+                <a:srgbClr val="000000"/>
+              </a:solidFill>
+              <a:uFill>
+                <a:solidFill>
+                  <a:srgbClr val="ffffff"/>
+                </a:solidFill>
+              </a:uFill>
+              <a:latin typeface="Arial"/>
             </a:endParaRPr>
           </a:p>
         </p:txBody>
@@ -190,7 +193,7 @@
       </p:grpSpPr>
       <p:sp>
         <p:nvSpPr>
-          <p:cNvPr id="49" name="PlaceHolder 1"/>
+          <p:cNvPr id="46" name="PlaceHolder 1"/>
           <p:cNvSpPr>
             <a:spLocks noGrp="1"/>
           </p:cNvSpPr>
@@ -200,8 +203,8 @@
         </p:nvSpPr>
         <p:spPr>
           <a:xfrm>
-            <a:off x="677160" y="609480"/>
-            <a:ext cx="8596440" cy="1320480"/>
+            <a:off x="609480" y="273600"/>
+            <a:ext cx="10972440" cy="1144800"/>
           </a:xfrm>
           <a:prstGeom prst="rect">
             <a:avLst/>
@@ -210,23 +213,24 @@
         <p:txBody>
           <a:bodyPr lIns="0" rIns="0" tIns="0" bIns="0" anchor="ctr"/>
           <a:p>
-            <a:endParaRPr b="0" lang="en-US" sz="1800" spc="-1" strike="noStrike">
-              <a:solidFill>
-                <a:srgbClr val="000000"/>
-              </a:solidFill>
-              <a:uFill>
-                <a:solidFill>
-                  <a:srgbClr val="ffffff"/>
-                </a:solidFill>
-              </a:uFill>
-              <a:latin typeface="Trebuchet MS"/>
-            </a:endParaRPr>
-          </a:p>
-        </p:txBody>
-      </p:sp>
-      <p:sp>
-        <p:nvSpPr>
-          <p:cNvPr id="50" name="PlaceHolder 2"/>
+            <a:pPr algn="ctr"/>
+            <a:endParaRPr b="0" lang="en-IN" sz="4400" spc="-1" strike="noStrike">
+              <a:solidFill>
+                <a:srgbClr val="000000"/>
+              </a:solidFill>
+              <a:uFill>
+                <a:solidFill>
+                  <a:srgbClr val="ffffff"/>
+                </a:solidFill>
+              </a:uFill>
+              <a:latin typeface="Arial"/>
+            </a:endParaRPr>
+          </a:p>
+        </p:txBody>
+      </p:sp>
+      <p:sp>
+        <p:nvSpPr>
+          <p:cNvPr id="47" name="PlaceHolder 2"/>
           <p:cNvSpPr>
             <a:spLocks noGrp="1"/>
           </p:cNvSpPr>
@@ -236,8 +240,8 @@
         </p:nvSpPr>
         <p:spPr>
           <a:xfrm>
-            <a:off x="677160" y="2160720"/>
-            <a:ext cx="4194720" cy="1850760"/>
+            <a:off x="609480" y="1604520"/>
+            <a:ext cx="5354280" cy="1896840"/>
           </a:xfrm>
           <a:prstGeom prst="rect">
             <a:avLst/>
@@ -246,23 +250,23 @@
         <p:txBody>
           <a:bodyPr lIns="0" rIns="0" tIns="0" bIns="0"/>
           <a:p>
-            <a:endParaRPr b="0" lang="en-US" sz="1800" spc="-1" strike="noStrike">
-              <a:solidFill>
-                <a:srgbClr val="404040"/>
-              </a:solidFill>
-              <a:uFill>
-                <a:solidFill>
-                  <a:srgbClr val="ffffff"/>
-                </a:solidFill>
-              </a:uFill>
-              <a:latin typeface="Trebuchet MS"/>
-            </a:endParaRPr>
-          </a:p>
-        </p:txBody>
-      </p:sp>
-      <p:sp>
-        <p:nvSpPr>
-          <p:cNvPr id="51" name="PlaceHolder 3"/>
+            <a:endParaRPr b="0" lang="en-IN" sz="3200" spc="-1" strike="noStrike">
+              <a:solidFill>
+                <a:srgbClr val="000000"/>
+              </a:solidFill>
+              <a:uFill>
+                <a:solidFill>
+                  <a:srgbClr val="ffffff"/>
+                </a:solidFill>
+              </a:uFill>
+              <a:latin typeface="Arial"/>
+            </a:endParaRPr>
+          </a:p>
+        </p:txBody>
+      </p:sp>
+      <p:sp>
+        <p:nvSpPr>
+          <p:cNvPr id="48" name="PlaceHolder 3"/>
           <p:cNvSpPr>
             <a:spLocks noGrp="1"/>
           </p:cNvSpPr>
@@ -272,8 +276,8 @@
         </p:nvSpPr>
         <p:spPr>
           <a:xfrm>
-            <a:off x="5082120" y="2160720"/>
-            <a:ext cx="4194720" cy="1850760"/>
+            <a:off x="6231960" y="1604520"/>
+            <a:ext cx="5354280" cy="1896840"/>
           </a:xfrm>
           <a:prstGeom prst="rect">
             <a:avLst/>
@@ -282,23 +286,23 @@
         <p:txBody>
           <a:bodyPr lIns="0" rIns="0" tIns="0" bIns="0"/>
           <a:p>
-            <a:endParaRPr b="0" lang="en-US" sz="1800" spc="-1" strike="noStrike">
-              <a:solidFill>
-                <a:srgbClr val="404040"/>
-              </a:solidFill>
-              <a:uFill>
-                <a:solidFill>
-                  <a:srgbClr val="ffffff"/>
-                </a:solidFill>
-              </a:uFill>
-              <a:latin typeface="Trebuchet MS"/>
-            </a:endParaRPr>
-          </a:p>
-        </p:txBody>
-      </p:sp>
-      <p:sp>
-        <p:nvSpPr>
-          <p:cNvPr id="52" name="PlaceHolder 4"/>
+            <a:endParaRPr b="0" lang="en-IN" sz="3200" spc="-1" strike="noStrike">
+              <a:solidFill>
+                <a:srgbClr val="000000"/>
+              </a:solidFill>
+              <a:uFill>
+                <a:solidFill>
+                  <a:srgbClr val="ffffff"/>
+                </a:solidFill>
+              </a:uFill>
+              <a:latin typeface="Arial"/>
+            </a:endParaRPr>
+          </a:p>
+        </p:txBody>
+      </p:sp>
+      <p:sp>
+        <p:nvSpPr>
+          <p:cNvPr id="49" name="PlaceHolder 4"/>
           <p:cNvSpPr>
             <a:spLocks noGrp="1"/>
           </p:cNvSpPr>
@@ -308,8 +312,8 @@
         </p:nvSpPr>
         <p:spPr>
           <a:xfrm>
-            <a:off x="5082120" y="4187520"/>
-            <a:ext cx="4194720" cy="1850760"/>
+            <a:off x="6231960" y="3682080"/>
+            <a:ext cx="5354280" cy="1896840"/>
           </a:xfrm>
           <a:prstGeom prst="rect">
             <a:avLst/>
@@ -318,23 +322,23 @@
         <p:txBody>
           <a:bodyPr lIns="0" rIns="0" tIns="0" bIns="0"/>
           <a:p>
-            <a:endParaRPr b="0" lang="en-US" sz="1800" spc="-1" strike="noStrike">
-              <a:solidFill>
-                <a:srgbClr val="404040"/>
-              </a:solidFill>
-              <a:uFill>
-                <a:solidFill>
-                  <a:srgbClr val="ffffff"/>
-                </a:solidFill>
-              </a:uFill>
-              <a:latin typeface="Trebuchet MS"/>
-            </a:endParaRPr>
-          </a:p>
-        </p:txBody>
-      </p:sp>
-      <p:sp>
-        <p:nvSpPr>
-          <p:cNvPr id="53" name="PlaceHolder 5"/>
+            <a:endParaRPr b="0" lang="en-IN" sz="3200" spc="-1" strike="noStrike">
+              <a:solidFill>
+                <a:srgbClr val="000000"/>
+              </a:solidFill>
+              <a:uFill>
+                <a:solidFill>
+                  <a:srgbClr val="ffffff"/>
+                </a:solidFill>
+              </a:uFill>
+              <a:latin typeface="Arial"/>
+            </a:endParaRPr>
+          </a:p>
+        </p:txBody>
+      </p:sp>
+      <p:sp>
+        <p:nvSpPr>
+          <p:cNvPr id="50" name="PlaceHolder 5"/>
           <p:cNvSpPr>
             <a:spLocks noGrp="1"/>
           </p:cNvSpPr>
@@ -344,8 +348,8 @@
         </p:nvSpPr>
         <p:spPr>
           <a:xfrm>
-            <a:off x="677160" y="4187520"/>
-            <a:ext cx="4194720" cy="1850760"/>
+            <a:off x="609480" y="3682080"/>
+            <a:ext cx="5354280" cy="1896840"/>
           </a:xfrm>
           <a:prstGeom prst="rect">
             <a:avLst/>
@@ -354,16 +358,16 @@
         <p:txBody>
           <a:bodyPr lIns="0" rIns="0" tIns="0" bIns="0"/>
           <a:p>
-            <a:endParaRPr b="0" lang="en-US" sz="1800" spc="-1" strike="noStrike">
-              <a:solidFill>
-                <a:srgbClr val="404040"/>
-              </a:solidFill>
-              <a:uFill>
-                <a:solidFill>
-                  <a:srgbClr val="ffffff"/>
-                </a:solidFill>
-              </a:uFill>
-              <a:latin typeface="Trebuchet MS"/>
+            <a:endParaRPr b="0" lang="en-IN" sz="3200" spc="-1" strike="noStrike">
+              <a:solidFill>
+                <a:srgbClr val="000000"/>
+              </a:solidFill>
+              <a:uFill>
+                <a:solidFill>
+                  <a:srgbClr val="ffffff"/>
+                </a:solidFill>
+              </a:uFill>
+              <a:latin typeface="Arial"/>
             </a:endParaRPr>
           </a:p>
         </p:txBody>
@@ -392,7 +396,7 @@
       </p:grpSpPr>
       <p:sp>
         <p:nvSpPr>
-          <p:cNvPr id="54" name="PlaceHolder 1"/>
+          <p:cNvPr id="51" name="PlaceHolder 1"/>
           <p:cNvSpPr>
             <a:spLocks noGrp="1"/>
           </p:cNvSpPr>
@@ -402,8 +406,8 @@
         </p:nvSpPr>
         <p:spPr>
           <a:xfrm>
-            <a:off x="677160" y="609480"/>
-            <a:ext cx="8596440" cy="1320480"/>
+            <a:off x="609480" y="273600"/>
+            <a:ext cx="10972440" cy="1144800"/>
           </a:xfrm>
           <a:prstGeom prst="rect">
             <a:avLst/>
@@ -412,23 +416,24 @@
         <p:txBody>
           <a:bodyPr lIns="0" rIns="0" tIns="0" bIns="0" anchor="ctr"/>
           <a:p>
-            <a:endParaRPr b="0" lang="en-US" sz="1800" spc="-1" strike="noStrike">
-              <a:solidFill>
-                <a:srgbClr val="000000"/>
-              </a:solidFill>
-              <a:uFill>
-                <a:solidFill>
-                  <a:srgbClr val="ffffff"/>
-                </a:solidFill>
-              </a:uFill>
-              <a:latin typeface="Trebuchet MS"/>
-            </a:endParaRPr>
-          </a:p>
-        </p:txBody>
-      </p:sp>
-      <p:sp>
-        <p:nvSpPr>
-          <p:cNvPr id="55" name="PlaceHolder 2"/>
+            <a:pPr algn="ctr"/>
+            <a:endParaRPr b="0" lang="en-IN" sz="4400" spc="-1" strike="noStrike">
+              <a:solidFill>
+                <a:srgbClr val="000000"/>
+              </a:solidFill>
+              <a:uFill>
+                <a:solidFill>
+                  <a:srgbClr val="ffffff"/>
+                </a:solidFill>
+              </a:uFill>
+              <a:latin typeface="Arial"/>
+            </a:endParaRPr>
+          </a:p>
+        </p:txBody>
+      </p:sp>
+      <p:sp>
+        <p:nvSpPr>
+          <p:cNvPr id="52" name="PlaceHolder 2"/>
           <p:cNvSpPr>
             <a:spLocks noGrp="1"/>
           </p:cNvSpPr>
@@ -438,8 +443,8 @@
         </p:nvSpPr>
         <p:spPr>
           <a:xfrm>
-            <a:off x="677160" y="2160720"/>
-            <a:ext cx="8596440" cy="3880440"/>
+            <a:off x="609480" y="1604520"/>
+            <a:ext cx="10972440" cy="3977280"/>
           </a:xfrm>
           <a:prstGeom prst="rect">
             <a:avLst/>
@@ -448,23 +453,23 @@
         <p:txBody>
           <a:bodyPr lIns="0" rIns="0" tIns="0" bIns="0"/>
           <a:p>
-            <a:endParaRPr b="0" lang="en-US" sz="1800" spc="-1" strike="noStrike">
-              <a:solidFill>
-                <a:srgbClr val="404040"/>
-              </a:solidFill>
-              <a:uFill>
-                <a:solidFill>
-                  <a:srgbClr val="ffffff"/>
-                </a:solidFill>
-              </a:uFill>
-              <a:latin typeface="Trebuchet MS"/>
-            </a:endParaRPr>
-          </a:p>
-        </p:txBody>
-      </p:sp>
-      <p:sp>
-        <p:nvSpPr>
-          <p:cNvPr id="56" name="PlaceHolder 3"/>
+            <a:endParaRPr b="0" lang="en-IN" sz="3200" spc="-1" strike="noStrike">
+              <a:solidFill>
+                <a:srgbClr val="000000"/>
+              </a:solidFill>
+              <a:uFill>
+                <a:solidFill>
+                  <a:srgbClr val="ffffff"/>
+                </a:solidFill>
+              </a:uFill>
+              <a:latin typeface="Arial"/>
+            </a:endParaRPr>
+          </a:p>
+        </p:txBody>
+      </p:sp>
+      <p:sp>
+        <p:nvSpPr>
+          <p:cNvPr id="53" name="PlaceHolder 3"/>
           <p:cNvSpPr>
             <a:spLocks noGrp="1"/>
           </p:cNvSpPr>
@@ -474,8 +479,8 @@
         </p:nvSpPr>
         <p:spPr>
           <a:xfrm>
-            <a:off x="677160" y="2160720"/>
-            <a:ext cx="8596440" cy="3880440"/>
+            <a:off x="609480" y="1604520"/>
+            <a:ext cx="10972440" cy="3977280"/>
           </a:xfrm>
           <a:prstGeom prst="rect">
             <a:avLst/>
@@ -484,23 +489,23 @@
         <p:txBody>
           <a:bodyPr lIns="0" rIns="0" tIns="0" bIns="0"/>
           <a:p>
-            <a:endParaRPr b="0" lang="en-US" sz="1800" spc="-1" strike="noStrike">
-              <a:solidFill>
-                <a:srgbClr val="404040"/>
-              </a:solidFill>
-              <a:uFill>
-                <a:solidFill>
-                  <a:srgbClr val="ffffff"/>
-                </a:solidFill>
-              </a:uFill>
-              <a:latin typeface="Trebuchet MS"/>
+            <a:endParaRPr b="0" lang="en-IN" sz="3200" spc="-1" strike="noStrike">
+              <a:solidFill>
+                <a:srgbClr val="000000"/>
+              </a:solidFill>
+              <a:uFill>
+                <a:solidFill>
+                  <a:srgbClr val="ffffff"/>
+                </a:solidFill>
+              </a:uFill>
+              <a:latin typeface="Arial"/>
             </a:endParaRPr>
           </a:p>
         </p:txBody>
       </p:sp>
       <p:pic>
         <p:nvPicPr>
-          <p:cNvPr id="57" name="" descr=""/>
+          <p:cNvPr id="54" name="" descr=""/>
           <p:cNvPicPr/>
           <p:nvPr/>
         </p:nvPicPr>
@@ -510,8 +515,8 @@
         </p:blipFill>
         <p:spPr>
           <a:xfrm>
-            <a:off x="2543400" y="2160360"/>
-            <a:ext cx="4863240" cy="3880440"/>
+            <a:off x="3602880" y="1604520"/>
+            <a:ext cx="4984920" cy="3977280"/>
           </a:xfrm>
           <a:prstGeom prst="rect">
             <a:avLst/>
@@ -523,7 +528,7 @@
       </p:pic>
       <p:pic>
         <p:nvPicPr>
-          <p:cNvPr id="58" name="" descr=""/>
+          <p:cNvPr id="55" name="" descr=""/>
           <p:cNvPicPr/>
           <p:nvPr/>
         </p:nvPicPr>
@@ -533,8 +538,8 @@
         </p:blipFill>
         <p:spPr>
           <a:xfrm>
-            <a:off x="2543400" y="2160360"/>
-            <a:ext cx="4863240" cy="3880440"/>
+            <a:off x="3602880" y="1604520"/>
+            <a:ext cx="4984920" cy="3977280"/>
           </a:xfrm>
           <a:prstGeom prst="rect">
             <a:avLst/>
@@ -590,7 +595,7 @@
       </p:grpSpPr>
       <p:sp>
         <p:nvSpPr>
-          <p:cNvPr id="74" name="PlaceHolder 1"/>
+          <p:cNvPr id="68" name="PlaceHolder 1"/>
           <p:cNvSpPr>
             <a:spLocks noGrp="1"/>
           </p:cNvSpPr>
@@ -600,8 +605,8 @@
         </p:nvSpPr>
         <p:spPr>
           <a:xfrm>
-            <a:off x="677160" y="609480"/>
-            <a:ext cx="8596440" cy="1320480"/>
+            <a:off x="609480" y="273600"/>
+            <a:ext cx="10972440" cy="1144800"/>
           </a:xfrm>
           <a:prstGeom prst="rect">
             <a:avLst/>
@@ -610,23 +615,24 @@
         <p:txBody>
           <a:bodyPr lIns="0" rIns="0" tIns="0" bIns="0" anchor="ctr"/>
           <a:p>
-            <a:endParaRPr b="0" lang="en-US" sz="1800" spc="-1" strike="noStrike">
-              <a:solidFill>
-                <a:srgbClr val="000000"/>
-              </a:solidFill>
-              <a:uFill>
-                <a:solidFill>
-                  <a:srgbClr val="ffffff"/>
-                </a:solidFill>
-              </a:uFill>
-              <a:latin typeface="Trebuchet MS"/>
-            </a:endParaRPr>
-          </a:p>
-        </p:txBody>
-      </p:sp>
-      <p:sp>
-        <p:nvSpPr>
-          <p:cNvPr id="75" name="PlaceHolder 2"/>
+            <a:pPr algn="ctr"/>
+            <a:endParaRPr b="0" lang="en-IN" sz="4400" spc="-1" strike="noStrike">
+              <a:solidFill>
+                <a:srgbClr val="000000"/>
+              </a:solidFill>
+              <a:uFill>
+                <a:solidFill>
+                  <a:srgbClr val="ffffff"/>
+                </a:solidFill>
+              </a:uFill>
+              <a:latin typeface="Arial"/>
+            </a:endParaRPr>
+          </a:p>
+        </p:txBody>
+      </p:sp>
+      <p:sp>
+        <p:nvSpPr>
+          <p:cNvPr id="69" name="PlaceHolder 2"/>
           <p:cNvSpPr>
             <a:spLocks noGrp="1"/>
           </p:cNvSpPr>
@@ -636,8 +642,8 @@
         </p:nvSpPr>
         <p:spPr>
           <a:xfrm>
-            <a:off x="677160" y="2160720"/>
-            <a:ext cx="8596440" cy="3880440"/>
+            <a:off x="609480" y="1604520"/>
+            <a:ext cx="10972440" cy="3977280"/>
           </a:xfrm>
           <a:prstGeom prst="rect">
             <a:avLst/>
@@ -685,7 +691,7 @@
       </p:grpSpPr>
       <p:sp>
         <p:nvSpPr>
-          <p:cNvPr id="76" name="PlaceHolder 1"/>
+          <p:cNvPr id="70" name="PlaceHolder 1"/>
           <p:cNvSpPr>
             <a:spLocks noGrp="1"/>
           </p:cNvSpPr>
@@ -695,8 +701,8 @@
         </p:nvSpPr>
         <p:spPr>
           <a:xfrm>
-            <a:off x="677160" y="609480"/>
-            <a:ext cx="8596440" cy="1320480"/>
+            <a:off x="609480" y="273600"/>
+            <a:ext cx="10972440" cy="1144800"/>
           </a:xfrm>
           <a:prstGeom prst="rect">
             <a:avLst/>
@@ -705,23 +711,24 @@
         <p:txBody>
           <a:bodyPr lIns="0" rIns="0" tIns="0" bIns="0" anchor="ctr"/>
           <a:p>
-            <a:endParaRPr b="0" lang="en-US" sz="1800" spc="-1" strike="noStrike">
-              <a:solidFill>
-                <a:srgbClr val="000000"/>
-              </a:solidFill>
-              <a:uFill>
-                <a:solidFill>
-                  <a:srgbClr val="ffffff"/>
-                </a:solidFill>
-              </a:uFill>
-              <a:latin typeface="Trebuchet MS"/>
-            </a:endParaRPr>
-          </a:p>
-        </p:txBody>
-      </p:sp>
-      <p:sp>
-        <p:nvSpPr>
-          <p:cNvPr id="77" name="PlaceHolder 2"/>
+            <a:pPr algn="ctr"/>
+            <a:endParaRPr b="0" lang="en-IN" sz="4400" spc="-1" strike="noStrike">
+              <a:solidFill>
+                <a:srgbClr val="000000"/>
+              </a:solidFill>
+              <a:uFill>
+                <a:solidFill>
+                  <a:srgbClr val="ffffff"/>
+                </a:solidFill>
+              </a:uFill>
+              <a:latin typeface="Arial"/>
+            </a:endParaRPr>
+          </a:p>
+        </p:txBody>
+      </p:sp>
+      <p:sp>
+        <p:nvSpPr>
+          <p:cNvPr id="71" name="PlaceHolder 2"/>
           <p:cNvSpPr>
             <a:spLocks noGrp="1"/>
           </p:cNvSpPr>
@@ -731,8 +738,8 @@
         </p:nvSpPr>
         <p:spPr>
           <a:xfrm>
-            <a:off x="677160" y="2160720"/>
-            <a:ext cx="8596440" cy="3880440"/>
+            <a:off x="609480" y="1604520"/>
+            <a:ext cx="10972440" cy="3977280"/>
           </a:xfrm>
           <a:prstGeom prst="rect">
             <a:avLst/>
@@ -741,16 +748,16 @@
         <p:txBody>
           <a:bodyPr lIns="0" rIns="0" tIns="0" bIns="0"/>
           <a:p>
-            <a:endParaRPr b="0" lang="en-US" sz="1800" spc="-1" strike="noStrike">
-              <a:solidFill>
-                <a:srgbClr val="404040"/>
-              </a:solidFill>
-              <a:uFill>
-                <a:solidFill>
-                  <a:srgbClr val="ffffff"/>
-                </a:solidFill>
-              </a:uFill>
-              <a:latin typeface="Trebuchet MS"/>
+            <a:endParaRPr b="0" lang="en-IN" sz="3200" spc="-1" strike="noStrike">
+              <a:solidFill>
+                <a:srgbClr val="000000"/>
+              </a:solidFill>
+              <a:uFill>
+                <a:solidFill>
+                  <a:srgbClr val="ffffff"/>
+                </a:solidFill>
+              </a:uFill>
+              <a:latin typeface="Arial"/>
             </a:endParaRPr>
           </a:p>
         </p:txBody>
@@ -779,7 +786,7 @@
       </p:grpSpPr>
       <p:sp>
         <p:nvSpPr>
-          <p:cNvPr id="78" name="PlaceHolder 1"/>
+          <p:cNvPr id="72" name="PlaceHolder 1"/>
           <p:cNvSpPr>
             <a:spLocks noGrp="1"/>
           </p:cNvSpPr>
@@ -789,8 +796,8 @@
         </p:nvSpPr>
         <p:spPr>
           <a:xfrm>
-            <a:off x="677160" y="609480"/>
-            <a:ext cx="8596440" cy="1320480"/>
+            <a:off x="609480" y="273600"/>
+            <a:ext cx="10972440" cy="1144800"/>
           </a:xfrm>
           <a:prstGeom prst="rect">
             <a:avLst/>
@@ -799,23 +806,24 @@
         <p:txBody>
           <a:bodyPr lIns="0" rIns="0" tIns="0" bIns="0" anchor="ctr"/>
           <a:p>
-            <a:endParaRPr b="0" lang="en-US" sz="1800" spc="-1" strike="noStrike">
-              <a:solidFill>
-                <a:srgbClr val="000000"/>
-              </a:solidFill>
-              <a:uFill>
-                <a:solidFill>
-                  <a:srgbClr val="ffffff"/>
-                </a:solidFill>
-              </a:uFill>
-              <a:latin typeface="Trebuchet MS"/>
-            </a:endParaRPr>
-          </a:p>
-        </p:txBody>
-      </p:sp>
-      <p:sp>
-        <p:nvSpPr>
-          <p:cNvPr id="79" name="PlaceHolder 2"/>
+            <a:pPr algn="ctr"/>
+            <a:endParaRPr b="0" lang="en-IN" sz="4400" spc="-1" strike="noStrike">
+              <a:solidFill>
+                <a:srgbClr val="000000"/>
+              </a:solidFill>
+              <a:uFill>
+                <a:solidFill>
+                  <a:srgbClr val="ffffff"/>
+                </a:solidFill>
+              </a:uFill>
+              <a:latin typeface="Arial"/>
+            </a:endParaRPr>
+          </a:p>
+        </p:txBody>
+      </p:sp>
+      <p:sp>
+        <p:nvSpPr>
+          <p:cNvPr id="73" name="PlaceHolder 2"/>
           <p:cNvSpPr>
             <a:spLocks noGrp="1"/>
           </p:cNvSpPr>
@@ -825,8 +833,8 @@
         </p:nvSpPr>
         <p:spPr>
           <a:xfrm>
-            <a:off x="677160" y="2160720"/>
-            <a:ext cx="4194720" cy="3880440"/>
+            <a:off x="609480" y="1604520"/>
+            <a:ext cx="5354280" cy="3977280"/>
           </a:xfrm>
           <a:prstGeom prst="rect">
             <a:avLst/>
@@ -835,23 +843,23 @@
         <p:txBody>
           <a:bodyPr lIns="0" rIns="0" tIns="0" bIns="0"/>
           <a:p>
-            <a:endParaRPr b="0" lang="en-US" sz="1800" spc="-1" strike="noStrike">
-              <a:solidFill>
-                <a:srgbClr val="404040"/>
-              </a:solidFill>
-              <a:uFill>
-                <a:solidFill>
-                  <a:srgbClr val="ffffff"/>
-                </a:solidFill>
-              </a:uFill>
-              <a:latin typeface="Trebuchet MS"/>
-            </a:endParaRPr>
-          </a:p>
-        </p:txBody>
-      </p:sp>
-      <p:sp>
-        <p:nvSpPr>
-          <p:cNvPr id="80" name="PlaceHolder 3"/>
+            <a:endParaRPr b="0" lang="en-IN" sz="3200" spc="-1" strike="noStrike">
+              <a:solidFill>
+                <a:srgbClr val="000000"/>
+              </a:solidFill>
+              <a:uFill>
+                <a:solidFill>
+                  <a:srgbClr val="ffffff"/>
+                </a:solidFill>
+              </a:uFill>
+              <a:latin typeface="Arial"/>
+            </a:endParaRPr>
+          </a:p>
+        </p:txBody>
+      </p:sp>
+      <p:sp>
+        <p:nvSpPr>
+          <p:cNvPr id="74" name="PlaceHolder 3"/>
           <p:cNvSpPr>
             <a:spLocks noGrp="1"/>
           </p:cNvSpPr>
@@ -861,8 +869,8 @@
         </p:nvSpPr>
         <p:spPr>
           <a:xfrm>
-            <a:off x="5082120" y="2160720"/>
-            <a:ext cx="4194720" cy="3880440"/>
+            <a:off x="6231960" y="1604520"/>
+            <a:ext cx="5354280" cy="3977280"/>
           </a:xfrm>
           <a:prstGeom prst="rect">
             <a:avLst/>
@@ -871,16 +879,16 @@
         <p:txBody>
           <a:bodyPr lIns="0" rIns="0" tIns="0" bIns="0"/>
           <a:p>
-            <a:endParaRPr b="0" lang="en-US" sz="1800" spc="-1" strike="noStrike">
-              <a:solidFill>
-                <a:srgbClr val="404040"/>
-              </a:solidFill>
-              <a:uFill>
-                <a:solidFill>
-                  <a:srgbClr val="ffffff"/>
-                </a:solidFill>
-              </a:uFill>
-              <a:latin typeface="Trebuchet MS"/>
+            <a:endParaRPr b="0" lang="en-IN" sz="3200" spc="-1" strike="noStrike">
+              <a:solidFill>
+                <a:srgbClr val="000000"/>
+              </a:solidFill>
+              <a:uFill>
+                <a:solidFill>
+                  <a:srgbClr val="ffffff"/>
+                </a:solidFill>
+              </a:uFill>
+              <a:latin typeface="Arial"/>
             </a:endParaRPr>
           </a:p>
         </p:txBody>
@@ -909,7 +917,7 @@
       </p:grpSpPr>
       <p:sp>
         <p:nvSpPr>
-          <p:cNvPr id="81" name="PlaceHolder 1"/>
+          <p:cNvPr id="75" name="PlaceHolder 1"/>
           <p:cNvSpPr>
             <a:spLocks noGrp="1"/>
           </p:cNvSpPr>
@@ -919,8 +927,8 @@
         </p:nvSpPr>
         <p:spPr>
           <a:xfrm>
-            <a:off x="677160" y="609480"/>
-            <a:ext cx="8596440" cy="1320480"/>
+            <a:off x="609480" y="273600"/>
+            <a:ext cx="10972440" cy="1144800"/>
           </a:xfrm>
           <a:prstGeom prst="rect">
             <a:avLst/>
@@ -929,16 +937,17 @@
         <p:txBody>
           <a:bodyPr lIns="0" rIns="0" tIns="0" bIns="0" anchor="ctr"/>
           <a:p>
-            <a:endParaRPr b="0" lang="en-US" sz="1800" spc="-1" strike="noStrike">
-              <a:solidFill>
-                <a:srgbClr val="000000"/>
-              </a:solidFill>
-              <a:uFill>
-                <a:solidFill>
-                  <a:srgbClr val="ffffff"/>
-                </a:solidFill>
-              </a:uFill>
-              <a:latin typeface="Trebuchet MS"/>
+            <a:pPr algn="ctr"/>
+            <a:endParaRPr b="0" lang="en-IN" sz="4400" spc="-1" strike="noStrike">
+              <a:solidFill>
+                <a:srgbClr val="000000"/>
+              </a:solidFill>
+              <a:uFill>
+                <a:solidFill>
+                  <a:srgbClr val="ffffff"/>
+                </a:solidFill>
+              </a:uFill>
+              <a:latin typeface="Arial"/>
             </a:endParaRPr>
           </a:p>
         </p:txBody>
@@ -967,7 +976,7 @@
       </p:grpSpPr>
       <p:sp>
         <p:nvSpPr>
-          <p:cNvPr id="82" name="PlaceHolder 1"/>
+          <p:cNvPr id="76" name="PlaceHolder 1"/>
           <p:cNvSpPr>
             <a:spLocks noGrp="1"/>
           </p:cNvSpPr>
@@ -977,8 +986,8 @@
         </p:nvSpPr>
         <p:spPr>
           <a:xfrm>
-            <a:off x="677160" y="609480"/>
-            <a:ext cx="8596440" cy="6122160"/>
+            <a:off x="609480" y="273600"/>
+            <a:ext cx="10972440" cy="5307840"/>
           </a:xfrm>
           <a:prstGeom prst="rect">
             <a:avLst/>
@@ -1026,7 +1035,7 @@
       </p:grpSpPr>
       <p:sp>
         <p:nvSpPr>
-          <p:cNvPr id="83" name="PlaceHolder 1"/>
+          <p:cNvPr id="77" name="PlaceHolder 1"/>
           <p:cNvSpPr>
             <a:spLocks noGrp="1"/>
           </p:cNvSpPr>
@@ -1036,8 +1045,8 @@
         </p:nvSpPr>
         <p:spPr>
           <a:xfrm>
-            <a:off x="677160" y="609480"/>
-            <a:ext cx="8596440" cy="1320480"/>
+            <a:off x="609480" y="273600"/>
+            <a:ext cx="10972440" cy="1144800"/>
           </a:xfrm>
           <a:prstGeom prst="rect">
             <a:avLst/>
@@ -1046,23 +1055,24 @@
         <p:txBody>
           <a:bodyPr lIns="0" rIns="0" tIns="0" bIns="0" anchor="ctr"/>
           <a:p>
-            <a:endParaRPr b="0" lang="en-US" sz="1800" spc="-1" strike="noStrike">
-              <a:solidFill>
-                <a:srgbClr val="000000"/>
-              </a:solidFill>
-              <a:uFill>
-                <a:solidFill>
-                  <a:srgbClr val="ffffff"/>
-                </a:solidFill>
-              </a:uFill>
-              <a:latin typeface="Trebuchet MS"/>
-            </a:endParaRPr>
-          </a:p>
-        </p:txBody>
-      </p:sp>
-      <p:sp>
-        <p:nvSpPr>
-          <p:cNvPr id="84" name="PlaceHolder 2"/>
+            <a:pPr algn="ctr"/>
+            <a:endParaRPr b="0" lang="en-IN" sz="4400" spc="-1" strike="noStrike">
+              <a:solidFill>
+                <a:srgbClr val="000000"/>
+              </a:solidFill>
+              <a:uFill>
+                <a:solidFill>
+                  <a:srgbClr val="ffffff"/>
+                </a:solidFill>
+              </a:uFill>
+              <a:latin typeface="Arial"/>
+            </a:endParaRPr>
+          </a:p>
+        </p:txBody>
+      </p:sp>
+      <p:sp>
+        <p:nvSpPr>
+          <p:cNvPr id="78" name="PlaceHolder 2"/>
           <p:cNvSpPr>
             <a:spLocks noGrp="1"/>
           </p:cNvSpPr>
@@ -1072,8 +1082,8 @@
         </p:nvSpPr>
         <p:spPr>
           <a:xfrm>
-            <a:off x="677160" y="2160720"/>
-            <a:ext cx="4194720" cy="1850760"/>
+            <a:off x="609480" y="1604520"/>
+            <a:ext cx="5354280" cy="1896840"/>
           </a:xfrm>
           <a:prstGeom prst="rect">
             <a:avLst/>
@@ -1082,23 +1092,23 @@
         <p:txBody>
           <a:bodyPr lIns="0" rIns="0" tIns="0" bIns="0"/>
           <a:p>
-            <a:endParaRPr b="0" lang="en-US" sz="1800" spc="-1" strike="noStrike">
-              <a:solidFill>
-                <a:srgbClr val="404040"/>
-              </a:solidFill>
-              <a:uFill>
-                <a:solidFill>
-                  <a:srgbClr val="ffffff"/>
-                </a:solidFill>
-              </a:uFill>
-              <a:latin typeface="Trebuchet MS"/>
-            </a:endParaRPr>
-          </a:p>
-        </p:txBody>
-      </p:sp>
-      <p:sp>
-        <p:nvSpPr>
-          <p:cNvPr id="85" name="PlaceHolder 3"/>
+            <a:endParaRPr b="0" lang="en-IN" sz="3200" spc="-1" strike="noStrike">
+              <a:solidFill>
+                <a:srgbClr val="000000"/>
+              </a:solidFill>
+              <a:uFill>
+                <a:solidFill>
+                  <a:srgbClr val="ffffff"/>
+                </a:solidFill>
+              </a:uFill>
+              <a:latin typeface="Arial"/>
+            </a:endParaRPr>
+          </a:p>
+        </p:txBody>
+      </p:sp>
+      <p:sp>
+        <p:nvSpPr>
+          <p:cNvPr id="79" name="PlaceHolder 3"/>
           <p:cNvSpPr>
             <a:spLocks noGrp="1"/>
           </p:cNvSpPr>
@@ -1108,8 +1118,8 @@
         </p:nvSpPr>
         <p:spPr>
           <a:xfrm>
-            <a:off x="677160" y="4187520"/>
-            <a:ext cx="4194720" cy="1850760"/>
+            <a:off x="609480" y="3682080"/>
+            <a:ext cx="5354280" cy="1896840"/>
           </a:xfrm>
           <a:prstGeom prst="rect">
             <a:avLst/>
@@ -1118,23 +1128,23 @@
         <p:txBody>
           <a:bodyPr lIns="0" rIns="0" tIns="0" bIns="0"/>
           <a:p>
-            <a:endParaRPr b="0" lang="en-US" sz="1800" spc="-1" strike="noStrike">
-              <a:solidFill>
-                <a:srgbClr val="404040"/>
-              </a:solidFill>
-              <a:uFill>
-                <a:solidFill>
-                  <a:srgbClr val="ffffff"/>
-                </a:solidFill>
-              </a:uFill>
-              <a:latin typeface="Trebuchet MS"/>
-            </a:endParaRPr>
-          </a:p>
-        </p:txBody>
-      </p:sp>
-      <p:sp>
-        <p:nvSpPr>
-          <p:cNvPr id="86" name="PlaceHolder 4"/>
+            <a:endParaRPr b="0" lang="en-IN" sz="3200" spc="-1" strike="noStrike">
+              <a:solidFill>
+                <a:srgbClr val="000000"/>
+              </a:solidFill>
+              <a:uFill>
+                <a:solidFill>
+                  <a:srgbClr val="ffffff"/>
+                </a:solidFill>
+              </a:uFill>
+              <a:latin typeface="Arial"/>
+            </a:endParaRPr>
+          </a:p>
+        </p:txBody>
+      </p:sp>
+      <p:sp>
+        <p:nvSpPr>
+          <p:cNvPr id="80" name="PlaceHolder 4"/>
           <p:cNvSpPr>
             <a:spLocks noGrp="1"/>
           </p:cNvSpPr>
@@ -1144,8 +1154,8 @@
         </p:nvSpPr>
         <p:spPr>
           <a:xfrm>
-            <a:off x="5082120" y="2160720"/>
-            <a:ext cx="4194720" cy="3880440"/>
+            <a:off x="6231960" y="1604520"/>
+            <a:ext cx="5354280" cy="3977280"/>
           </a:xfrm>
           <a:prstGeom prst="rect">
             <a:avLst/>
@@ -1154,16 +1164,16 @@
         <p:txBody>
           <a:bodyPr lIns="0" rIns="0" tIns="0" bIns="0"/>
           <a:p>
-            <a:endParaRPr b="0" lang="en-US" sz="1800" spc="-1" strike="noStrike">
-              <a:solidFill>
-                <a:srgbClr val="404040"/>
-              </a:solidFill>
-              <a:uFill>
-                <a:solidFill>
-                  <a:srgbClr val="ffffff"/>
-                </a:solidFill>
-              </a:uFill>
-              <a:latin typeface="Trebuchet MS"/>
+            <a:endParaRPr b="0" lang="en-IN" sz="3200" spc="-1" strike="noStrike">
+              <a:solidFill>
+                <a:srgbClr val="000000"/>
+              </a:solidFill>
+              <a:uFill>
+                <a:solidFill>
+                  <a:srgbClr val="ffffff"/>
+                </a:solidFill>
+              </a:uFill>
+              <a:latin typeface="Arial"/>
             </a:endParaRPr>
           </a:p>
         </p:txBody>
@@ -1192,7 +1202,7 @@
       </p:grpSpPr>
       <p:sp>
         <p:nvSpPr>
-          <p:cNvPr id="25" name="PlaceHolder 1"/>
+          <p:cNvPr id="22" name="PlaceHolder 1"/>
           <p:cNvSpPr>
             <a:spLocks noGrp="1"/>
           </p:cNvSpPr>
@@ -1202,8 +1212,8 @@
         </p:nvSpPr>
         <p:spPr>
           <a:xfrm>
-            <a:off x="677160" y="609480"/>
-            <a:ext cx="8596440" cy="1320480"/>
+            <a:off x="609480" y="273600"/>
+            <a:ext cx="10972440" cy="1144800"/>
           </a:xfrm>
           <a:prstGeom prst="rect">
             <a:avLst/>
@@ -1212,23 +1222,24 @@
         <p:txBody>
           <a:bodyPr lIns="0" rIns="0" tIns="0" bIns="0" anchor="ctr"/>
           <a:p>
-            <a:endParaRPr b="0" lang="en-US" sz="1800" spc="-1" strike="noStrike">
-              <a:solidFill>
-                <a:srgbClr val="000000"/>
-              </a:solidFill>
-              <a:uFill>
-                <a:solidFill>
-                  <a:srgbClr val="ffffff"/>
-                </a:solidFill>
-              </a:uFill>
-              <a:latin typeface="Trebuchet MS"/>
-            </a:endParaRPr>
-          </a:p>
-        </p:txBody>
-      </p:sp>
-      <p:sp>
-        <p:nvSpPr>
-          <p:cNvPr id="26" name="PlaceHolder 2"/>
+            <a:pPr algn="ctr"/>
+            <a:endParaRPr b="0" lang="en-IN" sz="4400" spc="-1" strike="noStrike">
+              <a:solidFill>
+                <a:srgbClr val="000000"/>
+              </a:solidFill>
+              <a:uFill>
+                <a:solidFill>
+                  <a:srgbClr val="ffffff"/>
+                </a:solidFill>
+              </a:uFill>
+              <a:latin typeface="Arial"/>
+            </a:endParaRPr>
+          </a:p>
+        </p:txBody>
+      </p:sp>
+      <p:sp>
+        <p:nvSpPr>
+          <p:cNvPr id="23" name="PlaceHolder 2"/>
           <p:cNvSpPr>
             <a:spLocks noGrp="1"/>
           </p:cNvSpPr>
@@ -1238,8 +1249,8 @@
         </p:nvSpPr>
         <p:spPr>
           <a:xfrm>
-            <a:off x="677160" y="2160720"/>
-            <a:ext cx="8596440" cy="3880440"/>
+            <a:off x="609480" y="1604520"/>
+            <a:ext cx="10972440" cy="3977280"/>
           </a:xfrm>
           <a:prstGeom prst="rect">
             <a:avLst/>
@@ -1287,7 +1298,7 @@
       </p:grpSpPr>
       <p:sp>
         <p:nvSpPr>
-          <p:cNvPr id="87" name="PlaceHolder 1"/>
+          <p:cNvPr id="81" name="PlaceHolder 1"/>
           <p:cNvSpPr>
             <a:spLocks noGrp="1"/>
           </p:cNvSpPr>
@@ -1297,8 +1308,8 @@
         </p:nvSpPr>
         <p:spPr>
           <a:xfrm>
-            <a:off x="677160" y="609480"/>
-            <a:ext cx="8596440" cy="1320480"/>
+            <a:off x="609480" y="273600"/>
+            <a:ext cx="10972440" cy="1144800"/>
           </a:xfrm>
           <a:prstGeom prst="rect">
             <a:avLst/>
@@ -1307,23 +1318,24 @@
         <p:txBody>
           <a:bodyPr lIns="0" rIns="0" tIns="0" bIns="0" anchor="ctr"/>
           <a:p>
-            <a:endParaRPr b="0" lang="en-US" sz="1800" spc="-1" strike="noStrike">
-              <a:solidFill>
-                <a:srgbClr val="000000"/>
-              </a:solidFill>
-              <a:uFill>
-                <a:solidFill>
-                  <a:srgbClr val="ffffff"/>
-                </a:solidFill>
-              </a:uFill>
-              <a:latin typeface="Trebuchet MS"/>
-            </a:endParaRPr>
-          </a:p>
-        </p:txBody>
-      </p:sp>
-      <p:sp>
-        <p:nvSpPr>
-          <p:cNvPr id="88" name="PlaceHolder 2"/>
+            <a:pPr algn="ctr"/>
+            <a:endParaRPr b="0" lang="en-IN" sz="4400" spc="-1" strike="noStrike">
+              <a:solidFill>
+                <a:srgbClr val="000000"/>
+              </a:solidFill>
+              <a:uFill>
+                <a:solidFill>
+                  <a:srgbClr val="ffffff"/>
+                </a:solidFill>
+              </a:uFill>
+              <a:latin typeface="Arial"/>
+            </a:endParaRPr>
+          </a:p>
+        </p:txBody>
+      </p:sp>
+      <p:sp>
+        <p:nvSpPr>
+          <p:cNvPr id="82" name="PlaceHolder 2"/>
           <p:cNvSpPr>
             <a:spLocks noGrp="1"/>
           </p:cNvSpPr>
@@ -1333,8 +1345,8 @@
         </p:nvSpPr>
         <p:spPr>
           <a:xfrm>
-            <a:off x="677160" y="2160720"/>
-            <a:ext cx="4194720" cy="3880440"/>
+            <a:off x="609480" y="1604520"/>
+            <a:ext cx="5354280" cy="3977280"/>
           </a:xfrm>
           <a:prstGeom prst="rect">
             <a:avLst/>
@@ -1343,23 +1355,23 @@
         <p:txBody>
           <a:bodyPr lIns="0" rIns="0" tIns="0" bIns="0"/>
           <a:p>
-            <a:endParaRPr b="0" lang="en-US" sz="1800" spc="-1" strike="noStrike">
-              <a:solidFill>
-                <a:srgbClr val="404040"/>
-              </a:solidFill>
-              <a:uFill>
-                <a:solidFill>
-                  <a:srgbClr val="ffffff"/>
-                </a:solidFill>
-              </a:uFill>
-              <a:latin typeface="Trebuchet MS"/>
-            </a:endParaRPr>
-          </a:p>
-        </p:txBody>
-      </p:sp>
-      <p:sp>
-        <p:nvSpPr>
-          <p:cNvPr id="89" name="PlaceHolder 3"/>
+            <a:endParaRPr b="0" lang="en-IN" sz="3200" spc="-1" strike="noStrike">
+              <a:solidFill>
+                <a:srgbClr val="000000"/>
+              </a:solidFill>
+              <a:uFill>
+                <a:solidFill>
+                  <a:srgbClr val="ffffff"/>
+                </a:solidFill>
+              </a:uFill>
+              <a:latin typeface="Arial"/>
+            </a:endParaRPr>
+          </a:p>
+        </p:txBody>
+      </p:sp>
+      <p:sp>
+        <p:nvSpPr>
+          <p:cNvPr id="83" name="PlaceHolder 3"/>
           <p:cNvSpPr>
             <a:spLocks noGrp="1"/>
           </p:cNvSpPr>
@@ -1369,8 +1381,8 @@
         </p:nvSpPr>
         <p:spPr>
           <a:xfrm>
-            <a:off x="5082120" y="2160720"/>
-            <a:ext cx="4194720" cy="1850760"/>
+            <a:off x="6231960" y="1604520"/>
+            <a:ext cx="5354280" cy="1896840"/>
           </a:xfrm>
           <a:prstGeom prst="rect">
             <a:avLst/>
@@ -1379,23 +1391,23 @@
         <p:txBody>
           <a:bodyPr lIns="0" rIns="0" tIns="0" bIns="0"/>
           <a:p>
-            <a:endParaRPr b="0" lang="en-US" sz="1800" spc="-1" strike="noStrike">
-              <a:solidFill>
-                <a:srgbClr val="404040"/>
-              </a:solidFill>
-              <a:uFill>
-                <a:solidFill>
-                  <a:srgbClr val="ffffff"/>
-                </a:solidFill>
-              </a:uFill>
-              <a:latin typeface="Trebuchet MS"/>
-            </a:endParaRPr>
-          </a:p>
-        </p:txBody>
-      </p:sp>
-      <p:sp>
-        <p:nvSpPr>
-          <p:cNvPr id="90" name="PlaceHolder 4"/>
+            <a:endParaRPr b="0" lang="en-IN" sz="3200" spc="-1" strike="noStrike">
+              <a:solidFill>
+                <a:srgbClr val="000000"/>
+              </a:solidFill>
+              <a:uFill>
+                <a:solidFill>
+                  <a:srgbClr val="ffffff"/>
+                </a:solidFill>
+              </a:uFill>
+              <a:latin typeface="Arial"/>
+            </a:endParaRPr>
+          </a:p>
+        </p:txBody>
+      </p:sp>
+      <p:sp>
+        <p:nvSpPr>
+          <p:cNvPr id="84" name="PlaceHolder 4"/>
           <p:cNvSpPr>
             <a:spLocks noGrp="1"/>
           </p:cNvSpPr>
@@ -1405,8 +1417,8 @@
         </p:nvSpPr>
         <p:spPr>
           <a:xfrm>
-            <a:off x="5082120" y="4187520"/>
-            <a:ext cx="4194720" cy="1850760"/>
+            <a:off x="6231960" y="3682080"/>
+            <a:ext cx="5354280" cy="1896840"/>
           </a:xfrm>
           <a:prstGeom prst="rect">
             <a:avLst/>
@@ -1415,16 +1427,16 @@
         <p:txBody>
           <a:bodyPr lIns="0" rIns="0" tIns="0" bIns="0"/>
           <a:p>
-            <a:endParaRPr b="0" lang="en-US" sz="1800" spc="-1" strike="noStrike">
-              <a:solidFill>
-                <a:srgbClr val="404040"/>
-              </a:solidFill>
-              <a:uFill>
-                <a:solidFill>
-                  <a:srgbClr val="ffffff"/>
-                </a:solidFill>
-              </a:uFill>
-              <a:latin typeface="Trebuchet MS"/>
+            <a:endParaRPr b="0" lang="en-IN" sz="3200" spc="-1" strike="noStrike">
+              <a:solidFill>
+                <a:srgbClr val="000000"/>
+              </a:solidFill>
+              <a:uFill>
+                <a:solidFill>
+                  <a:srgbClr val="ffffff"/>
+                </a:solidFill>
+              </a:uFill>
+              <a:latin typeface="Arial"/>
             </a:endParaRPr>
           </a:p>
         </p:txBody>
@@ -1453,7 +1465,7 @@
       </p:grpSpPr>
       <p:sp>
         <p:nvSpPr>
-          <p:cNvPr id="91" name="PlaceHolder 1"/>
+          <p:cNvPr id="85" name="PlaceHolder 1"/>
           <p:cNvSpPr>
             <a:spLocks noGrp="1"/>
           </p:cNvSpPr>
@@ -1463,8 +1475,8 @@
         </p:nvSpPr>
         <p:spPr>
           <a:xfrm>
-            <a:off x="677160" y="609480"/>
-            <a:ext cx="8596440" cy="1320480"/>
+            <a:off x="609480" y="273600"/>
+            <a:ext cx="10972440" cy="1144800"/>
           </a:xfrm>
           <a:prstGeom prst="rect">
             <a:avLst/>
@@ -1473,23 +1485,24 @@
         <p:txBody>
           <a:bodyPr lIns="0" rIns="0" tIns="0" bIns="0" anchor="ctr"/>
           <a:p>
-            <a:endParaRPr b="0" lang="en-US" sz="1800" spc="-1" strike="noStrike">
-              <a:solidFill>
-                <a:srgbClr val="000000"/>
-              </a:solidFill>
-              <a:uFill>
-                <a:solidFill>
-                  <a:srgbClr val="ffffff"/>
-                </a:solidFill>
-              </a:uFill>
-              <a:latin typeface="Trebuchet MS"/>
-            </a:endParaRPr>
-          </a:p>
-        </p:txBody>
-      </p:sp>
-      <p:sp>
-        <p:nvSpPr>
-          <p:cNvPr id="92" name="PlaceHolder 2"/>
+            <a:pPr algn="ctr"/>
+            <a:endParaRPr b="0" lang="en-IN" sz="4400" spc="-1" strike="noStrike">
+              <a:solidFill>
+                <a:srgbClr val="000000"/>
+              </a:solidFill>
+              <a:uFill>
+                <a:solidFill>
+                  <a:srgbClr val="ffffff"/>
+                </a:solidFill>
+              </a:uFill>
+              <a:latin typeface="Arial"/>
+            </a:endParaRPr>
+          </a:p>
+        </p:txBody>
+      </p:sp>
+      <p:sp>
+        <p:nvSpPr>
+          <p:cNvPr id="86" name="PlaceHolder 2"/>
           <p:cNvSpPr>
             <a:spLocks noGrp="1"/>
           </p:cNvSpPr>
@@ -1499,8 +1512,8 @@
         </p:nvSpPr>
         <p:spPr>
           <a:xfrm>
-            <a:off x="677160" y="2160720"/>
-            <a:ext cx="4194720" cy="1850760"/>
+            <a:off x="609480" y="1604520"/>
+            <a:ext cx="5354280" cy="1896840"/>
           </a:xfrm>
           <a:prstGeom prst="rect">
             <a:avLst/>
@@ -1509,23 +1522,23 @@
         <p:txBody>
           <a:bodyPr lIns="0" rIns="0" tIns="0" bIns="0"/>
           <a:p>
-            <a:endParaRPr b="0" lang="en-US" sz="1800" spc="-1" strike="noStrike">
-              <a:solidFill>
-                <a:srgbClr val="404040"/>
-              </a:solidFill>
-              <a:uFill>
-                <a:solidFill>
-                  <a:srgbClr val="ffffff"/>
-                </a:solidFill>
-              </a:uFill>
-              <a:latin typeface="Trebuchet MS"/>
-            </a:endParaRPr>
-          </a:p>
-        </p:txBody>
-      </p:sp>
-      <p:sp>
-        <p:nvSpPr>
-          <p:cNvPr id="93" name="PlaceHolder 3"/>
+            <a:endParaRPr b="0" lang="en-IN" sz="3200" spc="-1" strike="noStrike">
+              <a:solidFill>
+                <a:srgbClr val="000000"/>
+              </a:solidFill>
+              <a:uFill>
+                <a:solidFill>
+                  <a:srgbClr val="ffffff"/>
+                </a:solidFill>
+              </a:uFill>
+              <a:latin typeface="Arial"/>
+            </a:endParaRPr>
+          </a:p>
+        </p:txBody>
+      </p:sp>
+      <p:sp>
+        <p:nvSpPr>
+          <p:cNvPr id="87" name="PlaceHolder 3"/>
           <p:cNvSpPr>
             <a:spLocks noGrp="1"/>
           </p:cNvSpPr>
@@ -1535,8 +1548,8 @@
         </p:nvSpPr>
         <p:spPr>
           <a:xfrm>
-            <a:off x="5082120" y="2160720"/>
-            <a:ext cx="4194720" cy="1850760"/>
+            <a:off x="6231960" y="1604520"/>
+            <a:ext cx="5354280" cy="1896840"/>
           </a:xfrm>
           <a:prstGeom prst="rect">
             <a:avLst/>
@@ -1545,23 +1558,23 @@
         <p:txBody>
           <a:bodyPr lIns="0" rIns="0" tIns="0" bIns="0"/>
           <a:p>
-            <a:endParaRPr b="0" lang="en-US" sz="1800" spc="-1" strike="noStrike">
-              <a:solidFill>
-                <a:srgbClr val="404040"/>
-              </a:solidFill>
-              <a:uFill>
-                <a:solidFill>
-                  <a:srgbClr val="ffffff"/>
-                </a:solidFill>
-              </a:uFill>
-              <a:latin typeface="Trebuchet MS"/>
-            </a:endParaRPr>
-          </a:p>
-        </p:txBody>
-      </p:sp>
-      <p:sp>
-        <p:nvSpPr>
-          <p:cNvPr id="94" name="PlaceHolder 4"/>
+            <a:endParaRPr b="0" lang="en-IN" sz="3200" spc="-1" strike="noStrike">
+              <a:solidFill>
+                <a:srgbClr val="000000"/>
+              </a:solidFill>
+              <a:uFill>
+                <a:solidFill>
+                  <a:srgbClr val="ffffff"/>
+                </a:solidFill>
+              </a:uFill>
+              <a:latin typeface="Arial"/>
+            </a:endParaRPr>
+          </a:p>
+        </p:txBody>
+      </p:sp>
+      <p:sp>
+        <p:nvSpPr>
+          <p:cNvPr id="88" name="PlaceHolder 4"/>
           <p:cNvSpPr>
             <a:spLocks noGrp="1"/>
           </p:cNvSpPr>
@@ -1571,8 +1584,8 @@
         </p:nvSpPr>
         <p:spPr>
           <a:xfrm>
-            <a:off x="677160" y="4187520"/>
-            <a:ext cx="8596440" cy="1850760"/>
+            <a:off x="609480" y="3682080"/>
+            <a:ext cx="10972440" cy="1896840"/>
           </a:xfrm>
           <a:prstGeom prst="rect">
             <a:avLst/>
@@ -1581,16 +1594,16 @@
         <p:txBody>
           <a:bodyPr lIns="0" rIns="0" tIns="0" bIns="0"/>
           <a:p>
-            <a:endParaRPr b="0" lang="en-US" sz="1800" spc="-1" strike="noStrike">
-              <a:solidFill>
-                <a:srgbClr val="404040"/>
-              </a:solidFill>
-              <a:uFill>
-                <a:solidFill>
-                  <a:srgbClr val="ffffff"/>
-                </a:solidFill>
-              </a:uFill>
-              <a:latin typeface="Trebuchet MS"/>
+            <a:endParaRPr b="0" lang="en-IN" sz="3200" spc="-1" strike="noStrike">
+              <a:solidFill>
+                <a:srgbClr val="000000"/>
+              </a:solidFill>
+              <a:uFill>
+                <a:solidFill>
+                  <a:srgbClr val="ffffff"/>
+                </a:solidFill>
+              </a:uFill>
+              <a:latin typeface="Arial"/>
             </a:endParaRPr>
           </a:p>
         </p:txBody>
@@ -1619,7 +1632,7 @@
       </p:grpSpPr>
       <p:sp>
         <p:nvSpPr>
-          <p:cNvPr id="95" name="PlaceHolder 1"/>
+          <p:cNvPr id="89" name="PlaceHolder 1"/>
           <p:cNvSpPr>
             <a:spLocks noGrp="1"/>
           </p:cNvSpPr>
@@ -1629,8 +1642,8 @@
         </p:nvSpPr>
         <p:spPr>
           <a:xfrm>
-            <a:off x="677160" y="609480"/>
-            <a:ext cx="8596440" cy="1320480"/>
+            <a:off x="609480" y="273600"/>
+            <a:ext cx="10972440" cy="1144800"/>
           </a:xfrm>
           <a:prstGeom prst="rect">
             <a:avLst/>
@@ -1639,23 +1652,24 @@
         <p:txBody>
           <a:bodyPr lIns="0" rIns="0" tIns="0" bIns="0" anchor="ctr"/>
           <a:p>
-            <a:endParaRPr b="0" lang="en-US" sz="1800" spc="-1" strike="noStrike">
-              <a:solidFill>
-                <a:srgbClr val="000000"/>
-              </a:solidFill>
-              <a:uFill>
-                <a:solidFill>
-                  <a:srgbClr val="ffffff"/>
-                </a:solidFill>
-              </a:uFill>
-              <a:latin typeface="Trebuchet MS"/>
-            </a:endParaRPr>
-          </a:p>
-        </p:txBody>
-      </p:sp>
-      <p:sp>
-        <p:nvSpPr>
-          <p:cNvPr id="96" name="PlaceHolder 2"/>
+            <a:pPr algn="ctr"/>
+            <a:endParaRPr b="0" lang="en-IN" sz="4400" spc="-1" strike="noStrike">
+              <a:solidFill>
+                <a:srgbClr val="000000"/>
+              </a:solidFill>
+              <a:uFill>
+                <a:solidFill>
+                  <a:srgbClr val="ffffff"/>
+                </a:solidFill>
+              </a:uFill>
+              <a:latin typeface="Arial"/>
+            </a:endParaRPr>
+          </a:p>
+        </p:txBody>
+      </p:sp>
+      <p:sp>
+        <p:nvSpPr>
+          <p:cNvPr id="90" name="PlaceHolder 2"/>
           <p:cNvSpPr>
             <a:spLocks noGrp="1"/>
           </p:cNvSpPr>
@@ -1665,8 +1679,8 @@
         </p:nvSpPr>
         <p:spPr>
           <a:xfrm>
-            <a:off x="677160" y="2160720"/>
-            <a:ext cx="8596440" cy="1850760"/>
+            <a:off x="609480" y="1604520"/>
+            <a:ext cx="10972440" cy="1896840"/>
           </a:xfrm>
           <a:prstGeom prst="rect">
             <a:avLst/>
@@ -1675,23 +1689,23 @@
         <p:txBody>
           <a:bodyPr lIns="0" rIns="0" tIns="0" bIns="0"/>
           <a:p>
-            <a:endParaRPr b="0" lang="en-US" sz="1800" spc="-1" strike="noStrike">
-              <a:solidFill>
-                <a:srgbClr val="404040"/>
-              </a:solidFill>
-              <a:uFill>
-                <a:solidFill>
-                  <a:srgbClr val="ffffff"/>
-                </a:solidFill>
-              </a:uFill>
-              <a:latin typeface="Trebuchet MS"/>
-            </a:endParaRPr>
-          </a:p>
-        </p:txBody>
-      </p:sp>
-      <p:sp>
-        <p:nvSpPr>
-          <p:cNvPr id="97" name="PlaceHolder 3"/>
+            <a:endParaRPr b="0" lang="en-IN" sz="3200" spc="-1" strike="noStrike">
+              <a:solidFill>
+                <a:srgbClr val="000000"/>
+              </a:solidFill>
+              <a:uFill>
+                <a:solidFill>
+                  <a:srgbClr val="ffffff"/>
+                </a:solidFill>
+              </a:uFill>
+              <a:latin typeface="Arial"/>
+            </a:endParaRPr>
+          </a:p>
+        </p:txBody>
+      </p:sp>
+      <p:sp>
+        <p:nvSpPr>
+          <p:cNvPr id="91" name="PlaceHolder 3"/>
           <p:cNvSpPr>
             <a:spLocks noGrp="1"/>
           </p:cNvSpPr>
@@ -1701,8 +1715,8 @@
         </p:nvSpPr>
         <p:spPr>
           <a:xfrm>
-            <a:off x="677160" y="4187520"/>
-            <a:ext cx="8596440" cy="1850760"/>
+            <a:off x="609480" y="3682080"/>
+            <a:ext cx="10972440" cy="1896840"/>
           </a:xfrm>
           <a:prstGeom prst="rect">
             <a:avLst/>
@@ -1711,16 +1725,16 @@
         <p:txBody>
           <a:bodyPr lIns="0" rIns="0" tIns="0" bIns="0"/>
           <a:p>
-            <a:endParaRPr b="0" lang="en-US" sz="1800" spc="-1" strike="noStrike">
-              <a:solidFill>
-                <a:srgbClr val="404040"/>
-              </a:solidFill>
-              <a:uFill>
-                <a:solidFill>
-                  <a:srgbClr val="ffffff"/>
-                </a:solidFill>
-              </a:uFill>
-              <a:latin typeface="Trebuchet MS"/>
+            <a:endParaRPr b="0" lang="en-IN" sz="3200" spc="-1" strike="noStrike">
+              <a:solidFill>
+                <a:srgbClr val="000000"/>
+              </a:solidFill>
+              <a:uFill>
+                <a:solidFill>
+                  <a:srgbClr val="ffffff"/>
+                </a:solidFill>
+              </a:uFill>
+              <a:latin typeface="Arial"/>
             </a:endParaRPr>
           </a:p>
         </p:txBody>
@@ -1749,7 +1763,7 @@
       </p:grpSpPr>
       <p:sp>
         <p:nvSpPr>
-          <p:cNvPr id="98" name="PlaceHolder 1"/>
+          <p:cNvPr id="92" name="PlaceHolder 1"/>
           <p:cNvSpPr>
             <a:spLocks noGrp="1"/>
           </p:cNvSpPr>
@@ -1759,8 +1773,8 @@
         </p:nvSpPr>
         <p:spPr>
           <a:xfrm>
-            <a:off x="677160" y="609480"/>
-            <a:ext cx="8596440" cy="1320480"/>
+            <a:off x="609480" y="273600"/>
+            <a:ext cx="10972440" cy="1144800"/>
           </a:xfrm>
           <a:prstGeom prst="rect">
             <a:avLst/>
@@ -1769,23 +1783,24 @@
         <p:txBody>
           <a:bodyPr lIns="0" rIns="0" tIns="0" bIns="0" anchor="ctr"/>
           <a:p>
-            <a:endParaRPr b="0" lang="en-US" sz="1800" spc="-1" strike="noStrike">
-              <a:solidFill>
-                <a:srgbClr val="000000"/>
-              </a:solidFill>
-              <a:uFill>
-                <a:solidFill>
-                  <a:srgbClr val="ffffff"/>
-                </a:solidFill>
-              </a:uFill>
-              <a:latin typeface="Trebuchet MS"/>
-            </a:endParaRPr>
-          </a:p>
-        </p:txBody>
-      </p:sp>
-      <p:sp>
-        <p:nvSpPr>
-          <p:cNvPr id="99" name="PlaceHolder 2"/>
+            <a:pPr algn="ctr"/>
+            <a:endParaRPr b="0" lang="en-IN" sz="4400" spc="-1" strike="noStrike">
+              <a:solidFill>
+                <a:srgbClr val="000000"/>
+              </a:solidFill>
+              <a:uFill>
+                <a:solidFill>
+                  <a:srgbClr val="ffffff"/>
+                </a:solidFill>
+              </a:uFill>
+              <a:latin typeface="Arial"/>
+            </a:endParaRPr>
+          </a:p>
+        </p:txBody>
+      </p:sp>
+      <p:sp>
+        <p:nvSpPr>
+          <p:cNvPr id="93" name="PlaceHolder 2"/>
           <p:cNvSpPr>
             <a:spLocks noGrp="1"/>
           </p:cNvSpPr>
@@ -1795,8 +1810,8 @@
         </p:nvSpPr>
         <p:spPr>
           <a:xfrm>
-            <a:off x="677160" y="2160720"/>
-            <a:ext cx="4194720" cy="1850760"/>
+            <a:off x="609480" y="1604520"/>
+            <a:ext cx="5354280" cy="1896840"/>
           </a:xfrm>
           <a:prstGeom prst="rect">
             <a:avLst/>
@@ -1805,23 +1820,23 @@
         <p:txBody>
           <a:bodyPr lIns="0" rIns="0" tIns="0" bIns="0"/>
           <a:p>
-            <a:endParaRPr b="0" lang="en-US" sz="1800" spc="-1" strike="noStrike">
-              <a:solidFill>
-                <a:srgbClr val="404040"/>
-              </a:solidFill>
-              <a:uFill>
-                <a:solidFill>
-                  <a:srgbClr val="ffffff"/>
-                </a:solidFill>
-              </a:uFill>
-              <a:latin typeface="Trebuchet MS"/>
-            </a:endParaRPr>
-          </a:p>
-        </p:txBody>
-      </p:sp>
-      <p:sp>
-        <p:nvSpPr>
-          <p:cNvPr id="100" name="PlaceHolder 3"/>
+            <a:endParaRPr b="0" lang="en-IN" sz="3200" spc="-1" strike="noStrike">
+              <a:solidFill>
+                <a:srgbClr val="000000"/>
+              </a:solidFill>
+              <a:uFill>
+                <a:solidFill>
+                  <a:srgbClr val="ffffff"/>
+                </a:solidFill>
+              </a:uFill>
+              <a:latin typeface="Arial"/>
+            </a:endParaRPr>
+          </a:p>
+        </p:txBody>
+      </p:sp>
+      <p:sp>
+        <p:nvSpPr>
+          <p:cNvPr id="94" name="PlaceHolder 3"/>
           <p:cNvSpPr>
             <a:spLocks noGrp="1"/>
           </p:cNvSpPr>
@@ -1831,8 +1846,8 @@
         </p:nvSpPr>
         <p:spPr>
           <a:xfrm>
-            <a:off x="5082120" y="2160720"/>
-            <a:ext cx="4194720" cy="1850760"/>
+            <a:off x="6231960" y="1604520"/>
+            <a:ext cx="5354280" cy="1896840"/>
           </a:xfrm>
           <a:prstGeom prst="rect">
             <a:avLst/>
@@ -1841,23 +1856,23 @@
         <p:txBody>
           <a:bodyPr lIns="0" rIns="0" tIns="0" bIns="0"/>
           <a:p>
-            <a:endParaRPr b="0" lang="en-US" sz="1800" spc="-1" strike="noStrike">
-              <a:solidFill>
-                <a:srgbClr val="404040"/>
-              </a:solidFill>
-              <a:uFill>
-                <a:solidFill>
-                  <a:srgbClr val="ffffff"/>
-                </a:solidFill>
-              </a:uFill>
-              <a:latin typeface="Trebuchet MS"/>
-            </a:endParaRPr>
-          </a:p>
-        </p:txBody>
-      </p:sp>
-      <p:sp>
-        <p:nvSpPr>
-          <p:cNvPr id="101" name="PlaceHolder 4"/>
+            <a:endParaRPr b="0" lang="en-IN" sz="3200" spc="-1" strike="noStrike">
+              <a:solidFill>
+                <a:srgbClr val="000000"/>
+              </a:solidFill>
+              <a:uFill>
+                <a:solidFill>
+                  <a:srgbClr val="ffffff"/>
+                </a:solidFill>
+              </a:uFill>
+              <a:latin typeface="Arial"/>
+            </a:endParaRPr>
+          </a:p>
+        </p:txBody>
+      </p:sp>
+      <p:sp>
+        <p:nvSpPr>
+          <p:cNvPr id="95" name="PlaceHolder 4"/>
           <p:cNvSpPr>
             <a:spLocks noGrp="1"/>
           </p:cNvSpPr>
@@ -1867,8 +1882,8 @@
         </p:nvSpPr>
         <p:spPr>
           <a:xfrm>
-            <a:off x="5082120" y="4187520"/>
-            <a:ext cx="4194720" cy="1850760"/>
+            <a:off x="6231960" y="3682080"/>
+            <a:ext cx="5354280" cy="1896840"/>
           </a:xfrm>
           <a:prstGeom prst="rect">
             <a:avLst/>
@@ -1877,23 +1892,23 @@
         <p:txBody>
           <a:bodyPr lIns="0" rIns="0" tIns="0" bIns="0"/>
           <a:p>
-            <a:endParaRPr b="0" lang="en-US" sz="1800" spc="-1" strike="noStrike">
-              <a:solidFill>
-                <a:srgbClr val="404040"/>
-              </a:solidFill>
-              <a:uFill>
-                <a:solidFill>
-                  <a:srgbClr val="ffffff"/>
-                </a:solidFill>
-              </a:uFill>
-              <a:latin typeface="Trebuchet MS"/>
-            </a:endParaRPr>
-          </a:p>
-        </p:txBody>
-      </p:sp>
-      <p:sp>
-        <p:nvSpPr>
-          <p:cNvPr id="102" name="PlaceHolder 5"/>
+            <a:endParaRPr b="0" lang="en-IN" sz="3200" spc="-1" strike="noStrike">
+              <a:solidFill>
+                <a:srgbClr val="000000"/>
+              </a:solidFill>
+              <a:uFill>
+                <a:solidFill>
+                  <a:srgbClr val="ffffff"/>
+                </a:solidFill>
+              </a:uFill>
+              <a:latin typeface="Arial"/>
+            </a:endParaRPr>
+          </a:p>
+        </p:txBody>
+      </p:sp>
+      <p:sp>
+        <p:nvSpPr>
+          <p:cNvPr id="96" name="PlaceHolder 5"/>
           <p:cNvSpPr>
             <a:spLocks noGrp="1"/>
           </p:cNvSpPr>
@@ -1903,8 +1918,8 @@
         </p:nvSpPr>
         <p:spPr>
           <a:xfrm>
-            <a:off x="677160" y="4187520"/>
-            <a:ext cx="4194720" cy="1850760"/>
+            <a:off x="609480" y="3682080"/>
+            <a:ext cx="5354280" cy="1896840"/>
           </a:xfrm>
           <a:prstGeom prst="rect">
             <a:avLst/>
@@ -1913,16 +1928,16 @@
         <p:txBody>
           <a:bodyPr lIns="0" rIns="0" tIns="0" bIns="0"/>
           <a:p>
-            <a:endParaRPr b="0" lang="en-US" sz="1800" spc="-1" strike="noStrike">
-              <a:solidFill>
-                <a:srgbClr val="404040"/>
-              </a:solidFill>
-              <a:uFill>
-                <a:solidFill>
-                  <a:srgbClr val="ffffff"/>
-                </a:solidFill>
-              </a:uFill>
-              <a:latin typeface="Trebuchet MS"/>
+            <a:endParaRPr b="0" lang="en-IN" sz="3200" spc="-1" strike="noStrike">
+              <a:solidFill>
+                <a:srgbClr val="000000"/>
+              </a:solidFill>
+              <a:uFill>
+                <a:solidFill>
+                  <a:srgbClr val="ffffff"/>
+                </a:solidFill>
+              </a:uFill>
+              <a:latin typeface="Arial"/>
             </a:endParaRPr>
           </a:p>
         </p:txBody>
@@ -1951,7 +1966,7 @@
       </p:grpSpPr>
       <p:sp>
         <p:nvSpPr>
-          <p:cNvPr id="103" name="PlaceHolder 1"/>
+          <p:cNvPr id="97" name="PlaceHolder 1"/>
           <p:cNvSpPr>
             <a:spLocks noGrp="1"/>
           </p:cNvSpPr>
@@ -1961,8 +1976,8 @@
         </p:nvSpPr>
         <p:spPr>
           <a:xfrm>
-            <a:off x="677160" y="609480"/>
-            <a:ext cx="8596440" cy="1320480"/>
+            <a:off x="609480" y="273600"/>
+            <a:ext cx="10972440" cy="1144800"/>
           </a:xfrm>
           <a:prstGeom prst="rect">
             <a:avLst/>
@@ -1971,23 +1986,24 @@
         <p:txBody>
           <a:bodyPr lIns="0" rIns="0" tIns="0" bIns="0" anchor="ctr"/>
           <a:p>
-            <a:endParaRPr b="0" lang="en-US" sz="1800" spc="-1" strike="noStrike">
-              <a:solidFill>
-                <a:srgbClr val="000000"/>
-              </a:solidFill>
-              <a:uFill>
-                <a:solidFill>
-                  <a:srgbClr val="ffffff"/>
-                </a:solidFill>
-              </a:uFill>
-              <a:latin typeface="Trebuchet MS"/>
-            </a:endParaRPr>
-          </a:p>
-        </p:txBody>
-      </p:sp>
-      <p:sp>
-        <p:nvSpPr>
-          <p:cNvPr id="104" name="PlaceHolder 2"/>
+            <a:pPr algn="ctr"/>
+            <a:endParaRPr b="0" lang="en-IN" sz="4400" spc="-1" strike="noStrike">
+              <a:solidFill>
+                <a:srgbClr val="000000"/>
+              </a:solidFill>
+              <a:uFill>
+                <a:solidFill>
+                  <a:srgbClr val="ffffff"/>
+                </a:solidFill>
+              </a:uFill>
+              <a:latin typeface="Arial"/>
+            </a:endParaRPr>
+          </a:p>
+        </p:txBody>
+      </p:sp>
+      <p:sp>
+        <p:nvSpPr>
+          <p:cNvPr id="98" name="PlaceHolder 2"/>
           <p:cNvSpPr>
             <a:spLocks noGrp="1"/>
           </p:cNvSpPr>
@@ -1997,8 +2013,8 @@
         </p:nvSpPr>
         <p:spPr>
           <a:xfrm>
-            <a:off x="677160" y="2160720"/>
-            <a:ext cx="8596440" cy="3880440"/>
+            <a:off x="609480" y="1604520"/>
+            <a:ext cx="10972440" cy="3977280"/>
           </a:xfrm>
           <a:prstGeom prst="rect">
             <a:avLst/>
@@ -2007,23 +2023,23 @@
         <p:txBody>
           <a:bodyPr lIns="0" rIns="0" tIns="0" bIns="0"/>
           <a:p>
-            <a:endParaRPr b="0" lang="en-US" sz="1800" spc="-1" strike="noStrike">
-              <a:solidFill>
-                <a:srgbClr val="404040"/>
-              </a:solidFill>
-              <a:uFill>
-                <a:solidFill>
-                  <a:srgbClr val="ffffff"/>
-                </a:solidFill>
-              </a:uFill>
-              <a:latin typeface="Trebuchet MS"/>
-            </a:endParaRPr>
-          </a:p>
-        </p:txBody>
-      </p:sp>
-      <p:sp>
-        <p:nvSpPr>
-          <p:cNvPr id="105" name="PlaceHolder 3"/>
+            <a:endParaRPr b="0" lang="en-IN" sz="3200" spc="-1" strike="noStrike">
+              <a:solidFill>
+                <a:srgbClr val="000000"/>
+              </a:solidFill>
+              <a:uFill>
+                <a:solidFill>
+                  <a:srgbClr val="ffffff"/>
+                </a:solidFill>
+              </a:uFill>
+              <a:latin typeface="Arial"/>
+            </a:endParaRPr>
+          </a:p>
+        </p:txBody>
+      </p:sp>
+      <p:sp>
+        <p:nvSpPr>
+          <p:cNvPr id="99" name="PlaceHolder 3"/>
           <p:cNvSpPr>
             <a:spLocks noGrp="1"/>
           </p:cNvSpPr>
@@ -2033,8 +2049,8 @@
         </p:nvSpPr>
         <p:spPr>
           <a:xfrm>
-            <a:off x="677160" y="2160720"/>
-            <a:ext cx="8596440" cy="3880440"/>
+            <a:off x="609480" y="1604520"/>
+            <a:ext cx="10972440" cy="3977280"/>
           </a:xfrm>
           <a:prstGeom prst="rect">
             <a:avLst/>
@@ -2043,23 +2059,23 @@
         <p:txBody>
           <a:bodyPr lIns="0" rIns="0" tIns="0" bIns="0"/>
           <a:p>
-            <a:endParaRPr b="0" lang="en-US" sz="1800" spc="-1" strike="noStrike">
-              <a:solidFill>
-                <a:srgbClr val="404040"/>
-              </a:solidFill>
-              <a:uFill>
-                <a:solidFill>
-                  <a:srgbClr val="ffffff"/>
-                </a:solidFill>
-              </a:uFill>
-              <a:latin typeface="Trebuchet MS"/>
+            <a:endParaRPr b="0" lang="en-IN" sz="3200" spc="-1" strike="noStrike">
+              <a:solidFill>
+                <a:srgbClr val="000000"/>
+              </a:solidFill>
+              <a:uFill>
+                <a:solidFill>
+                  <a:srgbClr val="ffffff"/>
+                </a:solidFill>
+              </a:uFill>
+              <a:latin typeface="Arial"/>
             </a:endParaRPr>
           </a:p>
         </p:txBody>
       </p:sp>
       <p:pic>
         <p:nvPicPr>
-          <p:cNvPr id="106" name="" descr=""/>
+          <p:cNvPr id="100" name="" descr=""/>
           <p:cNvPicPr/>
           <p:nvPr/>
         </p:nvPicPr>
@@ -2069,8 +2085,8 @@
         </p:blipFill>
         <p:spPr>
           <a:xfrm>
-            <a:off x="2543400" y="2160360"/>
-            <a:ext cx="4863240" cy="3880440"/>
+            <a:off x="3602880" y="1604520"/>
+            <a:ext cx="4984920" cy="3977280"/>
           </a:xfrm>
           <a:prstGeom prst="rect">
             <a:avLst/>
@@ -2082,7 +2098,7 @@
       </p:pic>
       <p:pic>
         <p:nvPicPr>
-          <p:cNvPr id="107" name="" descr=""/>
+          <p:cNvPr id="101" name="" descr=""/>
           <p:cNvPicPr/>
           <p:nvPr/>
         </p:nvPicPr>
@@ -2092,8 +2108,8 @@
         </p:blipFill>
         <p:spPr>
           <a:xfrm>
-            <a:off x="2543400" y="2160360"/>
-            <a:ext cx="4863240" cy="3880440"/>
+            <a:off x="3602880" y="1604520"/>
+            <a:ext cx="4984920" cy="3977280"/>
           </a:xfrm>
           <a:prstGeom prst="rect">
             <a:avLst/>
@@ -2127,7 +2143,7 @@
       </p:grpSpPr>
       <p:sp>
         <p:nvSpPr>
-          <p:cNvPr id="27" name="PlaceHolder 1"/>
+          <p:cNvPr id="24" name="PlaceHolder 1"/>
           <p:cNvSpPr>
             <a:spLocks noGrp="1"/>
           </p:cNvSpPr>
@@ -2137,8 +2153,8 @@
         </p:nvSpPr>
         <p:spPr>
           <a:xfrm>
-            <a:off x="677160" y="609480"/>
-            <a:ext cx="8596440" cy="1320480"/>
+            <a:off x="609480" y="273600"/>
+            <a:ext cx="10972440" cy="1144800"/>
           </a:xfrm>
           <a:prstGeom prst="rect">
             <a:avLst/>
@@ -2147,23 +2163,24 @@
         <p:txBody>
           <a:bodyPr lIns="0" rIns="0" tIns="0" bIns="0" anchor="ctr"/>
           <a:p>
-            <a:endParaRPr b="0" lang="en-US" sz="1800" spc="-1" strike="noStrike">
-              <a:solidFill>
-                <a:srgbClr val="000000"/>
-              </a:solidFill>
-              <a:uFill>
-                <a:solidFill>
-                  <a:srgbClr val="ffffff"/>
-                </a:solidFill>
-              </a:uFill>
-              <a:latin typeface="Trebuchet MS"/>
-            </a:endParaRPr>
-          </a:p>
-        </p:txBody>
-      </p:sp>
-      <p:sp>
-        <p:nvSpPr>
-          <p:cNvPr id="28" name="PlaceHolder 2"/>
+            <a:pPr algn="ctr"/>
+            <a:endParaRPr b="0" lang="en-IN" sz="4400" spc="-1" strike="noStrike">
+              <a:solidFill>
+                <a:srgbClr val="000000"/>
+              </a:solidFill>
+              <a:uFill>
+                <a:solidFill>
+                  <a:srgbClr val="ffffff"/>
+                </a:solidFill>
+              </a:uFill>
+              <a:latin typeface="Arial"/>
+            </a:endParaRPr>
+          </a:p>
+        </p:txBody>
+      </p:sp>
+      <p:sp>
+        <p:nvSpPr>
+          <p:cNvPr id="25" name="PlaceHolder 2"/>
           <p:cNvSpPr>
             <a:spLocks noGrp="1"/>
           </p:cNvSpPr>
@@ -2173,8 +2190,8 @@
         </p:nvSpPr>
         <p:spPr>
           <a:xfrm>
-            <a:off x="677160" y="2160720"/>
-            <a:ext cx="8596440" cy="3880440"/>
+            <a:off x="609480" y="1604520"/>
+            <a:ext cx="10972440" cy="3977280"/>
           </a:xfrm>
           <a:prstGeom prst="rect">
             <a:avLst/>
@@ -2183,16 +2200,16 @@
         <p:txBody>
           <a:bodyPr lIns="0" rIns="0" tIns="0" bIns="0"/>
           <a:p>
-            <a:endParaRPr b="0" lang="en-US" sz="1800" spc="-1" strike="noStrike">
-              <a:solidFill>
-                <a:srgbClr val="404040"/>
-              </a:solidFill>
-              <a:uFill>
-                <a:solidFill>
-                  <a:srgbClr val="ffffff"/>
-                </a:solidFill>
-              </a:uFill>
-              <a:latin typeface="Trebuchet MS"/>
+            <a:endParaRPr b="0" lang="en-IN" sz="3200" spc="-1" strike="noStrike">
+              <a:solidFill>
+                <a:srgbClr val="000000"/>
+              </a:solidFill>
+              <a:uFill>
+                <a:solidFill>
+                  <a:srgbClr val="ffffff"/>
+                </a:solidFill>
+              </a:uFill>
+              <a:latin typeface="Arial"/>
             </a:endParaRPr>
           </a:p>
         </p:txBody>
@@ -2221,7 +2238,7 @@
       </p:grpSpPr>
       <p:sp>
         <p:nvSpPr>
-          <p:cNvPr id="29" name="PlaceHolder 1"/>
+          <p:cNvPr id="26" name="PlaceHolder 1"/>
           <p:cNvSpPr>
             <a:spLocks noGrp="1"/>
           </p:cNvSpPr>
@@ -2231,8 +2248,8 @@
         </p:nvSpPr>
         <p:spPr>
           <a:xfrm>
-            <a:off x="677160" y="609480"/>
-            <a:ext cx="8596440" cy="1320480"/>
+            <a:off x="609480" y="273600"/>
+            <a:ext cx="10972440" cy="1144800"/>
           </a:xfrm>
           <a:prstGeom prst="rect">
             <a:avLst/>
@@ -2241,23 +2258,24 @@
         <p:txBody>
           <a:bodyPr lIns="0" rIns="0" tIns="0" bIns="0" anchor="ctr"/>
           <a:p>
-            <a:endParaRPr b="0" lang="en-US" sz="1800" spc="-1" strike="noStrike">
-              <a:solidFill>
-                <a:srgbClr val="000000"/>
-              </a:solidFill>
-              <a:uFill>
-                <a:solidFill>
-                  <a:srgbClr val="ffffff"/>
-                </a:solidFill>
-              </a:uFill>
-              <a:latin typeface="Trebuchet MS"/>
-            </a:endParaRPr>
-          </a:p>
-        </p:txBody>
-      </p:sp>
-      <p:sp>
-        <p:nvSpPr>
-          <p:cNvPr id="30" name="PlaceHolder 2"/>
+            <a:pPr algn="ctr"/>
+            <a:endParaRPr b="0" lang="en-IN" sz="4400" spc="-1" strike="noStrike">
+              <a:solidFill>
+                <a:srgbClr val="000000"/>
+              </a:solidFill>
+              <a:uFill>
+                <a:solidFill>
+                  <a:srgbClr val="ffffff"/>
+                </a:solidFill>
+              </a:uFill>
+              <a:latin typeface="Arial"/>
+            </a:endParaRPr>
+          </a:p>
+        </p:txBody>
+      </p:sp>
+      <p:sp>
+        <p:nvSpPr>
+          <p:cNvPr id="27" name="PlaceHolder 2"/>
           <p:cNvSpPr>
             <a:spLocks noGrp="1"/>
           </p:cNvSpPr>
@@ -2267,8 +2285,8 @@
         </p:nvSpPr>
         <p:spPr>
           <a:xfrm>
-            <a:off x="677160" y="2160720"/>
-            <a:ext cx="4194720" cy="3880440"/>
+            <a:off x="609480" y="1604520"/>
+            <a:ext cx="5354280" cy="3977280"/>
           </a:xfrm>
           <a:prstGeom prst="rect">
             <a:avLst/>
@@ -2277,23 +2295,23 @@
         <p:txBody>
           <a:bodyPr lIns="0" rIns="0" tIns="0" bIns="0"/>
           <a:p>
-            <a:endParaRPr b="0" lang="en-US" sz="1800" spc="-1" strike="noStrike">
-              <a:solidFill>
-                <a:srgbClr val="404040"/>
-              </a:solidFill>
-              <a:uFill>
-                <a:solidFill>
-                  <a:srgbClr val="ffffff"/>
-                </a:solidFill>
-              </a:uFill>
-              <a:latin typeface="Trebuchet MS"/>
-            </a:endParaRPr>
-          </a:p>
-        </p:txBody>
-      </p:sp>
-      <p:sp>
-        <p:nvSpPr>
-          <p:cNvPr id="31" name="PlaceHolder 3"/>
+            <a:endParaRPr b="0" lang="en-IN" sz="3200" spc="-1" strike="noStrike">
+              <a:solidFill>
+                <a:srgbClr val="000000"/>
+              </a:solidFill>
+              <a:uFill>
+                <a:solidFill>
+                  <a:srgbClr val="ffffff"/>
+                </a:solidFill>
+              </a:uFill>
+              <a:latin typeface="Arial"/>
+            </a:endParaRPr>
+          </a:p>
+        </p:txBody>
+      </p:sp>
+      <p:sp>
+        <p:nvSpPr>
+          <p:cNvPr id="28" name="PlaceHolder 3"/>
           <p:cNvSpPr>
             <a:spLocks noGrp="1"/>
           </p:cNvSpPr>
@@ -2303,8 +2321,8 @@
         </p:nvSpPr>
         <p:spPr>
           <a:xfrm>
-            <a:off x="5082120" y="2160720"/>
-            <a:ext cx="4194720" cy="3880440"/>
+            <a:off x="6231960" y="1604520"/>
+            <a:ext cx="5354280" cy="3977280"/>
           </a:xfrm>
           <a:prstGeom prst="rect">
             <a:avLst/>
@@ -2313,16 +2331,16 @@
         <p:txBody>
           <a:bodyPr lIns="0" rIns="0" tIns="0" bIns="0"/>
           <a:p>
-            <a:endParaRPr b="0" lang="en-US" sz="1800" spc="-1" strike="noStrike">
-              <a:solidFill>
-                <a:srgbClr val="404040"/>
-              </a:solidFill>
-              <a:uFill>
-                <a:solidFill>
-                  <a:srgbClr val="ffffff"/>
-                </a:solidFill>
-              </a:uFill>
-              <a:latin typeface="Trebuchet MS"/>
+            <a:endParaRPr b="0" lang="en-IN" sz="3200" spc="-1" strike="noStrike">
+              <a:solidFill>
+                <a:srgbClr val="000000"/>
+              </a:solidFill>
+              <a:uFill>
+                <a:solidFill>
+                  <a:srgbClr val="ffffff"/>
+                </a:solidFill>
+              </a:uFill>
+              <a:latin typeface="Arial"/>
             </a:endParaRPr>
           </a:p>
         </p:txBody>
@@ -2351,7 +2369,7 @@
       </p:grpSpPr>
       <p:sp>
         <p:nvSpPr>
-          <p:cNvPr id="32" name="PlaceHolder 1"/>
+          <p:cNvPr id="29" name="PlaceHolder 1"/>
           <p:cNvSpPr>
             <a:spLocks noGrp="1"/>
           </p:cNvSpPr>
@@ -2361,8 +2379,8 @@
         </p:nvSpPr>
         <p:spPr>
           <a:xfrm>
-            <a:off x="677160" y="609480"/>
-            <a:ext cx="8596440" cy="1320480"/>
+            <a:off x="609480" y="273600"/>
+            <a:ext cx="10972440" cy="1144800"/>
           </a:xfrm>
           <a:prstGeom prst="rect">
             <a:avLst/>
@@ -2371,16 +2389,17 @@
         <p:txBody>
           <a:bodyPr lIns="0" rIns="0" tIns="0" bIns="0" anchor="ctr"/>
           <a:p>
-            <a:endParaRPr b="0" lang="en-US" sz="1800" spc="-1" strike="noStrike">
-              <a:solidFill>
-                <a:srgbClr val="000000"/>
-              </a:solidFill>
-              <a:uFill>
-                <a:solidFill>
-                  <a:srgbClr val="ffffff"/>
-                </a:solidFill>
-              </a:uFill>
-              <a:latin typeface="Trebuchet MS"/>
+            <a:pPr algn="ctr"/>
+            <a:endParaRPr b="0" lang="en-IN" sz="4400" spc="-1" strike="noStrike">
+              <a:solidFill>
+                <a:srgbClr val="000000"/>
+              </a:solidFill>
+              <a:uFill>
+                <a:solidFill>
+                  <a:srgbClr val="ffffff"/>
+                </a:solidFill>
+              </a:uFill>
+              <a:latin typeface="Arial"/>
             </a:endParaRPr>
           </a:p>
         </p:txBody>
@@ -2409,7 +2428,7 @@
       </p:grpSpPr>
       <p:sp>
         <p:nvSpPr>
-          <p:cNvPr id="33" name="PlaceHolder 1"/>
+          <p:cNvPr id="30" name="PlaceHolder 1"/>
           <p:cNvSpPr>
             <a:spLocks noGrp="1"/>
           </p:cNvSpPr>
@@ -2419,8 +2438,8 @@
         </p:nvSpPr>
         <p:spPr>
           <a:xfrm>
-            <a:off x="677160" y="609480"/>
-            <a:ext cx="8596440" cy="6122160"/>
+            <a:off x="609480" y="273600"/>
+            <a:ext cx="10972440" cy="5307840"/>
           </a:xfrm>
           <a:prstGeom prst="rect">
             <a:avLst/>
@@ -2468,7 +2487,7 @@
       </p:grpSpPr>
       <p:sp>
         <p:nvSpPr>
-          <p:cNvPr id="34" name="PlaceHolder 1"/>
+          <p:cNvPr id="31" name="PlaceHolder 1"/>
           <p:cNvSpPr>
             <a:spLocks noGrp="1"/>
           </p:cNvSpPr>
@@ -2478,8 +2497,8 @@
         </p:nvSpPr>
         <p:spPr>
           <a:xfrm>
-            <a:off x="677160" y="609480"/>
-            <a:ext cx="8596440" cy="1320480"/>
+            <a:off x="609480" y="273600"/>
+            <a:ext cx="10972440" cy="1144800"/>
           </a:xfrm>
           <a:prstGeom prst="rect">
             <a:avLst/>
@@ -2488,23 +2507,24 @@
         <p:txBody>
           <a:bodyPr lIns="0" rIns="0" tIns="0" bIns="0" anchor="ctr"/>
           <a:p>
-            <a:endParaRPr b="0" lang="en-US" sz="1800" spc="-1" strike="noStrike">
-              <a:solidFill>
-                <a:srgbClr val="000000"/>
-              </a:solidFill>
-              <a:uFill>
-                <a:solidFill>
-                  <a:srgbClr val="ffffff"/>
-                </a:solidFill>
-              </a:uFill>
-              <a:latin typeface="Trebuchet MS"/>
-            </a:endParaRPr>
-          </a:p>
-        </p:txBody>
-      </p:sp>
-      <p:sp>
-        <p:nvSpPr>
-          <p:cNvPr id="35" name="PlaceHolder 2"/>
+            <a:pPr algn="ctr"/>
+            <a:endParaRPr b="0" lang="en-IN" sz="4400" spc="-1" strike="noStrike">
+              <a:solidFill>
+                <a:srgbClr val="000000"/>
+              </a:solidFill>
+              <a:uFill>
+                <a:solidFill>
+                  <a:srgbClr val="ffffff"/>
+                </a:solidFill>
+              </a:uFill>
+              <a:latin typeface="Arial"/>
+            </a:endParaRPr>
+          </a:p>
+        </p:txBody>
+      </p:sp>
+      <p:sp>
+        <p:nvSpPr>
+          <p:cNvPr id="32" name="PlaceHolder 2"/>
           <p:cNvSpPr>
             <a:spLocks noGrp="1"/>
           </p:cNvSpPr>
@@ -2514,8 +2534,8 @@
         </p:nvSpPr>
         <p:spPr>
           <a:xfrm>
-            <a:off x="677160" y="2160720"/>
-            <a:ext cx="4194720" cy="1850760"/>
+            <a:off x="609480" y="1604520"/>
+            <a:ext cx="5354280" cy="1896840"/>
           </a:xfrm>
           <a:prstGeom prst="rect">
             <a:avLst/>
@@ -2524,23 +2544,23 @@
         <p:txBody>
           <a:bodyPr lIns="0" rIns="0" tIns="0" bIns="0"/>
           <a:p>
-            <a:endParaRPr b="0" lang="en-US" sz="1800" spc="-1" strike="noStrike">
-              <a:solidFill>
-                <a:srgbClr val="404040"/>
-              </a:solidFill>
-              <a:uFill>
-                <a:solidFill>
-                  <a:srgbClr val="ffffff"/>
-                </a:solidFill>
-              </a:uFill>
-              <a:latin typeface="Trebuchet MS"/>
-            </a:endParaRPr>
-          </a:p>
-        </p:txBody>
-      </p:sp>
-      <p:sp>
-        <p:nvSpPr>
-          <p:cNvPr id="36" name="PlaceHolder 3"/>
+            <a:endParaRPr b="0" lang="en-IN" sz="3200" spc="-1" strike="noStrike">
+              <a:solidFill>
+                <a:srgbClr val="000000"/>
+              </a:solidFill>
+              <a:uFill>
+                <a:solidFill>
+                  <a:srgbClr val="ffffff"/>
+                </a:solidFill>
+              </a:uFill>
+              <a:latin typeface="Arial"/>
+            </a:endParaRPr>
+          </a:p>
+        </p:txBody>
+      </p:sp>
+      <p:sp>
+        <p:nvSpPr>
+          <p:cNvPr id="33" name="PlaceHolder 3"/>
           <p:cNvSpPr>
             <a:spLocks noGrp="1"/>
           </p:cNvSpPr>
@@ -2550,8 +2570,8 @@
         </p:nvSpPr>
         <p:spPr>
           <a:xfrm>
-            <a:off x="677160" y="4187520"/>
-            <a:ext cx="4194720" cy="1850760"/>
+            <a:off x="609480" y="3682080"/>
+            <a:ext cx="5354280" cy="1896840"/>
           </a:xfrm>
           <a:prstGeom prst="rect">
             <a:avLst/>
@@ -2560,23 +2580,23 @@
         <p:txBody>
           <a:bodyPr lIns="0" rIns="0" tIns="0" bIns="0"/>
           <a:p>
-            <a:endParaRPr b="0" lang="en-US" sz="1800" spc="-1" strike="noStrike">
-              <a:solidFill>
-                <a:srgbClr val="404040"/>
-              </a:solidFill>
-              <a:uFill>
-                <a:solidFill>
-                  <a:srgbClr val="ffffff"/>
-                </a:solidFill>
-              </a:uFill>
-              <a:latin typeface="Trebuchet MS"/>
-            </a:endParaRPr>
-          </a:p>
-        </p:txBody>
-      </p:sp>
-      <p:sp>
-        <p:nvSpPr>
-          <p:cNvPr id="37" name="PlaceHolder 4"/>
+            <a:endParaRPr b="0" lang="en-IN" sz="3200" spc="-1" strike="noStrike">
+              <a:solidFill>
+                <a:srgbClr val="000000"/>
+              </a:solidFill>
+              <a:uFill>
+                <a:solidFill>
+                  <a:srgbClr val="ffffff"/>
+                </a:solidFill>
+              </a:uFill>
+              <a:latin typeface="Arial"/>
+            </a:endParaRPr>
+          </a:p>
+        </p:txBody>
+      </p:sp>
+      <p:sp>
+        <p:nvSpPr>
+          <p:cNvPr id="34" name="PlaceHolder 4"/>
           <p:cNvSpPr>
             <a:spLocks noGrp="1"/>
           </p:cNvSpPr>
@@ -2586,8 +2606,8 @@
         </p:nvSpPr>
         <p:spPr>
           <a:xfrm>
-            <a:off x="5082120" y="2160720"/>
-            <a:ext cx="4194720" cy="3880440"/>
+            <a:off x="6231960" y="1604520"/>
+            <a:ext cx="5354280" cy="3977280"/>
           </a:xfrm>
           <a:prstGeom prst="rect">
             <a:avLst/>
@@ -2596,16 +2616,16 @@
         <p:txBody>
           <a:bodyPr lIns="0" rIns="0" tIns="0" bIns="0"/>
           <a:p>
-            <a:endParaRPr b="0" lang="en-US" sz="1800" spc="-1" strike="noStrike">
-              <a:solidFill>
-                <a:srgbClr val="404040"/>
-              </a:solidFill>
-              <a:uFill>
-                <a:solidFill>
-                  <a:srgbClr val="ffffff"/>
-                </a:solidFill>
-              </a:uFill>
-              <a:latin typeface="Trebuchet MS"/>
+            <a:endParaRPr b="0" lang="en-IN" sz="3200" spc="-1" strike="noStrike">
+              <a:solidFill>
+                <a:srgbClr val="000000"/>
+              </a:solidFill>
+              <a:uFill>
+                <a:solidFill>
+                  <a:srgbClr val="ffffff"/>
+                </a:solidFill>
+              </a:uFill>
+              <a:latin typeface="Arial"/>
             </a:endParaRPr>
           </a:p>
         </p:txBody>
@@ -2634,7 +2654,7 @@
       </p:grpSpPr>
       <p:sp>
         <p:nvSpPr>
-          <p:cNvPr id="38" name="PlaceHolder 1"/>
+          <p:cNvPr id="35" name="PlaceHolder 1"/>
           <p:cNvSpPr>
             <a:spLocks noGrp="1"/>
           </p:cNvSpPr>
@@ -2644,8 +2664,8 @@
         </p:nvSpPr>
         <p:spPr>
           <a:xfrm>
-            <a:off x="677160" y="609480"/>
-            <a:ext cx="8596440" cy="1320480"/>
+            <a:off x="609480" y="273600"/>
+            <a:ext cx="10972440" cy="1144800"/>
           </a:xfrm>
           <a:prstGeom prst="rect">
             <a:avLst/>
@@ -2654,23 +2674,24 @@
         <p:txBody>
           <a:bodyPr lIns="0" rIns="0" tIns="0" bIns="0" anchor="ctr"/>
           <a:p>
-            <a:endParaRPr b="0" lang="en-US" sz="1800" spc="-1" strike="noStrike">
-              <a:solidFill>
-                <a:srgbClr val="000000"/>
-              </a:solidFill>
-              <a:uFill>
-                <a:solidFill>
-                  <a:srgbClr val="ffffff"/>
-                </a:solidFill>
-              </a:uFill>
-              <a:latin typeface="Trebuchet MS"/>
-            </a:endParaRPr>
-          </a:p>
-        </p:txBody>
-      </p:sp>
-      <p:sp>
-        <p:nvSpPr>
-          <p:cNvPr id="39" name="PlaceHolder 2"/>
+            <a:pPr algn="ctr"/>
+            <a:endParaRPr b="0" lang="en-IN" sz="4400" spc="-1" strike="noStrike">
+              <a:solidFill>
+                <a:srgbClr val="000000"/>
+              </a:solidFill>
+              <a:uFill>
+                <a:solidFill>
+                  <a:srgbClr val="ffffff"/>
+                </a:solidFill>
+              </a:uFill>
+              <a:latin typeface="Arial"/>
+            </a:endParaRPr>
+          </a:p>
+        </p:txBody>
+      </p:sp>
+      <p:sp>
+        <p:nvSpPr>
+          <p:cNvPr id="36" name="PlaceHolder 2"/>
           <p:cNvSpPr>
             <a:spLocks noGrp="1"/>
           </p:cNvSpPr>
@@ -2680,8 +2701,8 @@
         </p:nvSpPr>
         <p:spPr>
           <a:xfrm>
-            <a:off x="677160" y="2160720"/>
-            <a:ext cx="4194720" cy="3880440"/>
+            <a:off x="609480" y="1604520"/>
+            <a:ext cx="5354280" cy="3977280"/>
           </a:xfrm>
           <a:prstGeom prst="rect">
             <a:avLst/>
@@ -2690,23 +2711,23 @@
         <p:txBody>
           <a:bodyPr lIns="0" rIns="0" tIns="0" bIns="0"/>
           <a:p>
-            <a:endParaRPr b="0" lang="en-US" sz="1800" spc="-1" strike="noStrike">
-              <a:solidFill>
-                <a:srgbClr val="404040"/>
-              </a:solidFill>
-              <a:uFill>
-                <a:solidFill>
-                  <a:srgbClr val="ffffff"/>
-                </a:solidFill>
-              </a:uFill>
-              <a:latin typeface="Trebuchet MS"/>
-            </a:endParaRPr>
-          </a:p>
-        </p:txBody>
-      </p:sp>
-      <p:sp>
-        <p:nvSpPr>
-          <p:cNvPr id="40" name="PlaceHolder 3"/>
+            <a:endParaRPr b="0" lang="en-IN" sz="3200" spc="-1" strike="noStrike">
+              <a:solidFill>
+                <a:srgbClr val="000000"/>
+              </a:solidFill>
+              <a:uFill>
+                <a:solidFill>
+                  <a:srgbClr val="ffffff"/>
+                </a:solidFill>
+              </a:uFill>
+              <a:latin typeface="Arial"/>
+            </a:endParaRPr>
+          </a:p>
+        </p:txBody>
+      </p:sp>
+      <p:sp>
+        <p:nvSpPr>
+          <p:cNvPr id="37" name="PlaceHolder 3"/>
           <p:cNvSpPr>
             <a:spLocks noGrp="1"/>
           </p:cNvSpPr>
@@ -2716,8 +2737,8 @@
         </p:nvSpPr>
         <p:spPr>
           <a:xfrm>
-            <a:off x="5082120" y="2160720"/>
-            <a:ext cx="4194720" cy="1850760"/>
+            <a:off x="6231960" y="1604520"/>
+            <a:ext cx="5354280" cy="1896840"/>
           </a:xfrm>
           <a:prstGeom prst="rect">
             <a:avLst/>
@@ -2726,23 +2747,23 @@
         <p:txBody>
           <a:bodyPr lIns="0" rIns="0" tIns="0" bIns="0"/>
           <a:p>
-            <a:endParaRPr b="0" lang="en-US" sz="1800" spc="-1" strike="noStrike">
-              <a:solidFill>
-                <a:srgbClr val="404040"/>
-              </a:solidFill>
-              <a:uFill>
-                <a:solidFill>
-                  <a:srgbClr val="ffffff"/>
-                </a:solidFill>
-              </a:uFill>
-              <a:latin typeface="Trebuchet MS"/>
-            </a:endParaRPr>
-          </a:p>
-        </p:txBody>
-      </p:sp>
-      <p:sp>
-        <p:nvSpPr>
-          <p:cNvPr id="41" name="PlaceHolder 4"/>
+            <a:endParaRPr b="0" lang="en-IN" sz="3200" spc="-1" strike="noStrike">
+              <a:solidFill>
+                <a:srgbClr val="000000"/>
+              </a:solidFill>
+              <a:uFill>
+                <a:solidFill>
+                  <a:srgbClr val="ffffff"/>
+                </a:solidFill>
+              </a:uFill>
+              <a:latin typeface="Arial"/>
+            </a:endParaRPr>
+          </a:p>
+        </p:txBody>
+      </p:sp>
+      <p:sp>
+        <p:nvSpPr>
+          <p:cNvPr id="38" name="PlaceHolder 4"/>
           <p:cNvSpPr>
             <a:spLocks noGrp="1"/>
           </p:cNvSpPr>
@@ -2752,8 +2773,8 @@
         </p:nvSpPr>
         <p:spPr>
           <a:xfrm>
-            <a:off x="5082120" y="4187520"/>
-            <a:ext cx="4194720" cy="1850760"/>
+            <a:off x="6231960" y="3682080"/>
+            <a:ext cx="5354280" cy="1896840"/>
           </a:xfrm>
           <a:prstGeom prst="rect">
             <a:avLst/>
@@ -2762,16 +2783,16 @@
         <p:txBody>
           <a:bodyPr lIns="0" rIns="0" tIns="0" bIns="0"/>
           <a:p>
-            <a:endParaRPr b="0" lang="en-US" sz="1800" spc="-1" strike="noStrike">
-              <a:solidFill>
-                <a:srgbClr val="404040"/>
-              </a:solidFill>
-              <a:uFill>
-                <a:solidFill>
-                  <a:srgbClr val="ffffff"/>
-                </a:solidFill>
-              </a:uFill>
-              <a:latin typeface="Trebuchet MS"/>
+            <a:endParaRPr b="0" lang="en-IN" sz="3200" spc="-1" strike="noStrike">
+              <a:solidFill>
+                <a:srgbClr val="000000"/>
+              </a:solidFill>
+              <a:uFill>
+                <a:solidFill>
+                  <a:srgbClr val="ffffff"/>
+                </a:solidFill>
+              </a:uFill>
+              <a:latin typeface="Arial"/>
             </a:endParaRPr>
           </a:p>
         </p:txBody>
@@ -2800,7 +2821,7 @@
       </p:grpSpPr>
       <p:sp>
         <p:nvSpPr>
-          <p:cNvPr id="42" name="PlaceHolder 1"/>
+          <p:cNvPr id="39" name="PlaceHolder 1"/>
           <p:cNvSpPr>
             <a:spLocks noGrp="1"/>
           </p:cNvSpPr>
@@ -2810,8 +2831,8 @@
         </p:nvSpPr>
         <p:spPr>
           <a:xfrm>
-            <a:off x="677160" y="609480"/>
-            <a:ext cx="8596440" cy="1320480"/>
+            <a:off x="609480" y="273600"/>
+            <a:ext cx="10972440" cy="1144800"/>
           </a:xfrm>
           <a:prstGeom prst="rect">
             <a:avLst/>
@@ -2820,23 +2841,24 @@
         <p:txBody>
           <a:bodyPr lIns="0" rIns="0" tIns="0" bIns="0" anchor="ctr"/>
           <a:p>
-            <a:endParaRPr b="0" lang="en-US" sz="1800" spc="-1" strike="noStrike">
-              <a:solidFill>
-                <a:srgbClr val="000000"/>
-              </a:solidFill>
-              <a:uFill>
-                <a:solidFill>
-                  <a:srgbClr val="ffffff"/>
-                </a:solidFill>
-              </a:uFill>
-              <a:latin typeface="Trebuchet MS"/>
-            </a:endParaRPr>
-          </a:p>
-        </p:txBody>
-      </p:sp>
-      <p:sp>
-        <p:nvSpPr>
-          <p:cNvPr id="43" name="PlaceHolder 2"/>
+            <a:pPr algn="ctr"/>
+            <a:endParaRPr b="0" lang="en-IN" sz="4400" spc="-1" strike="noStrike">
+              <a:solidFill>
+                <a:srgbClr val="000000"/>
+              </a:solidFill>
+              <a:uFill>
+                <a:solidFill>
+                  <a:srgbClr val="ffffff"/>
+                </a:solidFill>
+              </a:uFill>
+              <a:latin typeface="Arial"/>
+            </a:endParaRPr>
+          </a:p>
+        </p:txBody>
+      </p:sp>
+      <p:sp>
+        <p:nvSpPr>
+          <p:cNvPr id="40" name="PlaceHolder 2"/>
           <p:cNvSpPr>
             <a:spLocks noGrp="1"/>
           </p:cNvSpPr>
@@ -2846,8 +2868,8 @@
         </p:nvSpPr>
         <p:spPr>
           <a:xfrm>
-            <a:off x="677160" y="2160720"/>
-            <a:ext cx="4194720" cy="1850760"/>
+            <a:off x="609480" y="1604520"/>
+            <a:ext cx="5354280" cy="1896840"/>
           </a:xfrm>
           <a:prstGeom prst="rect">
             <a:avLst/>
@@ -2856,23 +2878,23 @@
         <p:txBody>
           <a:bodyPr lIns="0" rIns="0" tIns="0" bIns="0"/>
           <a:p>
-            <a:endParaRPr b="0" lang="en-US" sz="1800" spc="-1" strike="noStrike">
-              <a:solidFill>
-                <a:srgbClr val="404040"/>
-              </a:solidFill>
-              <a:uFill>
-                <a:solidFill>
-                  <a:srgbClr val="ffffff"/>
-                </a:solidFill>
-              </a:uFill>
-              <a:latin typeface="Trebuchet MS"/>
-            </a:endParaRPr>
-          </a:p>
-        </p:txBody>
-      </p:sp>
-      <p:sp>
-        <p:nvSpPr>
-          <p:cNvPr id="44" name="PlaceHolder 3"/>
+            <a:endParaRPr b="0" lang="en-IN" sz="3200" spc="-1" strike="noStrike">
+              <a:solidFill>
+                <a:srgbClr val="000000"/>
+              </a:solidFill>
+              <a:uFill>
+                <a:solidFill>
+                  <a:srgbClr val="ffffff"/>
+                </a:solidFill>
+              </a:uFill>
+              <a:latin typeface="Arial"/>
+            </a:endParaRPr>
+          </a:p>
+        </p:txBody>
+      </p:sp>
+      <p:sp>
+        <p:nvSpPr>
+          <p:cNvPr id="41" name="PlaceHolder 3"/>
           <p:cNvSpPr>
             <a:spLocks noGrp="1"/>
           </p:cNvSpPr>
@@ -2882,8 +2904,8 @@
         </p:nvSpPr>
         <p:spPr>
           <a:xfrm>
-            <a:off x="5082120" y="2160720"/>
-            <a:ext cx="4194720" cy="1850760"/>
+            <a:off x="6231960" y="1604520"/>
+            <a:ext cx="5354280" cy="1896840"/>
           </a:xfrm>
           <a:prstGeom prst="rect">
             <a:avLst/>
@@ -2892,23 +2914,23 @@
         <p:txBody>
           <a:bodyPr lIns="0" rIns="0" tIns="0" bIns="0"/>
           <a:p>
-            <a:endParaRPr b="0" lang="en-US" sz="1800" spc="-1" strike="noStrike">
-              <a:solidFill>
-                <a:srgbClr val="404040"/>
-              </a:solidFill>
-              <a:uFill>
-                <a:solidFill>
-                  <a:srgbClr val="ffffff"/>
-                </a:solidFill>
-              </a:uFill>
-              <a:latin typeface="Trebuchet MS"/>
-            </a:endParaRPr>
-          </a:p>
-        </p:txBody>
-      </p:sp>
-      <p:sp>
-        <p:nvSpPr>
-          <p:cNvPr id="45" name="PlaceHolder 4"/>
+            <a:endParaRPr b="0" lang="en-IN" sz="3200" spc="-1" strike="noStrike">
+              <a:solidFill>
+                <a:srgbClr val="000000"/>
+              </a:solidFill>
+              <a:uFill>
+                <a:solidFill>
+                  <a:srgbClr val="ffffff"/>
+                </a:solidFill>
+              </a:uFill>
+              <a:latin typeface="Arial"/>
+            </a:endParaRPr>
+          </a:p>
+        </p:txBody>
+      </p:sp>
+      <p:sp>
+        <p:nvSpPr>
+          <p:cNvPr id="42" name="PlaceHolder 4"/>
           <p:cNvSpPr>
             <a:spLocks noGrp="1"/>
           </p:cNvSpPr>
@@ -2918,8 +2940,8 @@
         </p:nvSpPr>
         <p:spPr>
           <a:xfrm>
-            <a:off x="677160" y="4187520"/>
-            <a:ext cx="8596440" cy="1850760"/>
+            <a:off x="609480" y="3682080"/>
+            <a:ext cx="10972440" cy="1896840"/>
           </a:xfrm>
           <a:prstGeom prst="rect">
             <a:avLst/>
@@ -2928,16 +2950,16 @@
         <p:txBody>
           <a:bodyPr lIns="0" rIns="0" tIns="0" bIns="0"/>
           <a:p>
-            <a:endParaRPr b="0" lang="en-US" sz="1800" spc="-1" strike="noStrike">
-              <a:solidFill>
-                <a:srgbClr val="404040"/>
-              </a:solidFill>
-              <a:uFill>
-                <a:solidFill>
-                  <a:srgbClr val="ffffff"/>
-                </a:solidFill>
-              </a:uFill>
-              <a:latin typeface="Trebuchet MS"/>
+            <a:endParaRPr b="0" lang="en-IN" sz="3200" spc="-1" strike="noStrike">
+              <a:solidFill>
+                <a:srgbClr val="000000"/>
+              </a:solidFill>
+              <a:uFill>
+                <a:solidFill>
+                  <a:srgbClr val="ffffff"/>
+                </a:solidFill>
+              </a:uFill>
+              <a:latin typeface="Arial"/>
             </a:endParaRPr>
           </a:p>
         </p:txBody>
@@ -2987,23 +3009,15 @@
           </a:prstGeom>
           <a:ln w="9360">
             <a:solidFill>
-              <a:schemeClr val="bg1">
-                <a:lumMod val="75000"/>
-              </a:schemeClr>
+              <a:srgbClr val="bfbfbf"/>
             </a:solidFill>
             <a:round/>
           </a:ln>
         </p:spPr>
         <p:style>
-          <a:lnRef idx="2">
-            <a:schemeClr val="accent1"/>
-          </a:lnRef>
-          <a:fillRef idx="0">
-            <a:schemeClr val="accent1"/>
-          </a:fillRef>
-          <a:effectRef idx="1">
-            <a:schemeClr val="accent1"/>
-          </a:effectRef>
+          <a:lnRef idx="0"/>
+          <a:fillRef idx="0"/>
+          <a:effectRef idx="0"/>
           <a:fontRef idx="minor"/>
         </p:style>
       </p:sp>
@@ -3023,23 +3037,15 @@
           </a:prstGeom>
           <a:ln w="9360">
             <a:solidFill>
-              <a:schemeClr val="bg1">
-                <a:lumMod val="85000"/>
-              </a:schemeClr>
+              <a:srgbClr val="d9d9d9"/>
             </a:solidFill>
             <a:round/>
           </a:ln>
         </p:spPr>
         <p:style>
-          <a:lnRef idx="2">
-            <a:schemeClr val="accent1"/>
-          </a:lnRef>
-          <a:fillRef idx="0">
-            <a:schemeClr val="accent1"/>
-          </a:fillRef>
-          <a:effectRef idx="1">
-            <a:schemeClr val="accent1"/>
-          </a:effectRef>
+          <a:lnRef idx="0"/>
+          <a:fillRef idx="0"/>
+          <a:effectRef idx="0"/>
           <a:fontRef idx="minor"/>
         </p:style>
       </p:sp>
@@ -3052,7 +3058,7 @@
         <p:spPr>
           <a:xfrm>
             <a:off x="9181440" y="-8640"/>
-            <a:ext cx="3007080" cy="6866280"/>
+            <a:ext cx="3006720" cy="6865920"/>
           </a:xfrm>
           <a:custGeom>
             <a:avLst/>
@@ -3081,15 +3087,15 @@
             </a:pathLst>
           </a:custGeom>
           <a:solidFill>
-            <a:schemeClr val="accent1">
+            <a:srgbClr val="90c226">
               <a:alpha val="30000"/>
-            </a:schemeClr>
+            </a:srgbClr>
           </a:solidFill>
-          <a:ln>
+          <a:ln w="12600">
             <a:noFill/>
           </a:ln>
           <a:effectLst>
-            <a:outerShdw blurRad="38100" dir="5400000" dist="25400" rotWithShape="0">
+            <a:outerShdw dir="5400000" dist="25560">
               <a:srgbClr val="000000">
                 <a:alpha val="35000"/>
               </a:srgbClr>
@@ -3097,15 +3103,9 @@
           </a:effectLst>
         </p:spPr>
         <p:style>
-          <a:lnRef idx="1">
-            <a:schemeClr val="accent1"/>
-          </a:lnRef>
-          <a:fillRef idx="3">
-            <a:schemeClr val="accent1"/>
-          </a:fillRef>
-          <a:effectRef idx="2">
-            <a:schemeClr val="accent1"/>
-          </a:effectRef>
+          <a:lnRef idx="0"/>
+          <a:fillRef idx="0"/>
+          <a:effectRef idx="0"/>
           <a:fontRef idx="minor"/>
         </p:style>
       </p:sp>
@@ -3118,7 +3118,7 @@
         <p:spPr>
           <a:xfrm>
             <a:off x="9603360" y="-8640"/>
-            <a:ext cx="2588040" cy="6866280"/>
+            <a:ext cx="2587680" cy="6865920"/>
           </a:xfrm>
           <a:custGeom>
             <a:avLst/>
@@ -3147,15 +3147,15 @@
             </a:pathLst>
           </a:custGeom>
           <a:solidFill>
-            <a:schemeClr val="accent1">
+            <a:srgbClr val="90c226">
               <a:alpha val="20000"/>
-            </a:schemeClr>
+            </a:srgbClr>
           </a:solidFill>
-          <a:ln>
+          <a:ln w="12600">
             <a:noFill/>
           </a:ln>
           <a:effectLst>
-            <a:outerShdw blurRad="38100" dir="5400000" dist="25400" rotWithShape="0">
+            <a:outerShdw dir="5400000" dist="25560">
               <a:srgbClr val="000000">
                 <a:alpha val="35000"/>
               </a:srgbClr>
@@ -3163,15 +3163,9 @@
           </a:effectLst>
         </p:spPr>
         <p:style>
-          <a:lnRef idx="1">
-            <a:schemeClr val="accent1"/>
-          </a:lnRef>
-          <a:fillRef idx="3">
-            <a:schemeClr val="accent1"/>
-          </a:fillRef>
-          <a:effectRef idx="2">
-            <a:schemeClr val="accent1"/>
-          </a:effectRef>
+          <a:lnRef idx="0"/>
+          <a:fillRef idx="0"/>
+          <a:effectRef idx="0"/>
           <a:fontRef idx="minor"/>
         </p:style>
       </p:sp>
@@ -3184,7 +3178,7 @@
         <p:spPr>
           <a:xfrm>
             <a:off x="8932320" y="3048120"/>
-            <a:ext cx="3259440" cy="3809520"/>
+            <a:ext cx="3259080" cy="3809160"/>
           </a:xfrm>
           <a:prstGeom prst="triangle">
             <a:avLst>
@@ -3192,15 +3186,15 @@
             </a:avLst>
           </a:prstGeom>
           <a:solidFill>
-            <a:schemeClr val="accent2">
+            <a:srgbClr val="54a021">
               <a:alpha val="72000"/>
-            </a:schemeClr>
+            </a:srgbClr>
           </a:solidFill>
-          <a:ln>
+          <a:ln w="12600">
             <a:noFill/>
           </a:ln>
           <a:effectLst>
-            <a:outerShdw blurRad="38100" dir="5400000" dist="25400" rotWithShape="0">
+            <a:outerShdw dir="5400000" dist="25560">
               <a:srgbClr val="000000">
                 <a:alpha val="35000"/>
               </a:srgbClr>
@@ -3208,15 +3202,9 @@
           </a:effectLst>
         </p:spPr>
         <p:style>
-          <a:lnRef idx="1">
-            <a:schemeClr val="accent1"/>
-          </a:lnRef>
-          <a:fillRef idx="3">
-            <a:schemeClr val="accent1"/>
-          </a:fillRef>
-          <a:effectRef idx="2">
-            <a:schemeClr val="accent1"/>
-          </a:effectRef>
+          <a:lnRef idx="0"/>
+          <a:fillRef idx="0"/>
+          <a:effectRef idx="0"/>
           <a:fontRef idx="minor"/>
         </p:style>
       </p:sp>
@@ -3229,7 +3217,7 @@
         <p:spPr>
           <a:xfrm>
             <a:off x="9334440" y="-8640"/>
-            <a:ext cx="2854080" cy="6866280"/>
+            <a:ext cx="2853720" cy="6865920"/>
           </a:xfrm>
           <a:custGeom>
             <a:avLst/>
@@ -3258,16 +3246,15 @@
             </a:pathLst>
           </a:custGeom>
           <a:solidFill>
-            <a:schemeClr val="accent2">
-              <a:lumMod val="75000"/>
+            <a:srgbClr val="3f7819">
               <a:alpha val="70000"/>
-            </a:schemeClr>
+            </a:srgbClr>
           </a:solidFill>
-          <a:ln>
+          <a:ln w="12600">
             <a:noFill/>
           </a:ln>
           <a:effectLst>
-            <a:outerShdw blurRad="38100" dir="5400000" dist="25400" rotWithShape="0">
+            <a:outerShdw dir="5400000" dist="25560">
               <a:srgbClr val="000000">
                 <a:alpha val="35000"/>
               </a:srgbClr>
@@ -3275,15 +3262,9 @@
           </a:effectLst>
         </p:spPr>
         <p:style>
-          <a:lnRef idx="1">
-            <a:schemeClr val="accent1"/>
-          </a:lnRef>
-          <a:fillRef idx="3">
-            <a:schemeClr val="accent1"/>
-          </a:fillRef>
-          <a:effectRef idx="2">
-            <a:schemeClr val="accent1"/>
-          </a:effectRef>
+          <a:lnRef idx="0"/>
+          <a:fillRef idx="0"/>
+          <a:effectRef idx="0"/>
           <a:fontRef idx="minor"/>
         </p:style>
       </p:sp>
@@ -3296,7 +3277,7 @@
         <p:spPr>
           <a:xfrm>
             <a:off x="10898640" y="-8640"/>
-            <a:ext cx="1289880" cy="6866280"/>
+            <a:ext cx="1289520" cy="6865920"/>
           </a:xfrm>
           <a:custGeom>
             <a:avLst/>
@@ -3325,17 +3306,15 @@
             </a:pathLst>
           </a:custGeom>
           <a:solidFill>
-            <a:schemeClr val="accent1">
-              <a:lumMod val="60000"/>
-              <a:lumOff val="40000"/>
+            <a:srgbClr val="c0e474">
               <a:alpha val="70000"/>
-            </a:schemeClr>
+            </a:srgbClr>
           </a:solidFill>
-          <a:ln>
+          <a:ln w="12600">
             <a:noFill/>
           </a:ln>
           <a:effectLst>
-            <a:outerShdw blurRad="38100" dir="5400000" dist="25400" rotWithShape="0">
+            <a:outerShdw dir="5400000" dist="25560">
               <a:srgbClr val="000000">
                 <a:alpha val="35000"/>
               </a:srgbClr>
@@ -3343,15 +3322,9 @@
           </a:effectLst>
         </p:spPr>
         <p:style>
-          <a:lnRef idx="1">
-            <a:schemeClr val="accent1"/>
-          </a:lnRef>
-          <a:fillRef idx="3">
-            <a:schemeClr val="accent1"/>
-          </a:fillRef>
-          <a:effectRef idx="2">
-            <a:schemeClr val="accent1"/>
-          </a:effectRef>
+          <a:lnRef idx="0"/>
+          <a:fillRef idx="0"/>
+          <a:effectRef idx="0"/>
           <a:fontRef idx="minor"/>
         </p:style>
       </p:sp>
@@ -3364,7 +3337,7 @@
         <p:spPr>
           <a:xfrm>
             <a:off x="10938960" y="-8640"/>
-            <a:ext cx="1249560" cy="6866280"/>
+            <a:ext cx="1249200" cy="6865920"/>
           </a:xfrm>
           <a:custGeom>
             <a:avLst/>
@@ -3393,15 +3366,15 @@
             </a:pathLst>
           </a:custGeom>
           <a:solidFill>
-            <a:schemeClr val="accent1">
+            <a:srgbClr val="90c226">
               <a:alpha val="65000"/>
-            </a:schemeClr>
+            </a:srgbClr>
           </a:solidFill>
-          <a:ln>
+          <a:ln w="12600">
             <a:noFill/>
           </a:ln>
           <a:effectLst>
-            <a:outerShdw blurRad="38100" dir="5400000" dist="25400" rotWithShape="0">
+            <a:outerShdw dir="5400000" dist="25560">
               <a:srgbClr val="000000">
                 <a:alpha val="35000"/>
               </a:srgbClr>
@@ -3409,15 +3382,9 @@
           </a:effectLst>
         </p:spPr>
         <p:style>
-          <a:lnRef idx="1">
-            <a:schemeClr val="accent1"/>
-          </a:lnRef>
-          <a:fillRef idx="3">
-            <a:schemeClr val="accent1"/>
-          </a:fillRef>
-          <a:effectRef idx="2">
-            <a:schemeClr val="accent1"/>
-          </a:effectRef>
+          <a:lnRef idx="0"/>
+          <a:fillRef idx="0"/>
+          <a:effectRef idx="0"/>
           <a:fontRef idx="minor"/>
         </p:style>
       </p:sp>
@@ -3430,7 +3397,7 @@
         <p:spPr>
           <a:xfrm>
             <a:off x="10371600" y="3589920"/>
-            <a:ext cx="1816920" cy="3267720"/>
+            <a:ext cx="1816560" cy="3267360"/>
           </a:xfrm>
           <a:prstGeom prst="triangle">
             <a:avLst>
@@ -3438,15 +3405,15 @@
             </a:avLst>
           </a:prstGeom>
           <a:solidFill>
-            <a:schemeClr val="accent1">
+            <a:srgbClr val="90c226">
               <a:alpha val="80000"/>
-            </a:schemeClr>
+            </a:srgbClr>
           </a:solidFill>
-          <a:ln>
+          <a:ln w="12600">
             <a:noFill/>
           </a:ln>
           <a:effectLst>
-            <a:outerShdw blurRad="38100" dir="5400000" dist="25400" rotWithShape="0">
+            <a:outerShdw dir="5400000" dist="25560">
               <a:srgbClr val="000000">
                 <a:alpha val="35000"/>
               </a:srgbClr>
@@ -3454,15 +3421,9 @@
           </a:effectLst>
         </p:spPr>
         <p:style>
-          <a:lnRef idx="1">
-            <a:schemeClr val="accent1"/>
-          </a:lnRef>
-          <a:fillRef idx="3">
-            <a:schemeClr val="accent1"/>
-          </a:fillRef>
-          <a:effectRef idx="2">
-            <a:schemeClr val="accent1"/>
-          </a:effectRef>
+          <a:lnRef idx="0"/>
+          <a:fillRef idx="0"/>
+          <a:effectRef idx="0"/>
           <a:fontRef idx="minor"/>
         </p:style>
       </p:sp>
@@ -3475,7 +3436,7 @@
         <p:spPr>
           <a:xfrm>
             <a:off x="0" y="4013280"/>
-            <a:ext cx="448200" cy="2844360"/>
+            <a:ext cx="447840" cy="2844000"/>
           </a:xfrm>
           <a:prstGeom prst="triangle">
             <a:avLst>
@@ -3483,15 +3444,15 @@
             </a:avLst>
           </a:prstGeom>
           <a:solidFill>
-            <a:schemeClr val="accent1">
+            <a:srgbClr val="90c226">
               <a:alpha val="85000"/>
-            </a:schemeClr>
+            </a:srgbClr>
           </a:solidFill>
-          <a:ln>
+          <a:ln w="12600">
             <a:noFill/>
           </a:ln>
           <a:effectLst>
-            <a:outerShdw blurRad="38100" dir="5400000" dist="25400" rotWithShape="0">
+            <a:outerShdw dir="5400000" dist="25560">
               <a:srgbClr val="000000">
                 <a:alpha val="35000"/>
               </a:srgbClr>
@@ -3499,15 +3460,9 @@
           </a:effectLst>
         </p:spPr>
         <p:style>
-          <a:lnRef idx="1">
-            <a:schemeClr val="accent1"/>
-          </a:lnRef>
-          <a:fillRef idx="3">
-            <a:schemeClr val="accent1"/>
-          </a:fillRef>
-          <a:effectRef idx="2">
-            <a:schemeClr val="accent1"/>
-          </a:effectRef>
+          <a:lnRef idx="0"/>
+          <a:fillRef idx="0"/>
+          <a:effectRef idx="0"/>
           <a:fontRef idx="minor"/>
         </p:style>
       </p:sp>
@@ -3527,23 +3482,15 @@
           </a:prstGeom>
           <a:ln w="9360">
             <a:solidFill>
-              <a:schemeClr val="bg1">
-                <a:lumMod val="75000"/>
-              </a:schemeClr>
+              <a:srgbClr val="bfbfbf"/>
             </a:solidFill>
             <a:round/>
           </a:ln>
         </p:spPr>
         <p:style>
-          <a:lnRef idx="2">
-            <a:schemeClr val="accent1"/>
-          </a:lnRef>
-          <a:fillRef idx="0">
-            <a:schemeClr val="accent1"/>
-          </a:fillRef>
-          <a:effectRef idx="1">
-            <a:schemeClr val="accent1"/>
-          </a:effectRef>
+          <a:lnRef idx="0"/>
+          <a:fillRef idx="0"/>
+          <a:effectRef idx="0"/>
           <a:fontRef idx="minor"/>
         </p:style>
       </p:sp>
@@ -3563,23 +3510,15 @@
           </a:prstGeom>
           <a:ln w="9360">
             <a:solidFill>
-              <a:schemeClr val="bg1">
-                <a:lumMod val="85000"/>
-              </a:schemeClr>
+              <a:srgbClr val="d9d9d9"/>
             </a:solidFill>
             <a:round/>
           </a:ln>
         </p:spPr>
         <p:style>
-          <a:lnRef idx="2">
-            <a:schemeClr val="accent1"/>
-          </a:lnRef>
-          <a:fillRef idx="0">
-            <a:schemeClr val="accent1"/>
-          </a:fillRef>
-          <a:effectRef idx="1">
-            <a:schemeClr val="accent1"/>
-          </a:effectRef>
+          <a:lnRef idx="0"/>
+          <a:fillRef idx="0"/>
+          <a:effectRef idx="0"/>
           <a:fontRef idx="minor"/>
         </p:style>
       </p:sp>
@@ -3592,7 +3531,7 @@
         <p:spPr>
           <a:xfrm>
             <a:off x="9181440" y="-8640"/>
-            <a:ext cx="3007080" cy="6866280"/>
+            <a:ext cx="3006720" cy="6865920"/>
           </a:xfrm>
           <a:custGeom>
             <a:avLst/>
@@ -3621,15 +3560,15 @@
             </a:pathLst>
           </a:custGeom>
           <a:solidFill>
-            <a:schemeClr val="accent1">
+            <a:srgbClr val="90c226">
               <a:alpha val="30000"/>
-            </a:schemeClr>
+            </a:srgbClr>
           </a:solidFill>
-          <a:ln>
+          <a:ln w="12600">
             <a:noFill/>
           </a:ln>
           <a:effectLst>
-            <a:outerShdw blurRad="38100" dir="5400000" dist="25400" rotWithShape="0">
+            <a:outerShdw dir="5400000" dist="25560">
               <a:srgbClr val="000000">
                 <a:alpha val="35000"/>
               </a:srgbClr>
@@ -3637,15 +3576,9 @@
           </a:effectLst>
         </p:spPr>
         <p:style>
-          <a:lnRef idx="1">
-            <a:schemeClr val="accent1"/>
-          </a:lnRef>
-          <a:fillRef idx="3">
-            <a:schemeClr val="accent1"/>
-          </a:fillRef>
-          <a:effectRef idx="2">
-            <a:schemeClr val="accent1"/>
-          </a:effectRef>
+          <a:lnRef idx="0"/>
+          <a:fillRef idx="0"/>
+          <a:effectRef idx="0"/>
           <a:fontRef idx="minor"/>
         </p:style>
       </p:sp>
@@ -3658,7 +3591,7 @@
         <p:spPr>
           <a:xfrm>
             <a:off x="9603360" y="-8640"/>
-            <a:ext cx="2588040" cy="6866280"/>
+            <a:ext cx="2587680" cy="6865920"/>
           </a:xfrm>
           <a:custGeom>
             <a:avLst/>
@@ -3687,15 +3620,15 @@
             </a:pathLst>
           </a:custGeom>
           <a:solidFill>
-            <a:schemeClr val="accent1">
+            <a:srgbClr val="90c226">
               <a:alpha val="20000"/>
-            </a:schemeClr>
+            </a:srgbClr>
           </a:solidFill>
-          <a:ln>
+          <a:ln w="12600">
             <a:noFill/>
           </a:ln>
           <a:effectLst>
-            <a:outerShdw blurRad="38100" dir="5400000" dist="25400" rotWithShape="0">
+            <a:outerShdw dir="5400000" dist="25560">
               <a:srgbClr val="000000">
                 <a:alpha val="35000"/>
               </a:srgbClr>
@@ -3703,15 +3636,9 @@
           </a:effectLst>
         </p:spPr>
         <p:style>
-          <a:lnRef idx="1">
-            <a:schemeClr val="accent1"/>
-          </a:lnRef>
-          <a:fillRef idx="3">
-            <a:schemeClr val="accent1"/>
-          </a:fillRef>
-          <a:effectRef idx="2">
-            <a:schemeClr val="accent1"/>
-          </a:effectRef>
+          <a:lnRef idx="0"/>
+          <a:fillRef idx="0"/>
+          <a:effectRef idx="0"/>
           <a:fontRef idx="minor"/>
         </p:style>
       </p:sp>
@@ -3724,7 +3651,7 @@
         <p:spPr>
           <a:xfrm>
             <a:off x="8932320" y="3048120"/>
-            <a:ext cx="3259440" cy="3809520"/>
+            <a:ext cx="3259080" cy="3809160"/>
           </a:xfrm>
           <a:prstGeom prst="triangle">
             <a:avLst>
@@ -3732,15 +3659,15 @@
             </a:avLst>
           </a:prstGeom>
           <a:solidFill>
-            <a:schemeClr val="accent2">
+            <a:srgbClr val="54a021">
               <a:alpha val="72000"/>
-            </a:schemeClr>
+            </a:srgbClr>
           </a:solidFill>
-          <a:ln>
+          <a:ln w="12600">
             <a:noFill/>
           </a:ln>
           <a:effectLst>
-            <a:outerShdw blurRad="38100" dir="5400000" dist="25400" rotWithShape="0">
+            <a:outerShdw dir="5400000" dist="25560">
               <a:srgbClr val="000000">
                 <a:alpha val="35000"/>
               </a:srgbClr>
@@ -3748,15 +3675,9 @@
           </a:effectLst>
         </p:spPr>
         <p:style>
-          <a:lnRef idx="1">
-            <a:schemeClr val="accent1"/>
-          </a:lnRef>
-          <a:fillRef idx="3">
-            <a:schemeClr val="accent1"/>
-          </a:fillRef>
-          <a:effectRef idx="2">
-            <a:schemeClr val="accent1"/>
-          </a:effectRef>
+          <a:lnRef idx="0"/>
+          <a:fillRef idx="0"/>
+          <a:effectRef idx="0"/>
           <a:fontRef idx="minor"/>
         </p:style>
       </p:sp>
@@ -3769,7 +3690,7 @@
         <p:spPr>
           <a:xfrm>
             <a:off x="9334440" y="-8640"/>
-            <a:ext cx="2854080" cy="6866280"/>
+            <a:ext cx="2853720" cy="6865920"/>
           </a:xfrm>
           <a:custGeom>
             <a:avLst/>
@@ -3798,16 +3719,15 @@
             </a:pathLst>
           </a:custGeom>
           <a:solidFill>
-            <a:schemeClr val="accent2">
-              <a:lumMod val="75000"/>
+            <a:srgbClr val="3f7819">
               <a:alpha val="70000"/>
-            </a:schemeClr>
+            </a:srgbClr>
           </a:solidFill>
-          <a:ln>
+          <a:ln w="12600">
             <a:noFill/>
           </a:ln>
           <a:effectLst>
-            <a:outerShdw blurRad="38100" dir="5400000" dist="25400" rotWithShape="0">
+            <a:outerShdw dir="5400000" dist="25560">
               <a:srgbClr val="000000">
                 <a:alpha val="35000"/>
               </a:srgbClr>
@@ -3815,15 +3735,9 @@
           </a:effectLst>
         </p:spPr>
         <p:style>
-          <a:lnRef idx="1">
-            <a:schemeClr val="accent1"/>
-          </a:lnRef>
-          <a:fillRef idx="3">
-            <a:schemeClr val="accent1"/>
-          </a:fillRef>
-          <a:effectRef idx="2">
-            <a:schemeClr val="accent1"/>
-          </a:effectRef>
+          <a:lnRef idx="0"/>
+          <a:fillRef idx="0"/>
+          <a:effectRef idx="0"/>
           <a:fontRef idx="minor"/>
         </p:style>
       </p:sp>
@@ -3836,7 +3750,7 @@
         <p:spPr>
           <a:xfrm>
             <a:off x="10898640" y="-8640"/>
-            <a:ext cx="1289880" cy="6866280"/>
+            <a:ext cx="1289520" cy="6865920"/>
           </a:xfrm>
           <a:custGeom>
             <a:avLst/>
@@ -3865,17 +3779,15 @@
             </a:pathLst>
           </a:custGeom>
           <a:solidFill>
-            <a:schemeClr val="accent1">
-              <a:lumMod val="60000"/>
-              <a:lumOff val="40000"/>
+            <a:srgbClr val="c0e474">
               <a:alpha val="70000"/>
-            </a:schemeClr>
+            </a:srgbClr>
           </a:solidFill>
-          <a:ln>
+          <a:ln w="12600">
             <a:noFill/>
           </a:ln>
           <a:effectLst>
-            <a:outerShdw blurRad="38100" dir="5400000" dist="25400" rotWithShape="0">
+            <a:outerShdw dir="5400000" dist="25560">
               <a:srgbClr val="000000">
                 <a:alpha val="35000"/>
               </a:srgbClr>
@@ -3883,15 +3795,9 @@
           </a:effectLst>
         </p:spPr>
         <p:style>
-          <a:lnRef idx="1">
-            <a:schemeClr val="accent1"/>
-          </a:lnRef>
-          <a:fillRef idx="3">
-            <a:schemeClr val="accent1"/>
-          </a:fillRef>
-          <a:effectRef idx="2">
-            <a:schemeClr val="accent1"/>
-          </a:effectRef>
+          <a:lnRef idx="0"/>
+          <a:fillRef idx="0"/>
+          <a:effectRef idx="0"/>
           <a:fontRef idx="minor"/>
         </p:style>
       </p:sp>
@@ -3904,7 +3810,7 @@
         <p:spPr>
           <a:xfrm>
             <a:off x="10938960" y="-8640"/>
-            <a:ext cx="1249560" cy="6866280"/>
+            <a:ext cx="1249200" cy="6865920"/>
           </a:xfrm>
           <a:custGeom>
             <a:avLst/>
@@ -3933,15 +3839,15 @@
             </a:pathLst>
           </a:custGeom>
           <a:solidFill>
-            <a:schemeClr val="accent1">
+            <a:srgbClr val="90c226">
               <a:alpha val="65000"/>
-            </a:schemeClr>
+            </a:srgbClr>
           </a:solidFill>
-          <a:ln>
+          <a:ln w="12600">
             <a:noFill/>
           </a:ln>
           <a:effectLst>
-            <a:outerShdw blurRad="38100" dir="5400000" dist="25400" rotWithShape="0">
+            <a:outerShdw dir="5400000" dist="25560">
               <a:srgbClr val="000000">
                 <a:alpha val="35000"/>
               </a:srgbClr>
@@ -3949,15 +3855,9 @@
           </a:effectLst>
         </p:spPr>
         <p:style>
-          <a:lnRef idx="1">
-            <a:schemeClr val="accent1"/>
-          </a:lnRef>
-          <a:fillRef idx="3">
-            <a:schemeClr val="accent1"/>
-          </a:fillRef>
-          <a:effectRef idx="2">
-            <a:schemeClr val="accent1"/>
-          </a:effectRef>
+          <a:lnRef idx="0"/>
+          <a:fillRef idx="0"/>
+          <a:effectRef idx="0"/>
           <a:fontRef idx="minor"/>
         </p:style>
       </p:sp>
@@ -3970,7 +3870,7 @@
         <p:spPr>
           <a:xfrm>
             <a:off x="10371600" y="3589920"/>
-            <a:ext cx="1816920" cy="3267720"/>
+            <a:ext cx="1816560" cy="3267360"/>
           </a:xfrm>
           <a:prstGeom prst="triangle">
             <a:avLst>
@@ -3978,15 +3878,15 @@
             </a:avLst>
           </a:prstGeom>
           <a:solidFill>
-            <a:schemeClr val="accent1">
+            <a:srgbClr val="90c226">
               <a:alpha val="80000"/>
-            </a:schemeClr>
+            </a:srgbClr>
           </a:solidFill>
-          <a:ln>
+          <a:ln w="12600">
             <a:noFill/>
           </a:ln>
           <a:effectLst>
-            <a:outerShdw blurRad="38100" dir="5400000" dist="25400" rotWithShape="0">
+            <a:outerShdw dir="5400000" dist="25560">
               <a:srgbClr val="000000">
                 <a:alpha val="35000"/>
               </a:srgbClr>
@@ -3994,15 +3894,9 @@
           </a:effectLst>
         </p:spPr>
         <p:style>
-          <a:lnRef idx="1">
-            <a:schemeClr val="accent1"/>
-          </a:lnRef>
-          <a:fillRef idx="3">
-            <a:schemeClr val="accent1"/>
-          </a:fillRef>
-          <a:effectRef idx="2">
-            <a:schemeClr val="accent1"/>
-          </a:effectRef>
+          <a:lnRef idx="0"/>
+          <a:fillRef idx="0"/>
+          <a:effectRef idx="0"/>
           <a:fontRef idx="minor"/>
         </p:style>
       </p:sp>
@@ -4014,8 +3908,8 @@
         </p:nvSpPr>
         <p:spPr>
           <a:xfrm rot="10800000">
-            <a:off x="842760" y="5666040"/>
-            <a:ext cx="842400" cy="5665680"/>
+            <a:off x="1685160" y="11331720"/>
+            <a:ext cx="842040" cy="5665320"/>
           </a:xfrm>
           <a:prstGeom prst="triangle">
             <a:avLst>
@@ -4023,15 +3917,15 @@
             </a:avLst>
           </a:prstGeom>
           <a:solidFill>
-            <a:schemeClr val="accent1">
+            <a:srgbClr val="90c226">
               <a:alpha val="85000"/>
-            </a:schemeClr>
+            </a:srgbClr>
           </a:solidFill>
-          <a:ln>
+          <a:ln w="12600">
             <a:noFill/>
           </a:ln>
           <a:effectLst>
-            <a:outerShdw blurRad="38100" dir="5400000" dist="25400" rotWithShape="0">
+            <a:outerShdw dir="5400000" dist="25560">
               <a:srgbClr val="000000">
                 <a:alpha val="35000"/>
               </a:srgbClr>
@@ -4039,15 +3933,9 @@
           </a:effectLst>
         </p:spPr>
         <p:style>
-          <a:lnRef idx="1">
-            <a:schemeClr val="accent1"/>
-          </a:lnRef>
-          <a:fillRef idx="3">
-            <a:schemeClr val="accent1"/>
-          </a:fillRef>
-          <a:effectRef idx="2">
-            <a:schemeClr val="accent1"/>
-          </a:effectRef>
+          <a:lnRef idx="0"/>
+          <a:fillRef idx="0"/>
+          <a:effectRef idx="0"/>
           <a:fontRef idx="minor"/>
         </p:style>
       </p:sp>
@@ -4063,45 +3951,27 @@
         </p:nvSpPr>
         <p:spPr>
           <a:xfrm>
-            <a:off x="1506960" y="2404440"/>
-            <a:ext cx="7766640" cy="1645920"/>
-          </a:xfrm>
-          <a:prstGeom prst="rect">
-            <a:avLst/>
-          </a:prstGeom>
-        </p:spPr>
-        <p:txBody>
-          <a:bodyPr anchor="b"/>
-          <a:p>
-            <a:pPr algn="r">
-              <a:lnSpc>
-                <a:spcPct val="100000"/>
-              </a:lnSpc>
-            </a:pPr>
-            <a:r>
-              <a:rPr b="0" lang="en-US" sz="5400" spc="-1" strike="noStrike">
-                <a:solidFill>
-                  <a:srgbClr val="90c226"/>
-                </a:solidFill>
-                <a:uFill>
-                  <a:solidFill>
-                    <a:srgbClr val="ffffff"/>
-                  </a:solidFill>
-                </a:uFill>
-                <a:latin typeface="Trebuchet MS"/>
-              </a:rPr>
-              <a:t>Click to edit Master title style</a:t>
-            </a:r>
-            <a:endParaRPr b="0" lang="en-US" sz="1800" spc="-1" strike="noStrike">
-              <a:solidFill>
-                <a:srgbClr val="000000"/>
-              </a:solidFill>
-              <a:uFill>
-                <a:solidFill>
-                  <a:srgbClr val="ffffff"/>
-                </a:solidFill>
-              </a:uFill>
-              <a:latin typeface="Trebuchet MS"/>
+            <a:off x="677160" y="609480"/>
+            <a:ext cx="8596080" cy="1320120"/>
+          </a:xfrm>
+          <a:prstGeom prst="rect">
+            <a:avLst/>
+          </a:prstGeom>
+        </p:spPr>
+        <p:txBody>
+          <a:bodyPr lIns="0" rIns="0" tIns="0" bIns="0" anchor="ctr"/>
+          <a:p>
+            <a:pPr algn="ctr"/>
+            <a:endParaRPr b="0" lang="en-IN" sz="4400" spc="-1" strike="noStrike">
+              <a:solidFill>
+                <a:srgbClr val="000000"/>
+              </a:solidFill>
+              <a:uFill>
+                <a:solidFill>
+                  <a:srgbClr val="ffffff"/>
+                </a:solidFill>
+              </a:uFill>
+              <a:latin typeface="Arial"/>
             </a:endParaRPr>
           </a:p>
         </p:txBody>
@@ -4109,152 +3979,6 @@
       <p:sp>
         <p:nvSpPr>
           <p:cNvPr id="21" name="PlaceHolder 22"/>
-          <p:cNvSpPr>
-            <a:spLocks noGrp="1"/>
-          </p:cNvSpPr>
-          <p:nvPr>
-            <p:ph type="dt"/>
-          </p:nvPr>
-        </p:nvSpPr>
-        <p:spPr>
-          <a:xfrm>
-            <a:off x="7205040" y="6041520"/>
-            <a:ext cx="911520" cy="364680"/>
-          </a:xfrm>
-          <a:prstGeom prst="rect">
-            <a:avLst/>
-          </a:prstGeom>
-        </p:spPr>
-        <p:txBody>
-          <a:bodyPr anchor="ctr"/>
-          <a:p>
-            <a:pPr algn="r">
-              <a:lnSpc>
-                <a:spcPct val="100000"/>
-              </a:lnSpc>
-            </a:pPr>
-            <a:r>
-              <a:rPr b="0" lang="en-IN" sz="900" spc="-1" strike="noStrike">
-                <a:solidFill>
-                  <a:srgbClr val="8b8b8b"/>
-                </a:solidFill>
-                <a:uFill>
-                  <a:solidFill>
-                    <a:srgbClr val="ffffff"/>
-                  </a:solidFill>
-                </a:uFill>
-                <a:latin typeface="Trebuchet MS"/>
-              </a:rPr>
-              <a:t>10/02/18</a:t>
-            </a:r>
-            <a:endParaRPr b="0" lang="en-IN" sz="1400" spc="-1" strike="noStrike">
-              <a:solidFill>
-                <a:srgbClr val="000000"/>
-              </a:solidFill>
-              <a:uFill>
-                <a:solidFill>
-                  <a:srgbClr val="ffffff"/>
-                </a:solidFill>
-              </a:uFill>
-              <a:latin typeface="Times New Roman"/>
-            </a:endParaRPr>
-          </a:p>
-        </p:txBody>
-      </p:sp>
-      <p:sp>
-        <p:nvSpPr>
-          <p:cNvPr id="22" name="PlaceHolder 23"/>
-          <p:cNvSpPr>
-            <a:spLocks noGrp="1"/>
-          </p:cNvSpPr>
-          <p:nvPr>
-            <p:ph type="ftr"/>
-          </p:nvPr>
-        </p:nvSpPr>
-        <p:spPr>
-          <a:xfrm>
-            <a:off x="677160" y="6041520"/>
-            <a:ext cx="6297120" cy="364680"/>
-          </a:xfrm>
-          <a:prstGeom prst="rect">
-            <a:avLst/>
-          </a:prstGeom>
-        </p:spPr>
-        <p:txBody>
-          <a:bodyPr anchor="ctr"/>
-          <a:p>
-            <a:endParaRPr b="0" lang="en-IN" sz="2400" spc="-1" strike="noStrike">
-              <a:solidFill>
-                <a:srgbClr val="000000"/>
-              </a:solidFill>
-              <a:uFill>
-                <a:solidFill>
-                  <a:srgbClr val="ffffff"/>
-                </a:solidFill>
-              </a:uFill>
-              <a:latin typeface="Times New Roman"/>
-            </a:endParaRPr>
-          </a:p>
-        </p:txBody>
-      </p:sp>
-      <p:sp>
-        <p:nvSpPr>
-          <p:cNvPr id="23" name="PlaceHolder 24"/>
-          <p:cNvSpPr>
-            <a:spLocks noGrp="1"/>
-          </p:cNvSpPr>
-          <p:nvPr>
-            <p:ph type="sldNum"/>
-          </p:nvPr>
-        </p:nvSpPr>
-        <p:spPr>
-          <a:xfrm>
-            <a:off x="8590680" y="6041520"/>
-            <a:ext cx="682920" cy="364680"/>
-          </a:xfrm>
-          <a:prstGeom prst="rect">
-            <a:avLst/>
-          </a:prstGeom>
-        </p:spPr>
-        <p:txBody>
-          <a:bodyPr anchor="ctr"/>
-          <a:p>
-            <a:pPr algn="r">
-              <a:lnSpc>
-                <a:spcPct val="100000"/>
-              </a:lnSpc>
-            </a:pPr>
-            <a:fld id="{C5805123-68B4-486A-9950-0D520EA9DE03}" type="slidenum">
-              <a:rPr b="0" lang="en-IN" sz="900" spc="-1" strike="noStrike">
-                <a:solidFill>
-                  <a:srgbClr val="90c226"/>
-                </a:solidFill>
-                <a:uFill>
-                  <a:solidFill>
-                    <a:srgbClr val="ffffff"/>
-                  </a:solidFill>
-                </a:uFill>
-                <a:latin typeface="Trebuchet MS"/>
-              </a:rPr>
-              <a:t>&lt;number&gt;</a:t>
-            </a:fld>
-            <a:endParaRPr b="0" lang="en-IN" sz="1400" spc="-1" strike="noStrike">
-              <a:solidFill>
-                <a:srgbClr val="000000"/>
-              </a:solidFill>
-              <a:uFill>
-                <a:solidFill>
-                  <a:srgbClr val="ffffff"/>
-                </a:solidFill>
-              </a:uFill>
-              <a:latin typeface="Times New Roman"/>
-            </a:endParaRPr>
-          </a:p>
-        </p:txBody>
-      </p:sp>
-      <p:sp>
-        <p:nvSpPr>
-          <p:cNvPr id="24" name="PlaceHolder 25"/>
           <p:cNvSpPr>
             <a:spLocks noGrp="1"/>
           </p:cNvSpPr>
@@ -4283,29 +4007,29 @@
               <a:buChar char=""/>
             </a:pPr>
             <a:r>
-              <a:rPr b="0" lang="en-US" sz="1800" spc="-1" strike="noStrike">
-                <a:solidFill>
-                  <a:srgbClr val="404040"/>
+              <a:rPr b="0" lang="en-IN" sz="3200" spc="-1" strike="noStrike">
+                <a:solidFill>
+                  <a:srgbClr val="000000"/>
                 </a:solidFill>
                 <a:uFill>
                   <a:solidFill>
                     <a:srgbClr val="ffffff"/>
                   </a:solidFill>
                 </a:uFill>
-                <a:latin typeface="Trebuchet MS"/>
+                <a:latin typeface="Arial"/>
               </a:rPr>
               <a:t>Click to edit the outline text format</a:t>
             </a:r>
-            <a:endParaRPr b="0" lang="en-US" sz="1800" spc="-1" strike="noStrike">
-              <a:solidFill>
-                <a:srgbClr val="404040"/>
-              </a:solidFill>
-              <a:uFill>
-                <a:solidFill>
-                  <a:srgbClr val="ffffff"/>
-                </a:solidFill>
-              </a:uFill>
-              <a:latin typeface="Trebuchet MS"/>
+            <a:endParaRPr b="0" lang="en-IN" sz="3200" spc="-1" strike="noStrike">
+              <a:solidFill>
+                <a:srgbClr val="000000"/>
+              </a:solidFill>
+              <a:uFill>
+                <a:solidFill>
+                  <a:srgbClr val="ffffff"/>
+                </a:solidFill>
+              </a:uFill>
+              <a:latin typeface="Arial"/>
             </a:endParaRPr>
           </a:p>
           <a:p>
@@ -4318,29 +4042,29 @@
               <a:buChar char=""/>
             </a:pPr>
             <a:r>
-              <a:rPr b="0" lang="en-US" sz="1400" spc="-1" strike="noStrike">
-                <a:solidFill>
-                  <a:srgbClr val="404040"/>
+              <a:rPr b="0" lang="en-IN" sz="2800" spc="-1" strike="noStrike">
+                <a:solidFill>
+                  <a:srgbClr val="000000"/>
                 </a:solidFill>
                 <a:uFill>
                   <a:solidFill>
                     <a:srgbClr val="ffffff"/>
                   </a:solidFill>
                 </a:uFill>
-                <a:latin typeface="Trebuchet MS"/>
+                <a:latin typeface="Arial"/>
               </a:rPr>
               <a:t>Second Outline Level</a:t>
             </a:r>
-            <a:endParaRPr b="0" lang="en-US" sz="1400" spc="-1" strike="noStrike">
-              <a:solidFill>
-                <a:srgbClr val="404040"/>
-              </a:solidFill>
-              <a:uFill>
-                <a:solidFill>
-                  <a:srgbClr val="ffffff"/>
-                </a:solidFill>
-              </a:uFill>
-              <a:latin typeface="Trebuchet MS"/>
+            <a:endParaRPr b="0" lang="en-IN" sz="2800" spc="-1" strike="noStrike">
+              <a:solidFill>
+                <a:srgbClr val="000000"/>
+              </a:solidFill>
+              <a:uFill>
+                <a:solidFill>
+                  <a:srgbClr val="ffffff"/>
+                </a:solidFill>
+              </a:uFill>
+              <a:latin typeface="Arial"/>
             </a:endParaRPr>
           </a:p>
           <a:p>
@@ -4353,29 +4077,29 @@
               <a:buChar char=""/>
             </a:pPr>
             <a:r>
-              <a:rPr b="0" lang="en-US" sz="1200" spc="-1" strike="noStrike">
-                <a:solidFill>
-                  <a:srgbClr val="404040"/>
+              <a:rPr b="0" lang="en-IN" sz="2400" spc="-1" strike="noStrike">
+                <a:solidFill>
+                  <a:srgbClr val="000000"/>
                 </a:solidFill>
                 <a:uFill>
                   <a:solidFill>
                     <a:srgbClr val="ffffff"/>
                   </a:solidFill>
                 </a:uFill>
-                <a:latin typeface="Trebuchet MS"/>
+                <a:latin typeface="Arial"/>
               </a:rPr>
               <a:t>Third Outline Level</a:t>
             </a:r>
-            <a:endParaRPr b="0" lang="en-US" sz="1200" spc="-1" strike="noStrike">
-              <a:solidFill>
-                <a:srgbClr val="404040"/>
-              </a:solidFill>
-              <a:uFill>
-                <a:solidFill>
-                  <a:srgbClr val="ffffff"/>
-                </a:solidFill>
-              </a:uFill>
-              <a:latin typeface="Trebuchet MS"/>
+            <a:endParaRPr b="0" lang="en-IN" sz="2400" spc="-1" strike="noStrike">
+              <a:solidFill>
+                <a:srgbClr val="000000"/>
+              </a:solidFill>
+              <a:uFill>
+                <a:solidFill>
+                  <a:srgbClr val="ffffff"/>
+                </a:solidFill>
+              </a:uFill>
+              <a:latin typeface="Arial"/>
             </a:endParaRPr>
           </a:p>
           <a:p>
@@ -4388,29 +4112,29 @@
               <a:buChar char=""/>
             </a:pPr>
             <a:r>
-              <a:rPr b="0" lang="en-US" sz="1200" spc="-1" strike="noStrike">
-                <a:solidFill>
-                  <a:srgbClr val="404040"/>
+              <a:rPr b="0" lang="en-IN" sz="2000" spc="-1" strike="noStrike">
+                <a:solidFill>
+                  <a:srgbClr val="000000"/>
                 </a:solidFill>
                 <a:uFill>
                   <a:solidFill>
                     <a:srgbClr val="ffffff"/>
                   </a:solidFill>
                 </a:uFill>
-                <a:latin typeface="Trebuchet MS"/>
+                <a:latin typeface="Arial"/>
               </a:rPr>
               <a:t>Fourth Outline Level</a:t>
             </a:r>
-            <a:endParaRPr b="0" lang="en-US" sz="1200" spc="-1" strike="noStrike">
-              <a:solidFill>
-                <a:srgbClr val="404040"/>
-              </a:solidFill>
-              <a:uFill>
-                <a:solidFill>
-                  <a:srgbClr val="ffffff"/>
-                </a:solidFill>
-              </a:uFill>
-              <a:latin typeface="Trebuchet MS"/>
+            <a:endParaRPr b="0" lang="en-IN" sz="2000" spc="-1" strike="noStrike">
+              <a:solidFill>
+                <a:srgbClr val="000000"/>
+              </a:solidFill>
+              <a:uFill>
+                <a:solidFill>
+                  <a:srgbClr val="ffffff"/>
+                </a:solidFill>
+              </a:uFill>
+              <a:latin typeface="Arial"/>
             </a:endParaRPr>
           </a:p>
           <a:p>
@@ -4423,29 +4147,29 @@
               <a:buChar char=""/>
             </a:pPr>
             <a:r>
-              <a:rPr b="0" lang="en-US" sz="2000" spc="-1" strike="noStrike">
-                <a:solidFill>
-                  <a:srgbClr val="404040"/>
+              <a:rPr b="0" lang="en-IN" sz="2000" spc="-1" strike="noStrike">
+                <a:solidFill>
+                  <a:srgbClr val="000000"/>
                 </a:solidFill>
                 <a:uFill>
                   <a:solidFill>
                     <a:srgbClr val="ffffff"/>
                   </a:solidFill>
                 </a:uFill>
-                <a:latin typeface="Trebuchet MS"/>
+                <a:latin typeface="Arial"/>
               </a:rPr>
               <a:t>Fifth Outline Level</a:t>
             </a:r>
-            <a:endParaRPr b="0" lang="en-US" sz="2000" spc="-1" strike="noStrike">
-              <a:solidFill>
-                <a:srgbClr val="404040"/>
-              </a:solidFill>
-              <a:uFill>
-                <a:solidFill>
-                  <a:srgbClr val="ffffff"/>
-                </a:solidFill>
-              </a:uFill>
-              <a:latin typeface="Trebuchet MS"/>
+            <a:endParaRPr b="0" lang="en-IN" sz="2000" spc="-1" strike="noStrike">
+              <a:solidFill>
+                <a:srgbClr val="000000"/>
+              </a:solidFill>
+              <a:uFill>
+                <a:solidFill>
+                  <a:srgbClr val="ffffff"/>
+                </a:solidFill>
+              </a:uFill>
+              <a:latin typeface="Arial"/>
             </a:endParaRPr>
           </a:p>
           <a:p>
@@ -4458,29 +4182,29 @@
               <a:buChar char=""/>
             </a:pPr>
             <a:r>
-              <a:rPr b="0" lang="en-US" sz="2000" spc="-1" strike="noStrike">
-                <a:solidFill>
-                  <a:srgbClr val="404040"/>
+              <a:rPr b="0" lang="en-IN" sz="2000" spc="-1" strike="noStrike">
+                <a:solidFill>
+                  <a:srgbClr val="000000"/>
                 </a:solidFill>
                 <a:uFill>
                   <a:solidFill>
                     <a:srgbClr val="ffffff"/>
                   </a:solidFill>
                 </a:uFill>
-                <a:latin typeface="Trebuchet MS"/>
+                <a:latin typeface="Arial"/>
               </a:rPr>
               <a:t>Sixth Outline Level</a:t>
             </a:r>
-            <a:endParaRPr b="0" lang="en-US" sz="2000" spc="-1" strike="noStrike">
-              <a:solidFill>
-                <a:srgbClr val="404040"/>
-              </a:solidFill>
-              <a:uFill>
-                <a:solidFill>
-                  <a:srgbClr val="ffffff"/>
-                </a:solidFill>
-              </a:uFill>
-              <a:latin typeface="Trebuchet MS"/>
+            <a:endParaRPr b="0" lang="en-IN" sz="2000" spc="-1" strike="noStrike">
+              <a:solidFill>
+                <a:srgbClr val="000000"/>
+              </a:solidFill>
+              <a:uFill>
+                <a:solidFill>
+                  <a:srgbClr val="ffffff"/>
+                </a:solidFill>
+              </a:uFill>
+              <a:latin typeface="Arial"/>
             </a:endParaRPr>
           </a:p>
           <a:p>
@@ -4493,29 +4217,29 @@
               <a:buChar char=""/>
             </a:pPr>
             <a:r>
-              <a:rPr b="0" lang="en-US" sz="2000" spc="-1" strike="noStrike">
-                <a:solidFill>
-                  <a:srgbClr val="404040"/>
+              <a:rPr b="0" lang="en-IN" sz="2000" spc="-1" strike="noStrike">
+                <a:solidFill>
+                  <a:srgbClr val="000000"/>
                 </a:solidFill>
                 <a:uFill>
                   <a:solidFill>
                     <a:srgbClr val="ffffff"/>
                   </a:solidFill>
                 </a:uFill>
-                <a:latin typeface="Trebuchet MS"/>
+                <a:latin typeface="Arial"/>
               </a:rPr>
               <a:t>Seventh Outline Level</a:t>
             </a:r>
-            <a:endParaRPr b="0" lang="en-US" sz="2000" spc="-1" strike="noStrike">
-              <a:solidFill>
-                <a:srgbClr val="404040"/>
-              </a:solidFill>
-              <a:uFill>
-                <a:solidFill>
-                  <a:srgbClr val="ffffff"/>
-                </a:solidFill>
-              </a:uFill>
-              <a:latin typeface="Trebuchet MS"/>
+            <a:endParaRPr b="0" lang="en-IN" sz="2000" spc="-1" strike="noStrike">
+              <a:solidFill>
+                <a:srgbClr val="000000"/>
+              </a:solidFill>
+              <a:uFill>
+                <a:solidFill>
+                  <a:srgbClr val="ffffff"/>
+                </a:solidFill>
+              </a:uFill>
+              <a:latin typeface="Arial"/>
             </a:endParaRPr>
           </a:p>
         </p:txBody>
@@ -4566,7 +4290,7 @@
       </p:grpSpPr>
       <p:sp>
         <p:nvSpPr>
-          <p:cNvPr id="59" name="Line 1"/>
+          <p:cNvPr id="56" name="Line 1"/>
           <p:cNvSpPr/>
           <p:nvPr/>
         </p:nvSpPr>
@@ -4580,29 +4304,21 @@
           </a:prstGeom>
           <a:ln w="9360">
             <a:solidFill>
-              <a:schemeClr val="bg1">
-                <a:lumMod val="75000"/>
-              </a:schemeClr>
+              <a:srgbClr val="bfbfbf"/>
             </a:solidFill>
             <a:round/>
           </a:ln>
         </p:spPr>
         <p:style>
-          <a:lnRef idx="2">
-            <a:schemeClr val="accent1"/>
-          </a:lnRef>
-          <a:fillRef idx="0">
-            <a:schemeClr val="accent1"/>
-          </a:fillRef>
-          <a:effectRef idx="1">
-            <a:schemeClr val="accent1"/>
-          </a:effectRef>
+          <a:lnRef idx="0"/>
+          <a:fillRef idx="0"/>
+          <a:effectRef idx="0"/>
           <a:fontRef idx="minor"/>
         </p:style>
       </p:sp>
       <p:sp>
         <p:nvSpPr>
-          <p:cNvPr id="60" name="Line 2"/>
+          <p:cNvPr id="57" name="Line 2"/>
           <p:cNvSpPr/>
           <p:nvPr/>
         </p:nvSpPr>
@@ -4616,36 +4332,28 @@
           </a:prstGeom>
           <a:ln w="9360">
             <a:solidFill>
-              <a:schemeClr val="bg1">
-                <a:lumMod val="85000"/>
-              </a:schemeClr>
+              <a:srgbClr val="d9d9d9"/>
             </a:solidFill>
             <a:round/>
           </a:ln>
         </p:spPr>
         <p:style>
-          <a:lnRef idx="2">
-            <a:schemeClr val="accent1"/>
-          </a:lnRef>
-          <a:fillRef idx="0">
-            <a:schemeClr val="accent1"/>
-          </a:fillRef>
-          <a:effectRef idx="1">
-            <a:schemeClr val="accent1"/>
-          </a:effectRef>
+          <a:lnRef idx="0"/>
+          <a:fillRef idx="0"/>
+          <a:effectRef idx="0"/>
           <a:fontRef idx="minor"/>
         </p:style>
       </p:sp>
       <p:sp>
         <p:nvSpPr>
-          <p:cNvPr id="61" name="CustomShape 3"/>
+          <p:cNvPr id="58" name="CustomShape 3"/>
           <p:cNvSpPr/>
           <p:nvPr/>
         </p:nvSpPr>
         <p:spPr>
           <a:xfrm>
             <a:off x="9181440" y="-8640"/>
-            <a:ext cx="3007080" cy="6866280"/>
+            <a:ext cx="3006720" cy="6865920"/>
           </a:xfrm>
           <a:custGeom>
             <a:avLst/>
@@ -4674,15 +4382,15 @@
             </a:pathLst>
           </a:custGeom>
           <a:solidFill>
-            <a:schemeClr val="accent1">
+            <a:srgbClr val="90c226">
               <a:alpha val="30000"/>
-            </a:schemeClr>
+            </a:srgbClr>
           </a:solidFill>
-          <a:ln>
+          <a:ln w="12600">
             <a:noFill/>
           </a:ln>
           <a:effectLst>
-            <a:outerShdw blurRad="38100" dir="5400000" dist="25400" rotWithShape="0">
+            <a:outerShdw dir="5400000" dist="25560">
               <a:srgbClr val="000000">
                 <a:alpha val="35000"/>
               </a:srgbClr>
@@ -4690,28 +4398,22 @@
           </a:effectLst>
         </p:spPr>
         <p:style>
-          <a:lnRef idx="1">
-            <a:schemeClr val="accent1"/>
-          </a:lnRef>
-          <a:fillRef idx="3">
-            <a:schemeClr val="accent1"/>
-          </a:fillRef>
-          <a:effectRef idx="2">
-            <a:schemeClr val="accent1"/>
-          </a:effectRef>
+          <a:lnRef idx="0"/>
+          <a:fillRef idx="0"/>
+          <a:effectRef idx="0"/>
           <a:fontRef idx="minor"/>
         </p:style>
       </p:sp>
       <p:sp>
         <p:nvSpPr>
-          <p:cNvPr id="62" name="CustomShape 4"/>
+          <p:cNvPr id="59" name="CustomShape 4"/>
           <p:cNvSpPr/>
           <p:nvPr/>
         </p:nvSpPr>
         <p:spPr>
           <a:xfrm>
             <a:off x="9603360" y="-8640"/>
-            <a:ext cx="2588040" cy="6866280"/>
+            <a:ext cx="2587680" cy="6865920"/>
           </a:xfrm>
           <a:custGeom>
             <a:avLst/>
@@ -4740,15 +4442,15 @@
             </a:pathLst>
           </a:custGeom>
           <a:solidFill>
-            <a:schemeClr val="accent1">
+            <a:srgbClr val="90c226">
               <a:alpha val="20000"/>
-            </a:schemeClr>
+            </a:srgbClr>
           </a:solidFill>
-          <a:ln>
+          <a:ln w="12600">
             <a:noFill/>
           </a:ln>
           <a:effectLst>
-            <a:outerShdw blurRad="38100" dir="5400000" dist="25400" rotWithShape="0">
+            <a:outerShdw dir="5400000" dist="25560">
               <a:srgbClr val="000000">
                 <a:alpha val="35000"/>
               </a:srgbClr>
@@ -4756,28 +4458,22 @@
           </a:effectLst>
         </p:spPr>
         <p:style>
-          <a:lnRef idx="1">
-            <a:schemeClr val="accent1"/>
-          </a:lnRef>
-          <a:fillRef idx="3">
-            <a:schemeClr val="accent1"/>
-          </a:fillRef>
-          <a:effectRef idx="2">
-            <a:schemeClr val="accent1"/>
-          </a:effectRef>
+          <a:lnRef idx="0"/>
+          <a:fillRef idx="0"/>
+          <a:effectRef idx="0"/>
           <a:fontRef idx="minor"/>
         </p:style>
       </p:sp>
       <p:sp>
         <p:nvSpPr>
-          <p:cNvPr id="63" name="CustomShape 5"/>
+          <p:cNvPr id="60" name="CustomShape 5"/>
           <p:cNvSpPr/>
           <p:nvPr/>
         </p:nvSpPr>
         <p:spPr>
           <a:xfrm>
             <a:off x="8932320" y="3048120"/>
-            <a:ext cx="3259440" cy="3809520"/>
+            <a:ext cx="3259080" cy="3809160"/>
           </a:xfrm>
           <a:prstGeom prst="triangle">
             <a:avLst>
@@ -4785,15 +4481,15 @@
             </a:avLst>
           </a:prstGeom>
           <a:solidFill>
-            <a:schemeClr val="accent2">
+            <a:srgbClr val="54a021">
               <a:alpha val="72000"/>
-            </a:schemeClr>
+            </a:srgbClr>
           </a:solidFill>
-          <a:ln>
+          <a:ln w="12600">
             <a:noFill/>
           </a:ln>
           <a:effectLst>
-            <a:outerShdw blurRad="38100" dir="5400000" dist="25400" rotWithShape="0">
+            <a:outerShdw dir="5400000" dist="25560">
               <a:srgbClr val="000000">
                 <a:alpha val="35000"/>
               </a:srgbClr>
@@ -4801,28 +4497,22 @@
           </a:effectLst>
         </p:spPr>
         <p:style>
-          <a:lnRef idx="1">
-            <a:schemeClr val="accent1"/>
-          </a:lnRef>
-          <a:fillRef idx="3">
-            <a:schemeClr val="accent1"/>
-          </a:fillRef>
-          <a:effectRef idx="2">
-            <a:schemeClr val="accent1"/>
-          </a:effectRef>
+          <a:lnRef idx="0"/>
+          <a:fillRef idx="0"/>
+          <a:effectRef idx="0"/>
           <a:fontRef idx="minor"/>
         </p:style>
       </p:sp>
       <p:sp>
         <p:nvSpPr>
-          <p:cNvPr id="64" name="CustomShape 6"/>
+          <p:cNvPr id="61" name="CustomShape 6"/>
           <p:cNvSpPr/>
           <p:nvPr/>
         </p:nvSpPr>
         <p:spPr>
           <a:xfrm>
             <a:off x="9334440" y="-8640"/>
-            <a:ext cx="2854080" cy="6866280"/>
+            <a:ext cx="2853720" cy="6865920"/>
           </a:xfrm>
           <a:custGeom>
             <a:avLst/>
@@ -4851,16 +4541,15 @@
             </a:pathLst>
           </a:custGeom>
           <a:solidFill>
-            <a:schemeClr val="accent2">
-              <a:lumMod val="75000"/>
+            <a:srgbClr val="3f7819">
               <a:alpha val="70000"/>
-            </a:schemeClr>
+            </a:srgbClr>
           </a:solidFill>
-          <a:ln>
+          <a:ln w="12600">
             <a:noFill/>
           </a:ln>
           <a:effectLst>
-            <a:outerShdw blurRad="38100" dir="5400000" dist="25400" rotWithShape="0">
+            <a:outerShdw dir="5400000" dist="25560">
               <a:srgbClr val="000000">
                 <a:alpha val="35000"/>
               </a:srgbClr>
@@ -4868,28 +4557,22 @@
           </a:effectLst>
         </p:spPr>
         <p:style>
-          <a:lnRef idx="1">
-            <a:schemeClr val="accent1"/>
-          </a:lnRef>
-          <a:fillRef idx="3">
-            <a:schemeClr val="accent1"/>
-          </a:fillRef>
-          <a:effectRef idx="2">
-            <a:schemeClr val="accent1"/>
-          </a:effectRef>
+          <a:lnRef idx="0"/>
+          <a:fillRef idx="0"/>
+          <a:effectRef idx="0"/>
           <a:fontRef idx="minor"/>
         </p:style>
       </p:sp>
       <p:sp>
         <p:nvSpPr>
-          <p:cNvPr id="65" name="CustomShape 7"/>
+          <p:cNvPr id="62" name="CustomShape 7"/>
           <p:cNvSpPr/>
           <p:nvPr/>
         </p:nvSpPr>
         <p:spPr>
           <a:xfrm>
             <a:off x="10898640" y="-8640"/>
-            <a:ext cx="1289880" cy="6866280"/>
+            <a:ext cx="1289520" cy="6865920"/>
           </a:xfrm>
           <a:custGeom>
             <a:avLst/>
@@ -4918,17 +4601,15 @@
             </a:pathLst>
           </a:custGeom>
           <a:solidFill>
-            <a:schemeClr val="accent1">
-              <a:lumMod val="60000"/>
-              <a:lumOff val="40000"/>
+            <a:srgbClr val="c0e474">
               <a:alpha val="70000"/>
-            </a:schemeClr>
+            </a:srgbClr>
           </a:solidFill>
-          <a:ln>
+          <a:ln w="12600">
             <a:noFill/>
           </a:ln>
           <a:effectLst>
-            <a:outerShdw blurRad="38100" dir="5400000" dist="25400" rotWithShape="0">
+            <a:outerShdw dir="5400000" dist="25560">
               <a:srgbClr val="000000">
                 <a:alpha val="35000"/>
               </a:srgbClr>
@@ -4936,28 +4617,22 @@
           </a:effectLst>
         </p:spPr>
         <p:style>
-          <a:lnRef idx="1">
-            <a:schemeClr val="accent1"/>
-          </a:lnRef>
-          <a:fillRef idx="3">
-            <a:schemeClr val="accent1"/>
-          </a:fillRef>
-          <a:effectRef idx="2">
-            <a:schemeClr val="accent1"/>
-          </a:effectRef>
+          <a:lnRef idx="0"/>
+          <a:fillRef idx="0"/>
+          <a:effectRef idx="0"/>
           <a:fontRef idx="minor"/>
         </p:style>
       </p:sp>
       <p:sp>
         <p:nvSpPr>
-          <p:cNvPr id="66" name="CustomShape 8"/>
+          <p:cNvPr id="63" name="CustomShape 8"/>
           <p:cNvSpPr/>
           <p:nvPr/>
         </p:nvSpPr>
         <p:spPr>
           <a:xfrm>
             <a:off x="10938960" y="-8640"/>
-            <a:ext cx="1249560" cy="6866280"/>
+            <a:ext cx="1249200" cy="6865920"/>
           </a:xfrm>
           <a:custGeom>
             <a:avLst/>
@@ -4986,15 +4661,15 @@
             </a:pathLst>
           </a:custGeom>
           <a:solidFill>
-            <a:schemeClr val="accent1">
+            <a:srgbClr val="90c226">
               <a:alpha val="65000"/>
-            </a:schemeClr>
+            </a:srgbClr>
           </a:solidFill>
-          <a:ln>
+          <a:ln w="12600">
             <a:noFill/>
           </a:ln>
           <a:effectLst>
-            <a:outerShdw blurRad="38100" dir="5400000" dist="25400" rotWithShape="0">
+            <a:outerShdw dir="5400000" dist="25560">
               <a:srgbClr val="000000">
                 <a:alpha val="35000"/>
               </a:srgbClr>
@@ -5002,28 +4677,22 @@
           </a:effectLst>
         </p:spPr>
         <p:style>
-          <a:lnRef idx="1">
-            <a:schemeClr val="accent1"/>
-          </a:lnRef>
-          <a:fillRef idx="3">
-            <a:schemeClr val="accent1"/>
-          </a:fillRef>
-          <a:effectRef idx="2">
-            <a:schemeClr val="accent1"/>
-          </a:effectRef>
+          <a:lnRef idx="0"/>
+          <a:fillRef idx="0"/>
+          <a:effectRef idx="0"/>
           <a:fontRef idx="minor"/>
         </p:style>
       </p:sp>
       <p:sp>
         <p:nvSpPr>
-          <p:cNvPr id="67" name="CustomShape 9"/>
+          <p:cNvPr id="64" name="CustomShape 9"/>
           <p:cNvSpPr/>
           <p:nvPr/>
         </p:nvSpPr>
         <p:spPr>
           <a:xfrm>
             <a:off x="10371600" y="3589920"/>
-            <a:ext cx="1816920" cy="3267720"/>
+            <a:ext cx="1816560" cy="3267360"/>
           </a:xfrm>
           <a:prstGeom prst="triangle">
             <a:avLst>
@@ -5031,15 +4700,15 @@
             </a:avLst>
           </a:prstGeom>
           <a:solidFill>
-            <a:schemeClr val="accent1">
+            <a:srgbClr val="90c226">
               <a:alpha val="80000"/>
-            </a:schemeClr>
+            </a:srgbClr>
           </a:solidFill>
-          <a:ln>
+          <a:ln w="12600">
             <a:noFill/>
           </a:ln>
           <a:effectLst>
-            <a:outerShdw blurRad="38100" dir="5400000" dist="25400" rotWithShape="0">
+            <a:outerShdw dir="5400000" dist="25560">
               <a:srgbClr val="000000">
                 <a:alpha val="35000"/>
               </a:srgbClr>
@@ -5047,28 +4716,22 @@
           </a:effectLst>
         </p:spPr>
         <p:style>
-          <a:lnRef idx="1">
-            <a:schemeClr val="accent1"/>
-          </a:lnRef>
-          <a:fillRef idx="3">
-            <a:schemeClr val="accent1"/>
-          </a:fillRef>
-          <a:effectRef idx="2">
-            <a:schemeClr val="accent1"/>
-          </a:effectRef>
+          <a:lnRef idx="0"/>
+          <a:fillRef idx="0"/>
+          <a:effectRef idx="0"/>
           <a:fontRef idx="minor"/>
         </p:style>
       </p:sp>
       <p:sp>
         <p:nvSpPr>
-          <p:cNvPr id="68" name="CustomShape 10"/>
+          <p:cNvPr id="65" name="CustomShape 10"/>
           <p:cNvSpPr/>
           <p:nvPr/>
         </p:nvSpPr>
         <p:spPr>
           <a:xfrm>
             <a:off x="0" y="4013280"/>
-            <a:ext cx="448200" cy="2844360"/>
+            <a:ext cx="447840" cy="2844000"/>
           </a:xfrm>
           <a:prstGeom prst="triangle">
             <a:avLst>
@@ -5076,15 +4739,15 @@
             </a:avLst>
           </a:prstGeom>
           <a:solidFill>
-            <a:schemeClr val="accent1">
+            <a:srgbClr val="90c226">
               <a:alpha val="85000"/>
-            </a:schemeClr>
+            </a:srgbClr>
           </a:solidFill>
-          <a:ln>
+          <a:ln w="12600">
             <a:noFill/>
           </a:ln>
           <a:effectLst>
-            <a:outerShdw blurRad="38100" dir="5400000" dist="25400" rotWithShape="0">
+            <a:outerShdw dir="5400000" dist="25560">
               <a:srgbClr val="000000">
                 <a:alpha val="35000"/>
               </a:srgbClr>
@@ -5092,21 +4755,15 @@
           </a:effectLst>
         </p:spPr>
         <p:style>
-          <a:lnRef idx="1">
-            <a:schemeClr val="accent1"/>
-          </a:lnRef>
-          <a:fillRef idx="3">
-            <a:schemeClr val="accent1"/>
-          </a:fillRef>
-          <a:effectRef idx="2">
-            <a:schemeClr val="accent1"/>
-          </a:effectRef>
+          <a:lnRef idx="0"/>
+          <a:fillRef idx="0"/>
+          <a:effectRef idx="0"/>
           <a:fontRef idx="minor"/>
         </p:style>
       </p:sp>
       <p:sp>
         <p:nvSpPr>
-          <p:cNvPr id="69" name="PlaceHolder 11"/>
+          <p:cNvPr id="66" name="PlaceHolder 11"/>
           <p:cNvSpPr>
             <a:spLocks noGrp="1"/>
           </p:cNvSpPr>
@@ -5116,52 +4773,48 @@
         </p:nvSpPr>
         <p:spPr>
           <a:xfrm>
-            <a:off x="677160" y="609480"/>
-            <a:ext cx="8596440" cy="1320480"/>
-          </a:xfrm>
-          <a:prstGeom prst="rect">
-            <a:avLst/>
-          </a:prstGeom>
-        </p:spPr>
-        <p:txBody>
-          <a:bodyPr/>
-          <a:p>
-            <a:pPr>
-              <a:lnSpc>
-                <a:spcPct val="100000"/>
-              </a:lnSpc>
-            </a:pPr>
+            <a:off x="609480" y="273600"/>
+            <a:ext cx="10972440" cy="1144800"/>
+          </a:xfrm>
+          <a:prstGeom prst="rect">
+            <a:avLst/>
+          </a:prstGeom>
+        </p:spPr>
+        <p:txBody>
+          <a:bodyPr lIns="0" rIns="0" tIns="0" bIns="0" anchor="ctr"/>
+          <a:p>
+            <a:pPr algn="ctr"/>
             <a:r>
-              <a:rPr b="0" lang="en-US" sz="3600" spc="-1" strike="noStrike">
-                <a:solidFill>
-                  <a:srgbClr val="90c226"/>
+              <a:rPr b="0" lang="en-IN" sz="4400" spc="-1" strike="noStrike">
+                <a:solidFill>
+                  <a:srgbClr val="000000"/>
                 </a:solidFill>
                 <a:uFill>
                   <a:solidFill>
                     <a:srgbClr val="ffffff"/>
                   </a:solidFill>
                 </a:uFill>
-                <a:latin typeface="Trebuchet MS"/>
+                <a:latin typeface="Arial"/>
               </a:rPr>
-              <a:t>Click to edit Master title style</a:t>
+              <a:t>Click to edit the title text format</a:t>
             </a:r>
-            <a:endParaRPr b="0" lang="en-US" sz="1800" spc="-1" strike="noStrike">
-              <a:solidFill>
-                <a:srgbClr val="000000"/>
-              </a:solidFill>
-              <a:uFill>
-                <a:solidFill>
-                  <a:srgbClr val="ffffff"/>
-                </a:solidFill>
-              </a:uFill>
-              <a:latin typeface="Trebuchet MS"/>
-            </a:endParaRPr>
-          </a:p>
-        </p:txBody>
-      </p:sp>
-      <p:sp>
-        <p:nvSpPr>
-          <p:cNvPr id="70" name="PlaceHolder 12"/>
+            <a:endParaRPr b="0" lang="en-IN" sz="4400" spc="-1" strike="noStrike">
+              <a:solidFill>
+                <a:srgbClr val="000000"/>
+              </a:solidFill>
+              <a:uFill>
+                <a:solidFill>
+                  <a:srgbClr val="ffffff"/>
+                </a:solidFill>
+              </a:uFill>
+              <a:latin typeface="Arial"/>
+            </a:endParaRPr>
+          </a:p>
+        </p:txBody>
+      </p:sp>
+      <p:sp>
+        <p:nvSpPr>
+          <p:cNvPr id="67" name="PlaceHolder 12"/>
           <p:cNvSpPr>
             <a:spLocks noGrp="1"/>
           </p:cNvSpPr>
@@ -5171,15 +4824,15 @@
         </p:nvSpPr>
         <p:spPr>
           <a:xfrm>
-            <a:off x="677160" y="2160720"/>
-            <a:ext cx="8596440" cy="3880440"/>
-          </a:xfrm>
-          <a:prstGeom prst="rect">
-            <a:avLst/>
-          </a:prstGeom>
-        </p:spPr>
-        <p:txBody>
-          <a:bodyPr/>
+            <a:off x="609480" y="1604520"/>
+            <a:ext cx="10972440" cy="3977280"/>
+          </a:xfrm>
+          <a:prstGeom prst="rect">
+            <a:avLst/>
+          </a:prstGeom>
+        </p:spPr>
+        <p:txBody>
+          <a:bodyPr lIns="0" rIns="0" tIns="0" bIns="0"/>
           <a:p>
             <a:pPr marL="432000" indent="-324000">
               <a:buClr>
@@ -5190,29 +4843,29 @@
               <a:buChar char=""/>
             </a:pPr>
             <a:r>
-              <a:rPr b="0" lang="en-US" sz="1800" spc="-1" strike="noStrike">
-                <a:solidFill>
-                  <a:srgbClr val="404040"/>
+              <a:rPr b="0" lang="en-IN" sz="3200" spc="-1" strike="noStrike">
+                <a:solidFill>
+                  <a:srgbClr val="000000"/>
                 </a:solidFill>
                 <a:uFill>
                   <a:solidFill>
                     <a:srgbClr val="ffffff"/>
                   </a:solidFill>
                 </a:uFill>
-                <a:latin typeface="Trebuchet MS"/>
+                <a:latin typeface="Arial"/>
               </a:rPr>
               <a:t>Click to edit the outline text format</a:t>
             </a:r>
-            <a:endParaRPr b="0" lang="en-US" sz="1800" spc="-1" strike="noStrike">
-              <a:solidFill>
-                <a:srgbClr val="404040"/>
-              </a:solidFill>
-              <a:uFill>
-                <a:solidFill>
-                  <a:srgbClr val="ffffff"/>
-                </a:solidFill>
-              </a:uFill>
-              <a:latin typeface="Trebuchet MS"/>
+            <a:endParaRPr b="0" lang="en-IN" sz="3200" spc="-1" strike="noStrike">
+              <a:solidFill>
+                <a:srgbClr val="000000"/>
+              </a:solidFill>
+              <a:uFill>
+                <a:solidFill>
+                  <a:srgbClr val="ffffff"/>
+                </a:solidFill>
+              </a:uFill>
+              <a:latin typeface="Arial"/>
             </a:endParaRPr>
           </a:p>
           <a:p>
@@ -5225,29 +4878,29 @@
               <a:buChar char=""/>
             </a:pPr>
             <a:r>
-              <a:rPr b="0" lang="en-US" sz="1800" spc="-1" strike="noStrike">
-                <a:solidFill>
-                  <a:srgbClr val="404040"/>
+              <a:rPr b="0" lang="en-IN" sz="2800" spc="-1" strike="noStrike">
+                <a:solidFill>
+                  <a:srgbClr val="000000"/>
                 </a:solidFill>
                 <a:uFill>
                   <a:solidFill>
                     <a:srgbClr val="ffffff"/>
                   </a:solidFill>
                 </a:uFill>
-                <a:latin typeface="Trebuchet MS"/>
+                <a:latin typeface="Arial"/>
               </a:rPr>
               <a:t>Second Outline Level</a:t>
             </a:r>
-            <a:endParaRPr b="0" lang="en-US" sz="1800" spc="-1" strike="noStrike">
-              <a:solidFill>
-                <a:srgbClr val="404040"/>
-              </a:solidFill>
-              <a:uFill>
-                <a:solidFill>
-                  <a:srgbClr val="ffffff"/>
-                </a:solidFill>
-              </a:uFill>
-              <a:latin typeface="Trebuchet MS"/>
+            <a:endParaRPr b="0" lang="en-IN" sz="2800" spc="-1" strike="noStrike">
+              <a:solidFill>
+                <a:srgbClr val="000000"/>
+              </a:solidFill>
+              <a:uFill>
+                <a:solidFill>
+                  <a:srgbClr val="ffffff"/>
+                </a:solidFill>
+              </a:uFill>
+              <a:latin typeface="Arial"/>
             </a:endParaRPr>
           </a:p>
           <a:p>
@@ -5260,29 +4913,29 @@
               <a:buChar char=""/>
             </a:pPr>
             <a:r>
-              <a:rPr b="0" lang="en-US" sz="1800" spc="-1" strike="noStrike">
-                <a:solidFill>
-                  <a:srgbClr val="404040"/>
+              <a:rPr b="0" lang="en-IN" sz="2400" spc="-1" strike="noStrike">
+                <a:solidFill>
+                  <a:srgbClr val="000000"/>
                 </a:solidFill>
                 <a:uFill>
                   <a:solidFill>
                     <a:srgbClr val="ffffff"/>
                   </a:solidFill>
                 </a:uFill>
-                <a:latin typeface="Trebuchet MS"/>
+                <a:latin typeface="Arial"/>
               </a:rPr>
               <a:t>Third Outline Level</a:t>
             </a:r>
-            <a:endParaRPr b="0" lang="en-US" sz="1800" spc="-1" strike="noStrike">
-              <a:solidFill>
-                <a:srgbClr val="404040"/>
-              </a:solidFill>
-              <a:uFill>
-                <a:solidFill>
-                  <a:srgbClr val="ffffff"/>
-                </a:solidFill>
-              </a:uFill>
-              <a:latin typeface="Trebuchet MS"/>
+            <a:endParaRPr b="0" lang="en-IN" sz="2400" spc="-1" strike="noStrike">
+              <a:solidFill>
+                <a:srgbClr val="000000"/>
+              </a:solidFill>
+              <a:uFill>
+                <a:solidFill>
+                  <a:srgbClr val="ffffff"/>
+                </a:solidFill>
+              </a:uFill>
+              <a:latin typeface="Arial"/>
             </a:endParaRPr>
           </a:p>
           <a:p>
@@ -5295,29 +4948,29 @@
               <a:buChar char=""/>
             </a:pPr>
             <a:r>
-              <a:rPr b="0" lang="en-US" sz="1800" spc="-1" strike="noStrike">
-                <a:solidFill>
-                  <a:srgbClr val="404040"/>
+              <a:rPr b="0" lang="en-IN" sz="2000" spc="-1" strike="noStrike">
+                <a:solidFill>
+                  <a:srgbClr val="000000"/>
                 </a:solidFill>
                 <a:uFill>
                   <a:solidFill>
                     <a:srgbClr val="ffffff"/>
                   </a:solidFill>
                 </a:uFill>
-                <a:latin typeface="Trebuchet MS"/>
+                <a:latin typeface="Arial"/>
               </a:rPr>
               <a:t>Fourth Outline Level</a:t>
             </a:r>
-            <a:endParaRPr b="0" lang="en-US" sz="1800" spc="-1" strike="noStrike">
-              <a:solidFill>
-                <a:srgbClr val="404040"/>
-              </a:solidFill>
-              <a:uFill>
-                <a:solidFill>
-                  <a:srgbClr val="ffffff"/>
-                </a:solidFill>
-              </a:uFill>
-              <a:latin typeface="Trebuchet MS"/>
+            <a:endParaRPr b="0" lang="en-IN" sz="2000" spc="-1" strike="noStrike">
+              <a:solidFill>
+                <a:srgbClr val="000000"/>
+              </a:solidFill>
+              <a:uFill>
+                <a:solidFill>
+                  <a:srgbClr val="ffffff"/>
+                </a:solidFill>
+              </a:uFill>
+              <a:latin typeface="Arial"/>
             </a:endParaRPr>
           </a:p>
           <a:p>
@@ -5330,29 +4983,29 @@
               <a:buChar char=""/>
             </a:pPr>
             <a:r>
-              <a:rPr b="0" lang="en-US" sz="1800" spc="-1" strike="noStrike">
-                <a:solidFill>
-                  <a:srgbClr val="404040"/>
+              <a:rPr b="0" lang="en-IN" sz="2000" spc="-1" strike="noStrike">
+                <a:solidFill>
+                  <a:srgbClr val="000000"/>
                 </a:solidFill>
                 <a:uFill>
                   <a:solidFill>
                     <a:srgbClr val="ffffff"/>
                   </a:solidFill>
                 </a:uFill>
-                <a:latin typeface="Trebuchet MS"/>
+                <a:latin typeface="Arial"/>
               </a:rPr>
               <a:t>Fifth Outline Level</a:t>
             </a:r>
-            <a:endParaRPr b="0" lang="en-US" sz="1800" spc="-1" strike="noStrike">
-              <a:solidFill>
-                <a:srgbClr val="404040"/>
-              </a:solidFill>
-              <a:uFill>
-                <a:solidFill>
-                  <a:srgbClr val="ffffff"/>
-                </a:solidFill>
-              </a:uFill>
-              <a:latin typeface="Trebuchet MS"/>
+            <a:endParaRPr b="0" lang="en-IN" sz="2000" spc="-1" strike="noStrike">
+              <a:solidFill>
+                <a:srgbClr val="000000"/>
+              </a:solidFill>
+              <a:uFill>
+                <a:solidFill>
+                  <a:srgbClr val="ffffff"/>
+                </a:solidFill>
+              </a:uFill>
+              <a:latin typeface="Arial"/>
             </a:endParaRPr>
           </a:p>
           <a:p>
@@ -5365,365 +5018,64 @@
               <a:buChar char=""/>
             </a:pPr>
             <a:r>
-              <a:rPr b="0" lang="en-US" sz="1800" spc="-1" strike="noStrike">
-                <a:solidFill>
-                  <a:srgbClr val="404040"/>
+              <a:rPr b="0" lang="en-IN" sz="2000" spc="-1" strike="noStrike">
+                <a:solidFill>
+                  <a:srgbClr val="000000"/>
                 </a:solidFill>
                 <a:uFill>
                   <a:solidFill>
                     <a:srgbClr val="ffffff"/>
                   </a:solidFill>
                 </a:uFill>
-                <a:latin typeface="Trebuchet MS"/>
+                <a:latin typeface="Arial"/>
               </a:rPr>
               <a:t>Sixth Outline Level</a:t>
             </a:r>
-            <a:endParaRPr b="0" lang="en-US" sz="1800" spc="-1" strike="noStrike">
-              <a:solidFill>
-                <a:srgbClr val="404040"/>
-              </a:solidFill>
-              <a:uFill>
-                <a:solidFill>
-                  <a:srgbClr val="ffffff"/>
-                </a:solidFill>
-              </a:uFill>
-              <a:latin typeface="Trebuchet MS"/>
-            </a:endParaRPr>
-          </a:p>
-          <a:p>
-            <a:pPr marL="343080" indent="-342720">
-              <a:lnSpc>
-                <a:spcPct val="100000"/>
-              </a:lnSpc>
+            <a:endParaRPr b="0" lang="en-IN" sz="2000" spc="-1" strike="noStrike">
+              <a:solidFill>
+                <a:srgbClr val="000000"/>
+              </a:solidFill>
+              <a:uFill>
+                <a:solidFill>
+                  <a:srgbClr val="ffffff"/>
+                </a:solidFill>
+              </a:uFill>
+              <a:latin typeface="Arial"/>
+            </a:endParaRPr>
+          </a:p>
+          <a:p>
+            <a:pPr lvl="6" marL="3024000" indent="-216000">
               <a:buClr>
-                <a:srgbClr val="90c226"/>
+                <a:srgbClr val="000000"/>
               </a:buClr>
-              <a:buSzPct val="80000"/>
-              <a:buFont typeface="Wingdings 3" charset="2"/>
-              <a:buChar char=""/>
+              <a:buSzPct val="45000"/>
+              <a:buFont typeface="Wingdings" charset="2"/>
+              <a:buChar char=""/>
             </a:pPr>
             <a:r>
-              <a:rPr b="0" lang="en-US" sz="1800" spc="-1" strike="noStrike">
-                <a:solidFill>
-                  <a:srgbClr val="404040"/>
+              <a:rPr b="0" lang="en-IN" sz="2000" spc="-1" strike="noStrike">
+                <a:solidFill>
+                  <a:srgbClr val="000000"/>
                 </a:solidFill>
                 <a:uFill>
                   <a:solidFill>
                     <a:srgbClr val="ffffff"/>
                   </a:solidFill>
                 </a:uFill>
-                <a:latin typeface="Trebuchet MS"/>
+                <a:latin typeface="Arial"/>
               </a:rPr>
-              <a:t>Seventh Outline LevelClick to edit Master text styles</a:t>
+              <a:t>Seventh Outline Level</a:t>
             </a:r>
-            <a:endParaRPr b="0" lang="en-US" sz="1800" spc="-1" strike="noStrike">
-              <a:solidFill>
-                <a:srgbClr val="404040"/>
-              </a:solidFill>
-              <a:uFill>
-                <a:solidFill>
-                  <a:srgbClr val="ffffff"/>
-                </a:solidFill>
-              </a:uFill>
-              <a:latin typeface="Trebuchet MS"/>
-            </a:endParaRPr>
-          </a:p>
-          <a:p>
-            <a:pPr lvl="1" marL="743040" indent="-285480">
-              <a:lnSpc>
-                <a:spcPct val="100000"/>
-              </a:lnSpc>
-              <a:buClr>
-                <a:srgbClr val="90c226"/>
-              </a:buClr>
-              <a:buSzPct val="80000"/>
-              <a:buFont typeface="Wingdings 3" charset="2"/>
-              <a:buChar char=""/>
-            </a:pPr>
-            <a:r>
-              <a:rPr b="0" lang="en-US" sz="1600" spc="-1" strike="noStrike">
-                <a:solidFill>
-                  <a:srgbClr val="404040"/>
-                </a:solidFill>
-                <a:uFill>
-                  <a:solidFill>
-                    <a:srgbClr val="ffffff"/>
-                  </a:solidFill>
-                </a:uFill>
-                <a:latin typeface="Trebuchet MS"/>
-              </a:rPr>
-              <a:t>Second level</a:t>
-            </a:r>
-            <a:endParaRPr b="0" lang="en-US" sz="1800" spc="-1" strike="noStrike">
-              <a:solidFill>
-                <a:srgbClr val="404040"/>
-              </a:solidFill>
-              <a:uFill>
-                <a:solidFill>
-                  <a:srgbClr val="ffffff"/>
-                </a:solidFill>
-              </a:uFill>
-              <a:latin typeface="Trebuchet MS"/>
-            </a:endParaRPr>
-          </a:p>
-          <a:p>
-            <a:pPr lvl="2" marL="1143000" indent="-228240">
-              <a:lnSpc>
-                <a:spcPct val="100000"/>
-              </a:lnSpc>
-              <a:buClr>
-                <a:srgbClr val="90c226"/>
-              </a:buClr>
-              <a:buSzPct val="80000"/>
-              <a:buFont typeface="Wingdings 3" charset="2"/>
-              <a:buChar char=""/>
-            </a:pPr>
-            <a:r>
-              <a:rPr b="0" lang="en-US" sz="1400" spc="-1" strike="noStrike">
-                <a:solidFill>
-                  <a:srgbClr val="404040"/>
-                </a:solidFill>
-                <a:uFill>
-                  <a:solidFill>
-                    <a:srgbClr val="ffffff"/>
-                  </a:solidFill>
-                </a:uFill>
-                <a:latin typeface="Trebuchet MS"/>
-              </a:rPr>
-              <a:t>Third level</a:t>
-            </a:r>
-            <a:endParaRPr b="0" lang="en-US" sz="1800" spc="-1" strike="noStrike">
-              <a:solidFill>
-                <a:srgbClr val="404040"/>
-              </a:solidFill>
-              <a:uFill>
-                <a:solidFill>
-                  <a:srgbClr val="ffffff"/>
-                </a:solidFill>
-              </a:uFill>
-              <a:latin typeface="Trebuchet MS"/>
-            </a:endParaRPr>
-          </a:p>
-          <a:p>
-            <a:pPr lvl="3" marL="1600200" indent="-228240">
-              <a:lnSpc>
-                <a:spcPct val="100000"/>
-              </a:lnSpc>
-              <a:buClr>
-                <a:srgbClr val="90c226"/>
-              </a:buClr>
-              <a:buSzPct val="80000"/>
-              <a:buFont typeface="Wingdings 3" charset="2"/>
-              <a:buChar char=""/>
-            </a:pPr>
-            <a:r>
-              <a:rPr b="0" lang="en-US" sz="1200" spc="-1" strike="noStrike">
-                <a:solidFill>
-                  <a:srgbClr val="404040"/>
-                </a:solidFill>
-                <a:uFill>
-                  <a:solidFill>
-                    <a:srgbClr val="ffffff"/>
-                  </a:solidFill>
-                </a:uFill>
-                <a:latin typeface="Trebuchet MS"/>
-              </a:rPr>
-              <a:t>Fourth level</a:t>
-            </a:r>
-            <a:endParaRPr b="0" lang="en-US" sz="1800" spc="-1" strike="noStrike">
-              <a:solidFill>
-                <a:srgbClr val="404040"/>
-              </a:solidFill>
-              <a:uFill>
-                <a:solidFill>
-                  <a:srgbClr val="ffffff"/>
-                </a:solidFill>
-              </a:uFill>
-              <a:latin typeface="Trebuchet MS"/>
-            </a:endParaRPr>
-          </a:p>
-          <a:p>
-            <a:pPr lvl="4" marL="2057400" indent="-228240">
-              <a:lnSpc>
-                <a:spcPct val="100000"/>
-              </a:lnSpc>
-              <a:buClr>
-                <a:srgbClr val="90c226"/>
-              </a:buClr>
-              <a:buSzPct val="80000"/>
-              <a:buFont typeface="Wingdings 3" charset="2"/>
-              <a:buChar char=""/>
-            </a:pPr>
-            <a:r>
-              <a:rPr b="0" lang="en-US" sz="1200" spc="-1" strike="noStrike">
-                <a:solidFill>
-                  <a:srgbClr val="404040"/>
-                </a:solidFill>
-                <a:uFill>
-                  <a:solidFill>
-                    <a:srgbClr val="ffffff"/>
-                  </a:solidFill>
-                </a:uFill>
-                <a:latin typeface="Trebuchet MS"/>
-              </a:rPr>
-              <a:t>Fifth level</a:t>
-            </a:r>
-            <a:endParaRPr b="0" lang="en-US" sz="1800" spc="-1" strike="noStrike">
-              <a:solidFill>
-                <a:srgbClr val="404040"/>
-              </a:solidFill>
-              <a:uFill>
-                <a:solidFill>
-                  <a:srgbClr val="ffffff"/>
-                </a:solidFill>
-              </a:uFill>
-              <a:latin typeface="Trebuchet MS"/>
-            </a:endParaRPr>
-          </a:p>
-        </p:txBody>
-      </p:sp>
-      <p:sp>
-        <p:nvSpPr>
-          <p:cNvPr id="71" name="PlaceHolder 13"/>
-          <p:cNvSpPr>
-            <a:spLocks noGrp="1"/>
-          </p:cNvSpPr>
-          <p:nvPr>
-            <p:ph type="dt"/>
-          </p:nvPr>
-        </p:nvSpPr>
-        <p:spPr>
-          <a:xfrm>
-            <a:off x="7205040" y="6041520"/>
-            <a:ext cx="911520" cy="364680"/>
-          </a:xfrm>
-          <a:prstGeom prst="rect">
-            <a:avLst/>
-          </a:prstGeom>
-        </p:spPr>
-        <p:txBody>
-          <a:bodyPr anchor="ctr"/>
-          <a:p>
-            <a:pPr algn="r">
-              <a:lnSpc>
-                <a:spcPct val="100000"/>
-              </a:lnSpc>
-            </a:pPr>
-            <a:r>
-              <a:rPr b="0" lang="en-IN" sz="900" spc="-1" strike="noStrike">
-                <a:solidFill>
-                  <a:srgbClr val="8b8b8b"/>
-                </a:solidFill>
-                <a:uFill>
-                  <a:solidFill>
-                    <a:srgbClr val="ffffff"/>
-                  </a:solidFill>
-                </a:uFill>
-                <a:latin typeface="Trebuchet MS"/>
-              </a:rPr>
-              <a:t>10/02/18</a:t>
-            </a:r>
-            <a:endParaRPr b="0" lang="en-IN" sz="1400" spc="-1" strike="noStrike">
-              <a:solidFill>
-                <a:srgbClr val="000000"/>
-              </a:solidFill>
-              <a:uFill>
-                <a:solidFill>
-                  <a:srgbClr val="ffffff"/>
-                </a:solidFill>
-              </a:uFill>
-              <a:latin typeface="Times New Roman"/>
-            </a:endParaRPr>
-          </a:p>
-        </p:txBody>
-      </p:sp>
-      <p:sp>
-        <p:nvSpPr>
-          <p:cNvPr id="72" name="PlaceHolder 14"/>
-          <p:cNvSpPr>
-            <a:spLocks noGrp="1"/>
-          </p:cNvSpPr>
-          <p:nvPr>
-            <p:ph type="ftr"/>
-          </p:nvPr>
-        </p:nvSpPr>
-        <p:spPr>
-          <a:xfrm>
-            <a:off x="677160" y="6041520"/>
-            <a:ext cx="6297120" cy="364680"/>
-          </a:xfrm>
-          <a:prstGeom prst="rect">
-            <a:avLst/>
-          </a:prstGeom>
-        </p:spPr>
-        <p:txBody>
-          <a:bodyPr anchor="ctr"/>
-          <a:p>
-            <a:endParaRPr b="0" lang="en-IN" sz="2400" spc="-1" strike="noStrike">
-              <a:solidFill>
-                <a:srgbClr val="000000"/>
-              </a:solidFill>
-              <a:uFill>
-                <a:solidFill>
-                  <a:srgbClr val="ffffff"/>
-                </a:solidFill>
-              </a:uFill>
-              <a:latin typeface="Times New Roman"/>
-            </a:endParaRPr>
-          </a:p>
-        </p:txBody>
-      </p:sp>
-      <p:sp>
-        <p:nvSpPr>
-          <p:cNvPr id="73" name="PlaceHolder 15"/>
-          <p:cNvSpPr>
-            <a:spLocks noGrp="1"/>
-          </p:cNvSpPr>
-          <p:nvPr>
-            <p:ph type="sldNum"/>
-          </p:nvPr>
-        </p:nvSpPr>
-        <p:spPr>
-          <a:xfrm>
-            <a:off x="8590680" y="6041520"/>
-            <a:ext cx="682920" cy="364680"/>
-          </a:xfrm>
-          <a:prstGeom prst="rect">
-            <a:avLst/>
-          </a:prstGeom>
-        </p:spPr>
-        <p:txBody>
-          <a:bodyPr anchor="ctr"/>
-          <a:p>
-            <a:pPr algn="r">
-              <a:lnSpc>
-                <a:spcPct val="100000"/>
-              </a:lnSpc>
-            </a:pPr>
-            <a:fld id="{3889339C-8784-4BB4-AD1B-9A653196B7F2}" type="slidenum">
-              <a:rPr b="0" lang="en-IN" sz="900" spc="-1" strike="noStrike">
-                <a:solidFill>
-                  <a:srgbClr val="90c226"/>
-                </a:solidFill>
-                <a:uFill>
-                  <a:solidFill>
-                    <a:srgbClr val="ffffff"/>
-                  </a:solidFill>
-                </a:uFill>
-                <a:latin typeface="Trebuchet MS"/>
-              </a:rPr>
-              <a:t>&lt;number&gt;</a:t>
-            </a:fld>
-            <a:endParaRPr b="0" lang="en-IN" sz="1400" spc="-1" strike="noStrike">
-              <a:solidFill>
-                <a:srgbClr val="000000"/>
-              </a:solidFill>
-              <a:uFill>
-                <a:solidFill>
-                  <a:srgbClr val="ffffff"/>
-                </a:solidFill>
-              </a:uFill>
-              <a:latin typeface="Times New Roman"/>
+            <a:endParaRPr b="0" lang="en-IN" sz="2000" spc="-1" strike="noStrike">
+              <a:solidFill>
+                <a:srgbClr val="000000"/>
+              </a:solidFill>
+              <a:uFill>
+                <a:solidFill>
+                  <a:srgbClr val="ffffff"/>
+                </a:solidFill>
+              </a:uFill>
+              <a:latin typeface="Arial"/>
             </a:endParaRPr>
           </a:p>
         </p:txBody>
@@ -5767,14 +5119,14 @@
       </p:grpSpPr>
       <p:sp>
         <p:nvSpPr>
-          <p:cNvPr id="108" name="TextShape 1"/>
-          <p:cNvSpPr txBox="1"/>
+          <p:cNvPr id="102" name="CustomShape 1"/>
+          <p:cNvSpPr/>
           <p:nvPr/>
         </p:nvSpPr>
         <p:spPr>
           <a:xfrm>
             <a:off x="1506960" y="2404440"/>
-            <a:ext cx="7766640" cy="1645920"/>
+            <a:ext cx="7766280" cy="1645560"/>
           </a:xfrm>
           <a:prstGeom prst="rect">
             <a:avLst/>
@@ -5784,8 +5136,14 @@
             <a:noFill/>
           </a:ln>
         </p:spPr>
-        <p:txBody>
-          <a:bodyPr anchor="b"/>
+        <p:style>
+          <a:lnRef idx="0"/>
+          <a:fillRef idx="0"/>
+          <a:effectRef idx="0"/>
+          <a:fontRef idx="minor"/>
+        </p:style>
+        <p:txBody>
+          <a:bodyPr lIns="90000" rIns="90000" tIns="45000" bIns="45000" anchor="b"/>
           <a:p>
             <a:pPr algn="r">
               <a:lnSpc>
@@ -5793,7 +5151,7 @@
               </a:lnSpc>
             </a:pPr>
             <a:r>
-              <a:rPr b="0" lang="en-US" sz="5400" spc="-1" strike="noStrike">
+              <a:rPr b="0" lang="en-IN" sz="5400" spc="-1" strike="noStrike">
                 <a:solidFill>
                   <a:srgbClr val="90c226"/>
                 </a:solidFill>
@@ -5804,32 +5162,32 @@
                 </a:uFill>
                 <a:latin typeface="Trebuchet MS"/>
               </a:rPr>
-              <a:t>GIT WoRKSHOP</a:t>
+              <a:t>GIT IN 3 MINUTES</a:t>
             </a:r>
-            <a:endParaRPr b="0" lang="en-US" sz="1800" spc="-1" strike="noStrike">
-              <a:solidFill>
-                <a:srgbClr val="000000"/>
-              </a:solidFill>
-              <a:uFill>
-                <a:solidFill>
-                  <a:srgbClr val="ffffff"/>
-                </a:solidFill>
-              </a:uFill>
-              <a:latin typeface="Trebuchet MS"/>
-            </a:endParaRPr>
-          </a:p>
-        </p:txBody>
-      </p:sp>
-      <p:sp>
-        <p:nvSpPr>
-          <p:cNvPr id="109" name="TextShape 2"/>
-          <p:cNvSpPr txBox="1"/>
+            <a:endParaRPr b="0" lang="en-IN" sz="1800" spc="-1" strike="noStrike">
+              <a:solidFill>
+                <a:srgbClr val="000000"/>
+              </a:solidFill>
+              <a:uFill>
+                <a:solidFill>
+                  <a:srgbClr val="ffffff"/>
+                </a:solidFill>
+              </a:uFill>
+              <a:latin typeface="Arial"/>
+            </a:endParaRPr>
+          </a:p>
+        </p:txBody>
+      </p:sp>
+      <p:sp>
+        <p:nvSpPr>
+          <p:cNvPr id="103" name="CustomShape 2"/>
+          <p:cNvSpPr/>
           <p:nvPr/>
         </p:nvSpPr>
         <p:spPr>
           <a:xfrm>
             <a:off x="1506960" y="4050720"/>
-            <a:ext cx="7766640" cy="1096560"/>
+            <a:ext cx="7766280" cy="1096200"/>
           </a:xfrm>
           <a:prstGeom prst="rect">
             <a:avLst/>
@@ -5839,23 +5197,38 @@
             <a:noFill/>
           </a:ln>
         </p:spPr>
-        <p:txBody>
-          <a:bodyPr/>
-          <a:p>
-            <a:pPr algn="ctr"/>
-            <a:endParaRPr b="0" lang="en-IN" sz="3200" spc="-1" strike="noStrike">
-              <a:solidFill>
-                <a:srgbClr val="000000"/>
-              </a:solidFill>
-              <a:uFill>
-                <a:solidFill>
-                  <a:srgbClr val="ffffff"/>
-                </a:solidFill>
-              </a:uFill>
-              <a:latin typeface="Arial"/>
-            </a:endParaRPr>
-          </a:p>
-        </p:txBody>
+        <p:style>
+          <a:lnRef idx="0"/>
+          <a:fillRef idx="0"/>
+          <a:effectRef idx="0"/>
+          <a:fontRef idx="minor"/>
+        </p:style>
+      </p:sp>
+      <p:sp>
+        <p:nvSpPr>
+          <p:cNvPr id="104" name="CustomShape 3"/>
+          <p:cNvSpPr/>
+          <p:nvPr/>
+        </p:nvSpPr>
+        <p:spPr>
+          <a:xfrm>
+            <a:off x="7704000" y="5472000"/>
+            <a:ext cx="180360" cy="426960"/>
+          </a:xfrm>
+          <a:prstGeom prst="rect">
+            <a:avLst/>
+          </a:prstGeom>
+          <a:noFill/>
+          <a:ln>
+            <a:noFill/>
+          </a:ln>
+        </p:spPr>
+        <p:style>
+          <a:lnRef idx="0"/>
+          <a:fillRef idx="0"/>
+          <a:effectRef idx="0"/>
+          <a:fontRef idx="minor"/>
+        </p:style>
       </p:sp>
     </p:spTree>
   </p:cSld>
@@ -5908,14 +5281,14 @@
       </p:grpSpPr>
       <p:sp>
         <p:nvSpPr>
-          <p:cNvPr id="110" name="TextShape 1"/>
-          <p:cNvSpPr txBox="1"/>
+          <p:cNvPr id="105" name="CustomShape 1"/>
+          <p:cNvSpPr/>
           <p:nvPr/>
         </p:nvSpPr>
         <p:spPr>
           <a:xfrm>
             <a:off x="677160" y="609480"/>
-            <a:ext cx="8596440" cy="1320480"/>
+            <a:ext cx="8596080" cy="1320120"/>
           </a:xfrm>
           <a:prstGeom prst="rect">
             <a:avLst/>
@@ -5925,8 +5298,14 @@
             <a:noFill/>
           </a:ln>
         </p:spPr>
-        <p:txBody>
-          <a:bodyPr/>
+        <p:style>
+          <a:lnRef idx="0"/>
+          <a:fillRef idx="0"/>
+          <a:effectRef idx="0"/>
+          <a:fontRef idx="minor"/>
+        </p:style>
+        <p:txBody>
+          <a:bodyPr lIns="90000" rIns="90000" tIns="45000" bIns="45000"/>
           <a:p>
             <a:pPr>
               <a:lnSpc>
@@ -5934,7 +5313,7 @@
               </a:lnSpc>
             </a:pPr>
             <a:r>
-              <a:rPr b="0" lang="en-US" sz="3600" spc="-1" strike="noStrike">
+              <a:rPr b="0" lang="en-IN" sz="3600" spc="-1" strike="noStrike">
                 <a:solidFill>
                   <a:srgbClr val="90c226"/>
                 </a:solidFill>
@@ -5947,30 +5326,30 @@
               </a:rPr>
               <a:t>git log</a:t>
             </a:r>
-            <a:endParaRPr b="0" lang="en-US" sz="1800" spc="-1" strike="noStrike">
-              <a:solidFill>
-                <a:srgbClr val="000000"/>
-              </a:solidFill>
-              <a:uFill>
-                <a:solidFill>
-                  <a:srgbClr val="ffffff"/>
-                </a:solidFill>
-              </a:uFill>
-              <a:latin typeface="Trebuchet MS"/>
-            </a:endParaRPr>
-          </a:p>
-        </p:txBody>
-      </p:sp>
-      <p:sp>
-        <p:nvSpPr>
-          <p:cNvPr id="111" name="TextShape 2"/>
-          <p:cNvSpPr txBox="1"/>
+            <a:endParaRPr b="0" lang="en-IN" sz="1800" spc="-1" strike="noStrike">
+              <a:solidFill>
+                <a:srgbClr val="000000"/>
+              </a:solidFill>
+              <a:uFill>
+                <a:solidFill>
+                  <a:srgbClr val="ffffff"/>
+                </a:solidFill>
+              </a:uFill>
+              <a:latin typeface="Arial"/>
+            </a:endParaRPr>
+          </a:p>
+        </p:txBody>
+      </p:sp>
+      <p:sp>
+        <p:nvSpPr>
+          <p:cNvPr id="106" name="CustomShape 2"/>
+          <p:cNvSpPr/>
           <p:nvPr/>
         </p:nvSpPr>
         <p:spPr>
           <a:xfrm>
             <a:off x="677160" y="2160720"/>
-            <a:ext cx="8596440" cy="3880440"/>
+            <a:ext cx="8596080" cy="3880080"/>
           </a:xfrm>
           <a:prstGeom prst="rect">
             <a:avLst/>
@@ -5980,10 +5359,16 @@
             <a:noFill/>
           </a:ln>
         </p:spPr>
-        <p:txBody>
-          <a:bodyPr/>
-          <a:p>
-            <a:pPr marL="343080" indent="-342720">
+        <p:style>
+          <a:lnRef idx="0"/>
+          <a:fillRef idx="0"/>
+          <a:effectRef idx="0"/>
+          <a:fontRef idx="minor"/>
+        </p:style>
+        <p:txBody>
+          <a:bodyPr lIns="90000" rIns="90000" tIns="45000" bIns="45000"/>
+          <a:p>
+            <a:pPr marL="343080" indent="-342360">
               <a:lnSpc>
                 <a:spcPct val="100000"/>
               </a:lnSpc>
@@ -5995,7 +5380,7 @@
               <a:buChar char=""/>
             </a:pPr>
             <a:r>
-              <a:rPr b="0" lang="en-US" sz="1800" spc="-1" strike="noStrike">
+              <a:rPr b="0" lang="en-IN" sz="1800" spc="-1" strike="noStrike">
                 <a:solidFill>
                   <a:srgbClr val="404040"/>
                 </a:solidFill>
@@ -6008,16 +5393,16 @@
               </a:rPr>
               <a:t>git log</a:t>
             </a:r>
-            <a:endParaRPr b="0" lang="en-US" sz="1800" spc="-1" strike="noStrike">
-              <a:solidFill>
-                <a:srgbClr val="404040"/>
-              </a:solidFill>
-              <a:uFill>
-                <a:solidFill>
-                  <a:srgbClr val="ffffff"/>
-                </a:solidFill>
-              </a:uFill>
-              <a:latin typeface="Trebuchet MS"/>
+            <a:endParaRPr b="0" lang="en-IN" sz="1800" spc="-1" strike="noStrike">
+              <a:solidFill>
+                <a:srgbClr val="000000"/>
+              </a:solidFill>
+              <a:uFill>
+                <a:solidFill>
+                  <a:srgbClr val="ffffff"/>
+                </a:solidFill>
+              </a:uFill>
+              <a:latin typeface="Arial"/>
             </a:endParaRPr>
           </a:p>
           <a:p>
@@ -6027,7 +5412,7 @@
               </a:lnSpc>
             </a:pPr>
             <a:r>
-              <a:rPr b="0" lang="en-US" sz="1800" spc="-1" strike="noStrike">
+              <a:rPr b="0" lang="en-IN" sz="1800" spc="-1" strike="noStrike">
                 <a:solidFill>
                   <a:srgbClr val="404040"/>
                 </a:solidFill>
@@ -6040,16 +5425,16 @@
               </a:rPr>
               <a:t>Now how to see it in a much pretty way</a:t>
             </a:r>
-            <a:endParaRPr b="0" lang="en-US" sz="1800" spc="-1" strike="noStrike">
-              <a:solidFill>
-                <a:srgbClr val="404040"/>
-              </a:solidFill>
-              <a:uFill>
-                <a:solidFill>
-                  <a:srgbClr val="ffffff"/>
-                </a:solidFill>
-              </a:uFill>
-              <a:latin typeface="Trebuchet MS"/>
+            <a:endParaRPr b="0" lang="en-IN" sz="1800" spc="-1" strike="noStrike">
+              <a:solidFill>
+                <a:srgbClr val="000000"/>
+              </a:solidFill>
+              <a:uFill>
+                <a:solidFill>
+                  <a:srgbClr val="ffffff"/>
+                </a:solidFill>
+              </a:uFill>
+              <a:latin typeface="Arial"/>
             </a:endParaRPr>
           </a:p>
           <a:p>
@@ -6059,7 +5444,7 @@
               </a:lnSpc>
             </a:pPr>
             <a:r>
-              <a:rPr b="0" lang="en-US" sz="1800" spc="-1" strike="noStrike">
+              <a:rPr b="0" lang="en-IN" sz="1800" spc="-1" strike="noStrike">
                 <a:solidFill>
                   <a:srgbClr val="404040"/>
                 </a:solidFill>
@@ -6072,16 +5457,16 @@
               </a:rPr>
               <a:t>git log –-decorate –-oneline –-all –-graph</a:t>
             </a:r>
-            <a:endParaRPr b="0" lang="en-US" sz="1800" spc="-1" strike="noStrike">
-              <a:solidFill>
-                <a:srgbClr val="404040"/>
-              </a:solidFill>
-              <a:uFill>
-                <a:solidFill>
-                  <a:srgbClr val="ffffff"/>
-                </a:solidFill>
-              </a:uFill>
-              <a:latin typeface="Trebuchet MS"/>
+            <a:endParaRPr b="0" lang="en-IN" sz="1800" spc="-1" strike="noStrike">
+              <a:solidFill>
+                <a:srgbClr val="000000"/>
+              </a:solidFill>
+              <a:uFill>
+                <a:solidFill>
+                  <a:srgbClr val="ffffff"/>
+                </a:solidFill>
+              </a:uFill>
+              <a:latin typeface="Arial"/>
             </a:endParaRPr>
           </a:p>
         </p:txBody>
@@ -6137,14 +5522,14 @@
       </p:grpSpPr>
       <p:sp>
         <p:nvSpPr>
-          <p:cNvPr id="112" name="TextShape 1"/>
-          <p:cNvSpPr txBox="1"/>
+          <p:cNvPr id="107" name="CustomShape 1"/>
+          <p:cNvSpPr/>
           <p:nvPr/>
         </p:nvSpPr>
         <p:spPr>
           <a:xfrm>
             <a:off x="677160" y="609480"/>
-            <a:ext cx="8596440" cy="1320480"/>
+            <a:ext cx="8596080" cy="1320120"/>
           </a:xfrm>
           <a:prstGeom prst="rect">
             <a:avLst/>
@@ -6154,8 +5539,14 @@
             <a:noFill/>
           </a:ln>
         </p:spPr>
-        <p:txBody>
-          <a:bodyPr/>
+        <p:style>
+          <a:lnRef idx="0"/>
+          <a:fillRef idx="0"/>
+          <a:effectRef idx="0"/>
+          <a:fontRef idx="minor"/>
+        </p:style>
+        <p:txBody>
+          <a:bodyPr lIns="90000" rIns="90000" tIns="45000" bIns="45000"/>
           <a:p>
             <a:pPr>
               <a:lnSpc>
@@ -6163,7 +5554,7 @@
               </a:lnSpc>
             </a:pPr>
             <a:r>
-              <a:rPr b="0" lang="en-US" sz="3600" spc="-1" strike="noStrike">
+              <a:rPr b="0" lang="en-IN" sz="3600" spc="-1" strike="noStrike">
                 <a:solidFill>
                   <a:srgbClr val="90c226"/>
                 </a:solidFill>
@@ -6176,30 +5567,30 @@
               </a:rPr>
               <a:t>git branch </a:t>
             </a:r>
-            <a:endParaRPr b="0" lang="en-US" sz="1800" spc="-1" strike="noStrike">
-              <a:solidFill>
-                <a:srgbClr val="000000"/>
-              </a:solidFill>
-              <a:uFill>
-                <a:solidFill>
-                  <a:srgbClr val="ffffff"/>
-                </a:solidFill>
-              </a:uFill>
-              <a:latin typeface="Trebuchet MS"/>
-            </a:endParaRPr>
-          </a:p>
-        </p:txBody>
-      </p:sp>
-      <p:sp>
-        <p:nvSpPr>
-          <p:cNvPr id="113" name="TextShape 2"/>
-          <p:cNvSpPr txBox="1"/>
+            <a:endParaRPr b="0" lang="en-IN" sz="1800" spc="-1" strike="noStrike">
+              <a:solidFill>
+                <a:srgbClr val="000000"/>
+              </a:solidFill>
+              <a:uFill>
+                <a:solidFill>
+                  <a:srgbClr val="ffffff"/>
+                </a:solidFill>
+              </a:uFill>
+              <a:latin typeface="Arial"/>
+            </a:endParaRPr>
+          </a:p>
+        </p:txBody>
+      </p:sp>
+      <p:sp>
+        <p:nvSpPr>
+          <p:cNvPr id="108" name="CustomShape 2"/>
+          <p:cNvSpPr/>
           <p:nvPr/>
         </p:nvSpPr>
         <p:spPr>
           <a:xfrm>
             <a:off x="677160" y="2160720"/>
-            <a:ext cx="8596440" cy="3880440"/>
+            <a:ext cx="8596080" cy="3880080"/>
           </a:xfrm>
           <a:prstGeom prst="rect">
             <a:avLst/>
@@ -6209,8 +5600,14 @@
             <a:noFill/>
           </a:ln>
         </p:spPr>
-        <p:txBody>
-          <a:bodyPr/>
+        <p:style>
+          <a:lnRef idx="0"/>
+          <a:fillRef idx="0"/>
+          <a:effectRef idx="0"/>
+          <a:fontRef idx="minor"/>
+        </p:style>
+        <p:txBody>
+          <a:bodyPr lIns="90000" rIns="90000" tIns="45000" bIns="45000"/>
           <a:p>
             <a:pPr>
               <a:lnSpc>
@@ -6218,7 +5615,7 @@
               </a:lnSpc>
             </a:pPr>
             <a:r>
-              <a:rPr b="0" lang="en-US" sz="1800" spc="-1" strike="noStrike">
+              <a:rPr b="0" lang="en-IN" sz="1800" spc="-1" strike="noStrike">
                 <a:solidFill>
                   <a:srgbClr val="404040"/>
                 </a:solidFill>
@@ -6231,20 +5628,20 @@
               </a:rPr>
               <a:t>How to add a branch?</a:t>
             </a:r>
-            <a:endParaRPr b="0" lang="en-US" sz="1800" spc="-1" strike="noStrike">
-              <a:solidFill>
-                <a:srgbClr val="404040"/>
-              </a:solidFill>
-              <a:uFill>
-                <a:solidFill>
-                  <a:srgbClr val="ffffff"/>
-                </a:solidFill>
-              </a:uFill>
-              <a:latin typeface="Trebuchet MS"/>
-            </a:endParaRPr>
-          </a:p>
-          <a:p>
-            <a:pPr marL="343080" indent="-342720">
+            <a:endParaRPr b="0" lang="en-IN" sz="1800" spc="-1" strike="noStrike">
+              <a:solidFill>
+                <a:srgbClr val="000000"/>
+              </a:solidFill>
+              <a:uFill>
+                <a:solidFill>
+                  <a:srgbClr val="ffffff"/>
+                </a:solidFill>
+              </a:uFill>
+              <a:latin typeface="Arial"/>
+            </a:endParaRPr>
+          </a:p>
+          <a:p>
+            <a:pPr marL="343080" indent="-342360">
               <a:lnSpc>
                 <a:spcPct val="100000"/>
               </a:lnSpc>
@@ -6256,7 +5653,7 @@
               <a:buChar char=""/>
             </a:pPr>
             <a:r>
-              <a:rPr b="0" lang="en-US" sz="1800" spc="-1" strike="noStrike">
+              <a:rPr b="0" lang="en-IN" sz="1800" spc="-1" strike="noStrike">
                 <a:solidFill>
                   <a:srgbClr val="404040"/>
                 </a:solidFill>
@@ -6269,16 +5666,16 @@
               </a:rPr>
               <a:t>git branch [branch name]</a:t>
             </a:r>
-            <a:endParaRPr b="0" lang="en-US" sz="1800" spc="-1" strike="noStrike">
-              <a:solidFill>
-                <a:srgbClr val="404040"/>
-              </a:solidFill>
-              <a:uFill>
-                <a:solidFill>
-                  <a:srgbClr val="ffffff"/>
-                </a:solidFill>
-              </a:uFill>
-              <a:latin typeface="Trebuchet MS"/>
+            <a:endParaRPr b="0" lang="en-IN" sz="1800" spc="-1" strike="noStrike">
+              <a:solidFill>
+                <a:srgbClr val="000000"/>
+              </a:solidFill>
+              <a:uFill>
+                <a:solidFill>
+                  <a:srgbClr val="ffffff"/>
+                </a:solidFill>
+              </a:uFill>
+              <a:latin typeface="Arial"/>
             </a:endParaRPr>
           </a:p>
           <a:p>
@@ -6288,7 +5685,7 @@
               </a:lnSpc>
             </a:pPr>
             <a:r>
-              <a:rPr b="0" lang="en-US" sz="1800" spc="-1" strike="noStrike">
+              <a:rPr b="0" lang="en-IN" sz="1800" spc="-1" strike="noStrike">
                 <a:solidFill>
                   <a:srgbClr val="404040"/>
                 </a:solidFill>
@@ -6301,16 +5698,16 @@
               </a:rPr>
               <a:t>How to checkout a branch  “literally”?</a:t>
             </a:r>
-            <a:endParaRPr b="0" lang="en-US" sz="1800" spc="-1" strike="noStrike">
-              <a:solidFill>
-                <a:srgbClr val="404040"/>
-              </a:solidFill>
-              <a:uFill>
-                <a:solidFill>
-                  <a:srgbClr val="ffffff"/>
-                </a:solidFill>
-              </a:uFill>
-              <a:latin typeface="Trebuchet MS"/>
+            <a:endParaRPr b="0" lang="en-IN" sz="1800" spc="-1" strike="noStrike">
+              <a:solidFill>
+                <a:srgbClr val="000000"/>
+              </a:solidFill>
+              <a:uFill>
+                <a:solidFill>
+                  <a:srgbClr val="ffffff"/>
+                </a:solidFill>
+              </a:uFill>
+              <a:latin typeface="Arial"/>
             </a:endParaRPr>
           </a:p>
           <a:p>
@@ -6320,7 +5717,7 @@
               </a:lnSpc>
             </a:pPr>
             <a:r>
-              <a:rPr b="0" lang="en-US" sz="1800" spc="-1" strike="noStrike">
+              <a:rPr b="0" lang="en-IN" sz="1800" spc="-1" strike="noStrike">
                 <a:solidFill>
                   <a:srgbClr val="404040"/>
                 </a:solidFill>
@@ -6333,16 +5730,16 @@
               </a:rPr>
               <a:t>git checkout [branch name]</a:t>
             </a:r>
-            <a:endParaRPr b="0" lang="en-US" sz="1800" spc="-1" strike="noStrike">
-              <a:solidFill>
-                <a:srgbClr val="404040"/>
-              </a:solidFill>
-              <a:uFill>
-                <a:solidFill>
-                  <a:srgbClr val="ffffff"/>
-                </a:solidFill>
-              </a:uFill>
-              <a:latin typeface="Trebuchet MS"/>
+            <a:endParaRPr b="0" lang="en-IN" sz="1800" spc="-1" strike="noStrike">
+              <a:solidFill>
+                <a:srgbClr val="000000"/>
+              </a:solidFill>
+              <a:uFill>
+                <a:solidFill>
+                  <a:srgbClr val="ffffff"/>
+                </a:solidFill>
+              </a:uFill>
+              <a:latin typeface="Arial"/>
             </a:endParaRPr>
           </a:p>
           <a:p>
@@ -6352,7 +5749,7 @@
               </a:lnSpc>
             </a:pPr>
             <a:r>
-              <a:rPr b="0" lang="en-US" sz="1800" spc="-1" strike="noStrike">
+              <a:rPr b="0" lang="en-IN" sz="1800" spc="-1" strike="noStrike">
                 <a:solidFill>
                   <a:srgbClr val="404040"/>
                 </a:solidFill>
@@ -6365,16 +5762,16 @@
               </a:rPr>
               <a:t>How to remove a branch?</a:t>
             </a:r>
-            <a:endParaRPr b="0" lang="en-US" sz="1800" spc="-1" strike="noStrike">
-              <a:solidFill>
-                <a:srgbClr val="404040"/>
-              </a:solidFill>
-              <a:uFill>
-                <a:solidFill>
-                  <a:srgbClr val="ffffff"/>
-                </a:solidFill>
-              </a:uFill>
-              <a:latin typeface="Trebuchet MS"/>
+            <a:endParaRPr b="0" lang="en-IN" sz="1800" spc="-1" strike="noStrike">
+              <a:solidFill>
+                <a:srgbClr val="000000"/>
+              </a:solidFill>
+              <a:uFill>
+                <a:solidFill>
+                  <a:srgbClr val="ffffff"/>
+                </a:solidFill>
+              </a:uFill>
+              <a:latin typeface="Arial"/>
             </a:endParaRPr>
           </a:p>
           <a:p>
@@ -6384,7 +5781,7 @@
               </a:lnSpc>
             </a:pPr>
             <a:r>
-              <a:rPr b="0" lang="en-US" sz="1800" spc="-1" strike="noStrike">
+              <a:rPr b="0" lang="en-IN" sz="1800" spc="-1" strike="noStrike">
                 <a:solidFill>
                   <a:srgbClr val="404040"/>
                 </a:solidFill>
@@ -6397,16 +5794,16 @@
               </a:rPr>
               <a:t>git branch –d [branch name]</a:t>
             </a:r>
-            <a:endParaRPr b="0" lang="en-US" sz="1800" spc="-1" strike="noStrike">
-              <a:solidFill>
-                <a:srgbClr val="404040"/>
-              </a:solidFill>
-              <a:uFill>
-                <a:solidFill>
-                  <a:srgbClr val="ffffff"/>
-                </a:solidFill>
-              </a:uFill>
-              <a:latin typeface="Trebuchet MS"/>
+            <a:endParaRPr b="0" lang="en-IN" sz="1800" spc="-1" strike="noStrike">
+              <a:solidFill>
+                <a:srgbClr val="000000"/>
+              </a:solidFill>
+              <a:uFill>
+                <a:solidFill>
+                  <a:srgbClr val="ffffff"/>
+                </a:solidFill>
+              </a:uFill>
+              <a:latin typeface="Arial"/>
             </a:endParaRPr>
           </a:p>
         </p:txBody>
@@ -6462,14 +5859,14 @@
       </p:grpSpPr>
       <p:sp>
         <p:nvSpPr>
-          <p:cNvPr id="114" name="TextShape 1"/>
-          <p:cNvSpPr txBox="1"/>
+          <p:cNvPr id="109" name="CustomShape 1"/>
+          <p:cNvSpPr/>
           <p:nvPr/>
         </p:nvSpPr>
         <p:spPr>
           <a:xfrm>
             <a:off x="677160" y="609480"/>
-            <a:ext cx="8596440" cy="1320480"/>
+            <a:ext cx="8596080" cy="1320120"/>
           </a:xfrm>
           <a:prstGeom prst="rect">
             <a:avLst/>
@@ -6479,8 +5876,14 @@
             <a:noFill/>
           </a:ln>
         </p:spPr>
-        <p:txBody>
-          <a:bodyPr/>
+        <p:style>
+          <a:lnRef idx="0"/>
+          <a:fillRef idx="0"/>
+          <a:effectRef idx="0"/>
+          <a:fontRef idx="minor"/>
+        </p:style>
+        <p:txBody>
+          <a:bodyPr lIns="90000" rIns="90000" tIns="45000" bIns="45000"/>
           <a:p>
             <a:pPr>
               <a:lnSpc>
@@ -6488,7 +5891,7 @@
               </a:lnSpc>
             </a:pPr>
             <a:r>
-              <a:rPr b="0" lang="en-US" sz="3600" spc="-1" strike="noStrike">
+              <a:rPr b="0" lang="en-IN" sz="3600" spc="-1" strike="noStrike">
                 <a:solidFill>
                   <a:srgbClr val="90c226"/>
                 </a:solidFill>
@@ -6501,30 +5904,30 @@
               </a:rPr>
               <a:t>3 steps to commit</a:t>
             </a:r>
-            <a:endParaRPr b="0" lang="en-US" sz="1800" spc="-1" strike="noStrike">
-              <a:solidFill>
-                <a:srgbClr val="000000"/>
-              </a:solidFill>
-              <a:uFill>
-                <a:solidFill>
-                  <a:srgbClr val="ffffff"/>
-                </a:solidFill>
-              </a:uFill>
-              <a:latin typeface="Trebuchet MS"/>
-            </a:endParaRPr>
-          </a:p>
-        </p:txBody>
-      </p:sp>
-      <p:sp>
-        <p:nvSpPr>
-          <p:cNvPr id="115" name="TextShape 2"/>
-          <p:cNvSpPr txBox="1"/>
+            <a:endParaRPr b="0" lang="en-IN" sz="1800" spc="-1" strike="noStrike">
+              <a:solidFill>
+                <a:srgbClr val="000000"/>
+              </a:solidFill>
+              <a:uFill>
+                <a:solidFill>
+                  <a:srgbClr val="ffffff"/>
+                </a:solidFill>
+              </a:uFill>
+              <a:latin typeface="Arial"/>
+            </a:endParaRPr>
+          </a:p>
+        </p:txBody>
+      </p:sp>
+      <p:sp>
+        <p:nvSpPr>
+          <p:cNvPr id="110" name="CustomShape 2"/>
+          <p:cNvSpPr/>
           <p:nvPr/>
         </p:nvSpPr>
         <p:spPr>
           <a:xfrm>
             <a:off x="677160" y="2160720"/>
-            <a:ext cx="8596440" cy="3880440"/>
+            <a:ext cx="8596080" cy="3880080"/>
           </a:xfrm>
           <a:prstGeom prst="rect">
             <a:avLst/>
@@ -6534,8 +5937,14 @@
             <a:noFill/>
           </a:ln>
         </p:spPr>
-        <p:txBody>
-          <a:bodyPr/>
+        <p:style>
+          <a:lnRef idx="0"/>
+          <a:fillRef idx="0"/>
+          <a:effectRef idx="0"/>
+          <a:fontRef idx="minor"/>
+        </p:style>
+        <p:txBody>
+          <a:bodyPr lIns="90000" rIns="90000" tIns="45000" bIns="45000"/>
           <a:p>
             <a:pPr>
               <a:lnSpc>
@@ -6543,7 +5952,7 @@
               </a:lnSpc>
             </a:pPr>
             <a:r>
-              <a:rPr b="0" lang="en-US" sz="2400" spc="-1" strike="noStrike">
+              <a:rPr b="0" lang="en-IN" sz="2400" spc="-1" strike="noStrike">
                 <a:solidFill>
                   <a:srgbClr val="404040"/>
                 </a:solidFill>
@@ -6556,16 +5965,16 @@
               </a:rPr>
               <a:t>git status</a:t>
             </a:r>
-            <a:endParaRPr b="0" lang="en-US" sz="1800" spc="-1" strike="noStrike">
-              <a:solidFill>
-                <a:srgbClr val="404040"/>
-              </a:solidFill>
-              <a:uFill>
-                <a:solidFill>
-                  <a:srgbClr val="ffffff"/>
-                </a:solidFill>
-              </a:uFill>
-              <a:latin typeface="Trebuchet MS"/>
+            <a:endParaRPr b="0" lang="en-IN" sz="1800" spc="-1" strike="noStrike">
+              <a:solidFill>
+                <a:srgbClr val="000000"/>
+              </a:solidFill>
+              <a:uFill>
+                <a:solidFill>
+                  <a:srgbClr val="ffffff"/>
+                </a:solidFill>
+              </a:uFill>
+              <a:latin typeface="Arial"/>
             </a:endParaRPr>
           </a:p>
           <a:p>
@@ -6575,7 +5984,7 @@
               </a:lnSpc>
             </a:pPr>
             <a:r>
-              <a:rPr b="0" lang="en-US" sz="2400" spc="-1" strike="noStrike">
+              <a:rPr b="0" lang="en-IN" sz="2400" spc="-1" strike="noStrike">
                 <a:solidFill>
                   <a:srgbClr val="404040"/>
                 </a:solidFill>
@@ -6588,16 +5997,16 @@
               </a:rPr>
               <a:t>git add “file or folder name”</a:t>
             </a:r>
-            <a:endParaRPr b="0" lang="en-US" sz="1800" spc="-1" strike="noStrike">
-              <a:solidFill>
-                <a:srgbClr val="404040"/>
-              </a:solidFill>
-              <a:uFill>
-                <a:solidFill>
-                  <a:srgbClr val="ffffff"/>
-                </a:solidFill>
-              </a:uFill>
-              <a:latin typeface="Trebuchet MS"/>
+            <a:endParaRPr b="0" lang="en-IN" sz="1800" spc="-1" strike="noStrike">
+              <a:solidFill>
+                <a:srgbClr val="000000"/>
+              </a:solidFill>
+              <a:uFill>
+                <a:solidFill>
+                  <a:srgbClr val="ffffff"/>
+                </a:solidFill>
+              </a:uFill>
+              <a:latin typeface="Arial"/>
             </a:endParaRPr>
           </a:p>
           <a:p>
@@ -6607,7 +6016,7 @@
               </a:lnSpc>
             </a:pPr>
             <a:r>
-              <a:rPr b="0" lang="en-US" sz="2400" spc="-1" strike="noStrike">
+              <a:rPr b="0" lang="en-IN" sz="2400" spc="-1" strike="noStrike">
                 <a:solidFill>
                   <a:srgbClr val="404040"/>
                 </a:solidFill>
@@ -6620,16 +6029,16 @@
               </a:rPr>
               <a:t>git commit –m “Message to define the work you have done”</a:t>
             </a:r>
-            <a:endParaRPr b="0" lang="en-US" sz="1800" spc="-1" strike="noStrike">
-              <a:solidFill>
-                <a:srgbClr val="404040"/>
-              </a:solidFill>
-              <a:uFill>
-                <a:solidFill>
-                  <a:srgbClr val="ffffff"/>
-                </a:solidFill>
-              </a:uFill>
-              <a:latin typeface="Trebuchet MS"/>
+            <a:endParaRPr b="0" lang="en-IN" sz="1800" spc="-1" strike="noStrike">
+              <a:solidFill>
+                <a:srgbClr val="000000"/>
+              </a:solidFill>
+              <a:uFill>
+                <a:solidFill>
+                  <a:srgbClr val="ffffff"/>
+                </a:solidFill>
+              </a:uFill>
+              <a:latin typeface="Arial"/>
             </a:endParaRPr>
           </a:p>
         </p:txBody>
@@ -6685,14 +6094,14 @@
       </p:grpSpPr>
       <p:sp>
         <p:nvSpPr>
-          <p:cNvPr id="116" name="TextShape 1"/>
-          <p:cNvSpPr txBox="1"/>
+          <p:cNvPr id="111" name="CustomShape 1"/>
+          <p:cNvSpPr/>
           <p:nvPr/>
         </p:nvSpPr>
         <p:spPr>
           <a:xfrm>
             <a:off x="677160" y="609480"/>
-            <a:ext cx="8596440" cy="1320480"/>
+            <a:ext cx="8596080" cy="1320120"/>
           </a:xfrm>
           <a:prstGeom prst="rect">
             <a:avLst/>
@@ -6702,8 +6111,14 @@
             <a:noFill/>
           </a:ln>
         </p:spPr>
-        <p:txBody>
-          <a:bodyPr/>
+        <p:style>
+          <a:lnRef idx="0"/>
+          <a:fillRef idx="0"/>
+          <a:effectRef idx="0"/>
+          <a:fontRef idx="minor"/>
+        </p:style>
+        <p:txBody>
+          <a:bodyPr lIns="90000" rIns="90000" tIns="45000" bIns="45000"/>
           <a:p>
             <a:pPr>
               <a:lnSpc>
@@ -6711,7 +6126,7 @@
               </a:lnSpc>
             </a:pPr>
             <a:r>
-              <a:rPr b="0" lang="en-US" sz="3600" spc="-1" strike="noStrike">
+              <a:rPr b="0" lang="en-IN" sz="3600" spc="-1" strike="noStrike">
                 <a:solidFill>
                   <a:srgbClr val="90c226"/>
                 </a:solidFill>
@@ -6724,30 +6139,30 @@
               </a:rPr>
               <a:t>Resetting commits</a:t>
             </a:r>
-            <a:endParaRPr b="0" lang="en-US" sz="1800" spc="-1" strike="noStrike">
-              <a:solidFill>
-                <a:srgbClr val="000000"/>
-              </a:solidFill>
-              <a:uFill>
-                <a:solidFill>
-                  <a:srgbClr val="ffffff"/>
-                </a:solidFill>
-              </a:uFill>
-              <a:latin typeface="Trebuchet MS"/>
-            </a:endParaRPr>
-          </a:p>
-        </p:txBody>
-      </p:sp>
-      <p:sp>
-        <p:nvSpPr>
-          <p:cNvPr id="117" name="TextShape 2"/>
-          <p:cNvSpPr txBox="1"/>
+            <a:endParaRPr b="0" lang="en-IN" sz="1800" spc="-1" strike="noStrike">
+              <a:solidFill>
+                <a:srgbClr val="000000"/>
+              </a:solidFill>
+              <a:uFill>
+                <a:solidFill>
+                  <a:srgbClr val="ffffff"/>
+                </a:solidFill>
+              </a:uFill>
+              <a:latin typeface="Arial"/>
+            </a:endParaRPr>
+          </a:p>
+        </p:txBody>
+      </p:sp>
+      <p:sp>
+        <p:nvSpPr>
+          <p:cNvPr id="112" name="CustomShape 2"/>
+          <p:cNvSpPr/>
           <p:nvPr/>
         </p:nvSpPr>
         <p:spPr>
           <a:xfrm>
             <a:off x="677160" y="2160720"/>
-            <a:ext cx="8596440" cy="3880440"/>
+            <a:ext cx="8596080" cy="3880080"/>
           </a:xfrm>
           <a:prstGeom prst="rect">
             <a:avLst/>
@@ -6757,8 +6172,14 @@
             <a:noFill/>
           </a:ln>
         </p:spPr>
-        <p:txBody>
-          <a:bodyPr/>
+        <p:style>
+          <a:lnRef idx="0"/>
+          <a:fillRef idx="0"/>
+          <a:effectRef idx="0"/>
+          <a:fontRef idx="minor"/>
+        </p:style>
+        <p:txBody>
+          <a:bodyPr lIns="90000" rIns="90000" tIns="45000" bIns="45000"/>
           <a:p>
             <a:pPr>
               <a:lnSpc>
@@ -6766,7 +6187,7 @@
               </a:lnSpc>
             </a:pPr>
             <a:r>
-              <a:rPr b="0" lang="en-US" sz="2400" spc="-1" strike="noStrike">
+              <a:rPr b="0" lang="en-IN" sz="2400" spc="-1" strike="noStrike">
                 <a:solidFill>
                   <a:srgbClr val="404040"/>
                 </a:solidFill>
@@ -6777,18 +6198,18 @@
                 </a:uFill>
                 <a:latin typeface="Trebuchet MS"/>
               </a:rPr>
-              <a:t>git reset –-soft –-&lt;commit&gt;</a:t>
+              <a:t>git reset –-soft &lt;commit&gt;</a:t>
             </a:r>
-            <a:endParaRPr b="0" lang="en-US" sz="1800" spc="-1" strike="noStrike">
-              <a:solidFill>
-                <a:srgbClr val="404040"/>
-              </a:solidFill>
-              <a:uFill>
-                <a:solidFill>
-                  <a:srgbClr val="ffffff"/>
-                </a:solidFill>
-              </a:uFill>
-              <a:latin typeface="Trebuchet MS"/>
+            <a:endParaRPr b="0" lang="en-IN" sz="1800" spc="-1" strike="noStrike">
+              <a:solidFill>
+                <a:srgbClr val="000000"/>
+              </a:solidFill>
+              <a:uFill>
+                <a:solidFill>
+                  <a:srgbClr val="ffffff"/>
+                </a:solidFill>
+              </a:uFill>
+              <a:latin typeface="Arial"/>
             </a:endParaRPr>
           </a:p>
           <a:p>
@@ -6798,7 +6219,7 @@
               </a:lnSpc>
             </a:pPr>
             <a:r>
-              <a:rPr b="0" lang="en-US" sz="2400" spc="-1" strike="noStrike">
+              <a:rPr b="0" lang="en-IN" sz="2400" spc="-1" strike="noStrike">
                 <a:solidFill>
                   <a:srgbClr val="404040"/>
                 </a:solidFill>
@@ -6811,16 +6232,16 @@
               </a:rPr>
               <a:t>git reset –-soft –-HEAD^ </a:t>
             </a:r>
-            <a:endParaRPr b="0" lang="en-US" sz="1800" spc="-1" strike="noStrike">
-              <a:solidFill>
-                <a:srgbClr val="404040"/>
-              </a:solidFill>
-              <a:uFill>
-                <a:solidFill>
-                  <a:srgbClr val="ffffff"/>
-                </a:solidFill>
-              </a:uFill>
-              <a:latin typeface="Trebuchet MS"/>
+            <a:endParaRPr b="0" lang="en-IN" sz="1800" spc="-1" strike="noStrike">
+              <a:solidFill>
+                <a:srgbClr val="000000"/>
+              </a:solidFill>
+              <a:uFill>
+                <a:solidFill>
+                  <a:srgbClr val="ffffff"/>
+                </a:solidFill>
+              </a:uFill>
+              <a:latin typeface="Arial"/>
             </a:endParaRPr>
           </a:p>
           <a:p>
@@ -6830,7 +6251,7 @@
               </a:lnSpc>
             </a:pPr>
             <a:r>
-              <a:rPr b="0" lang="en-US" sz="2400" spc="-1" strike="noStrike">
+              <a:rPr b="0" lang="en-IN" sz="2400" spc="-1" strike="noStrike">
                 <a:solidFill>
                   <a:srgbClr val="404040"/>
                 </a:solidFill>
@@ -6843,16 +6264,16 @@
               </a:rPr>
               <a:t>git reset –-soft –HEAD~n</a:t>
             </a:r>
-            <a:endParaRPr b="0" lang="en-US" sz="1800" spc="-1" strike="noStrike">
-              <a:solidFill>
-                <a:srgbClr val="404040"/>
-              </a:solidFill>
-              <a:uFill>
-                <a:solidFill>
-                  <a:srgbClr val="ffffff"/>
-                </a:solidFill>
-              </a:uFill>
-              <a:latin typeface="Trebuchet MS"/>
+            <a:endParaRPr b="0" lang="en-IN" sz="1800" spc="-1" strike="noStrike">
+              <a:solidFill>
+                <a:srgbClr val="000000"/>
+              </a:solidFill>
+              <a:uFill>
+                <a:solidFill>
+                  <a:srgbClr val="ffffff"/>
+                </a:solidFill>
+              </a:uFill>
+              <a:latin typeface="Arial"/>
             </a:endParaRPr>
           </a:p>
           <a:p>
@@ -6861,16 +6282,16 @@
                 <a:spcPct val="100000"/>
               </a:lnSpc>
             </a:pPr>
-            <a:endParaRPr b="0" lang="en-US" sz="1800" spc="-1" strike="noStrike">
-              <a:solidFill>
-                <a:srgbClr val="404040"/>
-              </a:solidFill>
-              <a:uFill>
-                <a:solidFill>
-                  <a:srgbClr val="ffffff"/>
-                </a:solidFill>
-              </a:uFill>
-              <a:latin typeface="Trebuchet MS"/>
+            <a:endParaRPr b="0" lang="en-IN" sz="1800" spc="-1" strike="noStrike">
+              <a:solidFill>
+                <a:srgbClr val="000000"/>
+              </a:solidFill>
+              <a:uFill>
+                <a:solidFill>
+                  <a:srgbClr val="ffffff"/>
+                </a:solidFill>
+              </a:uFill>
+              <a:latin typeface="Arial"/>
             </a:endParaRPr>
           </a:p>
           <a:p>
@@ -6880,7 +6301,7 @@
               </a:lnSpc>
             </a:pPr>
             <a:r>
-              <a:rPr b="0" lang="en-US" sz="2400" spc="-1" strike="noStrike">
+              <a:rPr b="0" lang="en-IN" sz="2400" spc="-1" strike="noStrike">
                 <a:solidFill>
                   <a:srgbClr val="404040"/>
                 </a:solidFill>
@@ -6893,16 +6314,16 @@
               </a:rPr>
               <a:t>Similar commits for git reset --hard </a:t>
             </a:r>
-            <a:endParaRPr b="0" lang="en-US" sz="1800" spc="-1" strike="noStrike">
-              <a:solidFill>
-                <a:srgbClr val="404040"/>
-              </a:solidFill>
-              <a:uFill>
-                <a:solidFill>
-                  <a:srgbClr val="ffffff"/>
-                </a:solidFill>
-              </a:uFill>
-              <a:latin typeface="Trebuchet MS"/>
+            <a:endParaRPr b="0" lang="en-IN" sz="1800" spc="-1" strike="noStrike">
+              <a:solidFill>
+                <a:srgbClr val="000000"/>
+              </a:solidFill>
+              <a:uFill>
+                <a:solidFill>
+                  <a:srgbClr val="ffffff"/>
+                </a:solidFill>
+              </a:uFill>
+              <a:latin typeface="Arial"/>
             </a:endParaRPr>
           </a:p>
         </p:txBody>
@@ -6958,14 +6379,14 @@
       </p:grpSpPr>
       <p:sp>
         <p:nvSpPr>
-          <p:cNvPr id="118" name="TextShape 1"/>
-          <p:cNvSpPr txBox="1"/>
+          <p:cNvPr id="113" name="CustomShape 1"/>
+          <p:cNvSpPr/>
           <p:nvPr/>
         </p:nvSpPr>
         <p:spPr>
           <a:xfrm>
             <a:off x="677160" y="609480"/>
-            <a:ext cx="8596440" cy="1320480"/>
+            <a:ext cx="8596080" cy="1320120"/>
           </a:xfrm>
           <a:prstGeom prst="rect">
             <a:avLst/>
@@ -6975,8 +6396,14 @@
             <a:noFill/>
           </a:ln>
         </p:spPr>
-        <p:txBody>
-          <a:bodyPr/>
+        <p:style>
+          <a:lnRef idx="0"/>
+          <a:fillRef idx="0"/>
+          <a:effectRef idx="0"/>
+          <a:fontRef idx="minor"/>
+        </p:style>
+        <p:txBody>
+          <a:bodyPr lIns="90000" rIns="90000" tIns="45000" bIns="45000"/>
           <a:p>
             <a:pPr>
               <a:lnSpc>
@@ -6984,7 +6411,7 @@
               </a:lnSpc>
             </a:pPr>
             <a:r>
-              <a:rPr b="0" lang="en-US" sz="3600" spc="-1" strike="noStrike">
+              <a:rPr b="0" lang="en-IN" sz="3600" spc="-1" strike="noStrike">
                 <a:solidFill>
                   <a:srgbClr val="90c226"/>
                 </a:solidFill>
@@ -6997,30 +6424,30 @@
               </a:rPr>
               <a:t>How to push to a github repository?</a:t>
             </a:r>
-            <a:endParaRPr b="0" lang="en-US" sz="1800" spc="-1" strike="noStrike">
-              <a:solidFill>
-                <a:srgbClr val="000000"/>
-              </a:solidFill>
-              <a:uFill>
-                <a:solidFill>
-                  <a:srgbClr val="ffffff"/>
-                </a:solidFill>
-              </a:uFill>
-              <a:latin typeface="Trebuchet MS"/>
-            </a:endParaRPr>
-          </a:p>
-        </p:txBody>
-      </p:sp>
-      <p:sp>
-        <p:nvSpPr>
-          <p:cNvPr id="119" name="TextShape 2"/>
-          <p:cNvSpPr txBox="1"/>
+            <a:endParaRPr b="0" lang="en-IN" sz="1800" spc="-1" strike="noStrike">
+              <a:solidFill>
+                <a:srgbClr val="000000"/>
+              </a:solidFill>
+              <a:uFill>
+                <a:solidFill>
+                  <a:srgbClr val="ffffff"/>
+                </a:solidFill>
+              </a:uFill>
+              <a:latin typeface="Arial"/>
+            </a:endParaRPr>
+          </a:p>
+        </p:txBody>
+      </p:sp>
+      <p:sp>
+        <p:nvSpPr>
+          <p:cNvPr id="114" name="CustomShape 2"/>
+          <p:cNvSpPr/>
           <p:nvPr/>
         </p:nvSpPr>
         <p:spPr>
           <a:xfrm>
             <a:off x="677160" y="2160720"/>
-            <a:ext cx="8596440" cy="3880440"/>
+            <a:ext cx="8596080" cy="3880080"/>
           </a:xfrm>
           <a:prstGeom prst="rect">
             <a:avLst/>
@@ -7030,8 +6457,14 @@
             <a:noFill/>
           </a:ln>
         </p:spPr>
-        <p:txBody>
-          <a:bodyPr/>
+        <p:style>
+          <a:lnRef idx="0"/>
+          <a:fillRef idx="0"/>
+          <a:effectRef idx="0"/>
+          <a:fontRef idx="minor"/>
+        </p:style>
+        <p:txBody>
+          <a:bodyPr lIns="90000" rIns="90000" tIns="45000" bIns="45000"/>
           <a:p>
             <a:pPr>
               <a:lnSpc>
@@ -7039,7 +6472,7 @@
               </a:lnSpc>
             </a:pPr>
             <a:r>
-              <a:rPr b="0" lang="en-US" sz="2400" spc="-1" strike="noStrike">
+              <a:rPr b="0" lang="en-IN" sz="2400" spc="-1" strike="noStrike">
                 <a:solidFill>
                   <a:srgbClr val="404040"/>
                 </a:solidFill>
@@ -7052,16 +6485,16 @@
               </a:rPr>
               <a:t>First and foremost steps: </a:t>
             </a:r>
-            <a:endParaRPr b="0" lang="en-US" sz="1800" spc="-1" strike="noStrike">
-              <a:solidFill>
-                <a:srgbClr val="404040"/>
-              </a:solidFill>
-              <a:uFill>
-                <a:solidFill>
-                  <a:srgbClr val="ffffff"/>
-                </a:solidFill>
-              </a:uFill>
-              <a:latin typeface="Trebuchet MS"/>
+            <a:endParaRPr b="0" lang="en-IN" sz="1800" spc="-1" strike="noStrike">
+              <a:solidFill>
+                <a:srgbClr val="000000"/>
+              </a:solidFill>
+              <a:uFill>
+                <a:solidFill>
+                  <a:srgbClr val="ffffff"/>
+                </a:solidFill>
+              </a:uFill>
+              <a:latin typeface="Arial"/>
             </a:endParaRPr>
           </a:p>
           <a:p>
@@ -7071,7 +6504,7 @@
               </a:lnSpc>
             </a:pPr>
             <a:r>
-              <a:rPr b="0" lang="en-US" sz="2000" spc="-1" strike="noStrike">
+              <a:rPr b="0" lang="en-IN" sz="2000" spc="-1" strike="noStrike">
                 <a:solidFill>
                   <a:srgbClr val="404040"/>
                 </a:solidFill>
@@ -7084,16 +6517,16 @@
               </a:rPr>
               <a:t>Check the git remotes:</a:t>
             </a:r>
-            <a:endParaRPr b="0" lang="en-US" sz="1800" spc="-1" strike="noStrike">
-              <a:solidFill>
-                <a:srgbClr val="404040"/>
-              </a:solidFill>
-              <a:uFill>
-                <a:solidFill>
-                  <a:srgbClr val="ffffff"/>
-                </a:solidFill>
-              </a:uFill>
-              <a:latin typeface="Trebuchet MS"/>
+            <a:endParaRPr b="0" lang="en-IN" sz="1800" spc="-1" strike="noStrike">
+              <a:solidFill>
+                <a:srgbClr val="000000"/>
+              </a:solidFill>
+              <a:uFill>
+                <a:solidFill>
+                  <a:srgbClr val="ffffff"/>
+                </a:solidFill>
+              </a:uFill>
+              <a:latin typeface="Arial"/>
             </a:endParaRPr>
           </a:p>
           <a:p>
@@ -7103,7 +6536,7 @@
               </a:lnSpc>
             </a:pPr>
             <a:r>
-              <a:rPr b="0" lang="en-US" sz="1800" spc="-1" strike="noStrike">
+              <a:rPr b="0" lang="en-IN" sz="1800" spc="-1" strike="noStrike">
                 <a:solidFill>
                   <a:srgbClr val="404040"/>
                 </a:solidFill>
@@ -7116,16 +6549,16 @@
               </a:rPr>
               <a:t>git remote –v</a:t>
             </a:r>
-            <a:endParaRPr b="0" lang="en-US" sz="1800" spc="-1" strike="noStrike">
-              <a:solidFill>
-                <a:srgbClr val="404040"/>
-              </a:solidFill>
-              <a:uFill>
-                <a:solidFill>
-                  <a:srgbClr val="ffffff"/>
-                </a:solidFill>
-              </a:uFill>
-              <a:latin typeface="Trebuchet MS"/>
+            <a:endParaRPr b="0" lang="en-IN" sz="1800" spc="-1" strike="noStrike">
+              <a:solidFill>
+                <a:srgbClr val="000000"/>
+              </a:solidFill>
+              <a:uFill>
+                <a:solidFill>
+                  <a:srgbClr val="ffffff"/>
+                </a:solidFill>
+              </a:uFill>
+              <a:latin typeface="Arial"/>
             </a:endParaRPr>
           </a:p>
           <a:p>
@@ -7134,16 +6567,16 @@
                 <a:spcPct val="100000"/>
               </a:lnSpc>
             </a:pPr>
-            <a:endParaRPr b="0" lang="en-US" sz="1800" spc="-1" strike="noStrike">
-              <a:solidFill>
-                <a:srgbClr val="404040"/>
-              </a:solidFill>
-              <a:uFill>
-                <a:solidFill>
-                  <a:srgbClr val="ffffff"/>
-                </a:solidFill>
-              </a:uFill>
-              <a:latin typeface="Trebuchet MS"/>
+            <a:endParaRPr b="0" lang="en-IN" sz="1800" spc="-1" strike="noStrike">
+              <a:solidFill>
+                <a:srgbClr val="000000"/>
+              </a:solidFill>
+              <a:uFill>
+                <a:solidFill>
+                  <a:srgbClr val="ffffff"/>
+                </a:solidFill>
+              </a:uFill>
+              <a:latin typeface="Arial"/>
             </a:endParaRPr>
           </a:p>
           <a:p>
@@ -7153,7 +6586,7 @@
               </a:lnSpc>
             </a:pPr>
             <a:r>
-              <a:rPr b="0" lang="en-US" sz="1800" spc="-1" strike="noStrike">
+              <a:rPr b="0" lang="en-IN" sz="1800" spc="-1" strike="noStrike">
                 <a:solidFill>
                   <a:srgbClr val="404040"/>
                 </a:solidFill>
@@ -7166,16 +6599,16 @@
               </a:rPr>
               <a:t>How to add and git remotes:</a:t>
             </a:r>
-            <a:endParaRPr b="0" lang="en-US" sz="1800" spc="-1" strike="noStrike">
-              <a:solidFill>
-                <a:srgbClr val="404040"/>
-              </a:solidFill>
-              <a:uFill>
-                <a:solidFill>
-                  <a:srgbClr val="ffffff"/>
-                </a:solidFill>
-              </a:uFill>
-              <a:latin typeface="Trebuchet MS"/>
+            <a:endParaRPr b="0" lang="en-IN" sz="1800" spc="-1" strike="noStrike">
+              <a:solidFill>
+                <a:srgbClr val="000000"/>
+              </a:solidFill>
+              <a:uFill>
+                <a:solidFill>
+                  <a:srgbClr val="ffffff"/>
+                </a:solidFill>
+              </a:uFill>
+              <a:latin typeface="Arial"/>
             </a:endParaRPr>
           </a:p>
           <a:p>
@@ -7185,7 +6618,7 @@
               </a:lnSpc>
             </a:pPr>
             <a:r>
-              <a:rPr b="0" lang="en-US" sz="1800" spc="-1" strike="noStrike">
+              <a:rPr b="0" lang="en-IN" sz="1800" spc="-1" strike="noStrike">
                 <a:solidFill>
                   <a:srgbClr val="404040"/>
                 </a:solidFill>
@@ -7198,16 +6631,16 @@
               </a:rPr>
               <a:t>git remote add [Remote name] [remote address]</a:t>
             </a:r>
-            <a:endParaRPr b="0" lang="en-US" sz="1800" spc="-1" strike="noStrike">
-              <a:solidFill>
-                <a:srgbClr val="404040"/>
-              </a:solidFill>
-              <a:uFill>
-                <a:solidFill>
-                  <a:srgbClr val="ffffff"/>
-                </a:solidFill>
-              </a:uFill>
-              <a:latin typeface="Trebuchet MS"/>
+            <a:endParaRPr b="0" lang="en-IN" sz="1800" spc="-1" strike="noStrike">
+              <a:solidFill>
+                <a:srgbClr val="000000"/>
+              </a:solidFill>
+              <a:uFill>
+                <a:solidFill>
+                  <a:srgbClr val="ffffff"/>
+                </a:solidFill>
+              </a:uFill>
+              <a:latin typeface="Arial"/>
             </a:endParaRPr>
           </a:p>
           <a:p>
@@ -7217,7 +6650,7 @@
               </a:lnSpc>
             </a:pPr>
             <a:r>
-              <a:rPr b="0" lang="en-US" sz="1800" spc="-1" strike="noStrike">
+              <a:rPr b="0" lang="en-IN" sz="1800" spc="-1" strike="noStrike">
                 <a:solidFill>
                   <a:srgbClr val="404040"/>
                 </a:solidFill>
@@ -7230,16 +6663,16 @@
               </a:rPr>
               <a:t>git remote remove [remote name]</a:t>
             </a:r>
-            <a:endParaRPr b="0" lang="en-US" sz="1800" spc="-1" strike="noStrike">
-              <a:solidFill>
-                <a:srgbClr val="404040"/>
-              </a:solidFill>
-              <a:uFill>
-                <a:solidFill>
-                  <a:srgbClr val="ffffff"/>
-                </a:solidFill>
-              </a:uFill>
-              <a:latin typeface="Trebuchet MS"/>
+            <a:endParaRPr b="0" lang="en-IN" sz="1800" spc="-1" strike="noStrike">
+              <a:solidFill>
+                <a:srgbClr val="000000"/>
+              </a:solidFill>
+              <a:uFill>
+                <a:solidFill>
+                  <a:srgbClr val="ffffff"/>
+                </a:solidFill>
+              </a:uFill>
+              <a:latin typeface="Arial"/>
             </a:endParaRPr>
           </a:p>
           <a:p>
@@ -7248,16 +6681,16 @@
                 <a:spcPct val="100000"/>
               </a:lnSpc>
             </a:pPr>
-            <a:endParaRPr b="0" lang="en-US" sz="1800" spc="-1" strike="noStrike">
-              <a:solidFill>
-                <a:srgbClr val="404040"/>
-              </a:solidFill>
-              <a:uFill>
-                <a:solidFill>
-                  <a:srgbClr val="ffffff"/>
-                </a:solidFill>
-              </a:uFill>
-              <a:latin typeface="Trebuchet MS"/>
+            <a:endParaRPr b="0" lang="en-IN" sz="1800" spc="-1" strike="noStrike">
+              <a:solidFill>
+                <a:srgbClr val="000000"/>
+              </a:solidFill>
+              <a:uFill>
+                <a:solidFill>
+                  <a:srgbClr val="ffffff"/>
+                </a:solidFill>
+              </a:uFill>
+              <a:latin typeface="Arial"/>
             </a:endParaRPr>
           </a:p>
         </p:txBody>
@@ -7313,14 +6746,14 @@
       </p:grpSpPr>
       <p:sp>
         <p:nvSpPr>
-          <p:cNvPr id="120" name="TextShape 1"/>
-          <p:cNvSpPr txBox="1"/>
+          <p:cNvPr id="115" name="CustomShape 1"/>
+          <p:cNvSpPr/>
           <p:nvPr/>
         </p:nvSpPr>
         <p:spPr>
           <a:xfrm>
             <a:off x="677160" y="609480"/>
-            <a:ext cx="8596440" cy="1320480"/>
+            <a:ext cx="8596080" cy="1320120"/>
           </a:xfrm>
           <a:prstGeom prst="rect">
             <a:avLst/>
@@ -7330,8 +6763,14 @@
             <a:noFill/>
           </a:ln>
         </p:spPr>
-        <p:txBody>
-          <a:bodyPr/>
+        <p:style>
+          <a:lnRef idx="0"/>
+          <a:fillRef idx="0"/>
+          <a:effectRef idx="0"/>
+          <a:fontRef idx="minor"/>
+        </p:style>
+        <p:txBody>
+          <a:bodyPr lIns="90000" rIns="90000" tIns="45000" bIns="45000"/>
           <a:p>
             <a:pPr>
               <a:lnSpc>
@@ -7339,7 +6778,7 @@
               </a:lnSpc>
             </a:pPr>
             <a:r>
-              <a:rPr b="0" lang="en-US" sz="3600" spc="-1" strike="noStrike">
+              <a:rPr b="0" lang="en-IN" sz="3600" spc="-1" strike="noStrike">
                 <a:solidFill>
                   <a:srgbClr val="90c226"/>
                 </a:solidFill>
@@ -7352,30 +6791,30 @@
               </a:rPr>
               <a:t>How to push to a github repository?[Continued]</a:t>
             </a:r>
-            <a:endParaRPr b="0" lang="en-US" sz="1800" spc="-1" strike="noStrike">
-              <a:solidFill>
-                <a:srgbClr val="000000"/>
-              </a:solidFill>
-              <a:uFill>
-                <a:solidFill>
-                  <a:srgbClr val="ffffff"/>
-                </a:solidFill>
-              </a:uFill>
-              <a:latin typeface="Trebuchet MS"/>
-            </a:endParaRPr>
-          </a:p>
-        </p:txBody>
-      </p:sp>
-      <p:sp>
-        <p:nvSpPr>
-          <p:cNvPr id="121" name="TextShape 2"/>
-          <p:cNvSpPr txBox="1"/>
+            <a:endParaRPr b="0" lang="en-IN" sz="1800" spc="-1" strike="noStrike">
+              <a:solidFill>
+                <a:srgbClr val="000000"/>
+              </a:solidFill>
+              <a:uFill>
+                <a:solidFill>
+                  <a:srgbClr val="ffffff"/>
+                </a:solidFill>
+              </a:uFill>
+              <a:latin typeface="Arial"/>
+            </a:endParaRPr>
+          </a:p>
+        </p:txBody>
+      </p:sp>
+      <p:sp>
+        <p:nvSpPr>
+          <p:cNvPr id="116" name="CustomShape 2"/>
+          <p:cNvSpPr/>
           <p:nvPr/>
         </p:nvSpPr>
         <p:spPr>
           <a:xfrm>
             <a:off x="677160" y="2160720"/>
-            <a:ext cx="8596440" cy="3880440"/>
+            <a:ext cx="8596080" cy="3880080"/>
           </a:xfrm>
           <a:prstGeom prst="rect">
             <a:avLst/>
@@ -7385,8 +6824,14 @@
             <a:noFill/>
           </a:ln>
         </p:spPr>
-        <p:txBody>
-          <a:bodyPr/>
+        <p:style>
+          <a:lnRef idx="0"/>
+          <a:fillRef idx="0"/>
+          <a:effectRef idx="0"/>
+          <a:fontRef idx="minor"/>
+        </p:style>
+        <p:txBody>
+          <a:bodyPr lIns="90000" rIns="90000" tIns="45000" bIns="45000"/>
           <a:p>
             <a:pPr>
               <a:lnSpc>
@@ -7394,7 +6839,7 @@
               </a:lnSpc>
             </a:pPr>
             <a:r>
-              <a:rPr b="0" lang="en-US" sz="2400" spc="-1" strike="noStrike">
+              <a:rPr b="0" lang="en-IN" sz="2400" spc="-1" strike="noStrike">
                 <a:solidFill>
                   <a:srgbClr val="404040"/>
                 </a:solidFill>
@@ -7407,16 +6852,16 @@
               </a:rPr>
               <a:t>git push [remote name] [remote branch]</a:t>
             </a:r>
-            <a:endParaRPr b="0" lang="en-US" sz="1800" spc="-1" strike="noStrike">
-              <a:solidFill>
-                <a:srgbClr val="404040"/>
-              </a:solidFill>
-              <a:uFill>
-                <a:solidFill>
-                  <a:srgbClr val="ffffff"/>
-                </a:solidFill>
-              </a:uFill>
-              <a:latin typeface="Trebuchet MS"/>
+            <a:endParaRPr b="0" lang="en-IN" sz="1800" spc="-1" strike="noStrike">
+              <a:solidFill>
+                <a:srgbClr val="000000"/>
+              </a:solidFill>
+              <a:uFill>
+                <a:solidFill>
+                  <a:srgbClr val="ffffff"/>
+                </a:solidFill>
+              </a:uFill>
+              <a:latin typeface="Arial"/>
             </a:endParaRPr>
           </a:p>
           <a:p>
@@ -7425,16 +6870,16 @@
                 <a:spcPct val="100000"/>
               </a:lnSpc>
             </a:pPr>
-            <a:endParaRPr b="0" lang="en-US" sz="1800" spc="-1" strike="noStrike">
-              <a:solidFill>
-                <a:srgbClr val="404040"/>
-              </a:solidFill>
-              <a:uFill>
-                <a:solidFill>
-                  <a:srgbClr val="ffffff"/>
-                </a:solidFill>
-              </a:uFill>
-              <a:latin typeface="Trebuchet MS"/>
+            <a:endParaRPr b="0" lang="en-IN" sz="1800" spc="-1" strike="noStrike">
+              <a:solidFill>
+                <a:srgbClr val="000000"/>
+              </a:solidFill>
+              <a:uFill>
+                <a:solidFill>
+                  <a:srgbClr val="ffffff"/>
+                </a:solidFill>
+              </a:uFill>
+              <a:latin typeface="Arial"/>
             </a:endParaRPr>
           </a:p>
         </p:txBody>
@@ -7468,6 +6913,394 @@
       </p:par>
     </p:tnLst>
   </p:timing>
+</p:sld>
+</file>
+
+<file path=ppt/slides/slide8.xml><?xml version="1.0" encoding="utf-8"?>
+<p:sld xmlns:a="http://schemas.openxmlformats.org/drawingml/2006/main" xmlns:p="http://schemas.openxmlformats.org/presentationml/2006/main" xmlns:r="http://schemas.openxmlformats.org/officeDocument/2006/relationships" xmlns:p14="http://schemas.microsoft.com/office/powerpoint/2010/main" xmlns:p15="http://schemas.microsoft.com/office/powerpoint/2012/main" xmlns:mc="http://schemas.openxmlformats.org/markup-compatibility/2006">
+  <p:cSld>
+    <p:spTree>
+      <p:nvGrpSpPr>
+        <p:cNvPr id="1" name=""/>
+        <p:cNvGrpSpPr/>
+        <p:nvPr/>
+      </p:nvGrpSpPr>
+      <p:grpSpPr>
+        <a:xfrm>
+          <a:off x="0" y="0"/>
+          <a:ext cx="0" cy="0"/>
+          <a:chOff x="0" y="0"/>
+          <a:chExt cx="0" cy="0"/>
+        </a:xfrm>
+      </p:grpSpPr>
+      <p:sp>
+        <p:nvSpPr>
+          <p:cNvPr id="117" name="CustomShape 1"/>
+          <p:cNvSpPr/>
+          <p:nvPr/>
+        </p:nvSpPr>
+        <p:spPr>
+          <a:xfrm>
+            <a:off x="677160" y="609480"/>
+            <a:ext cx="8596080" cy="1320120"/>
+          </a:xfrm>
+          <a:prstGeom prst="rect">
+            <a:avLst/>
+          </a:prstGeom>
+          <a:noFill/>
+          <a:ln>
+            <a:noFill/>
+          </a:ln>
+        </p:spPr>
+        <p:style>
+          <a:lnRef idx="0"/>
+          <a:fillRef idx="0"/>
+          <a:effectRef idx="0"/>
+          <a:fontRef idx="minor"/>
+        </p:style>
+        <p:txBody>
+          <a:bodyPr lIns="90000" rIns="90000" tIns="45000" bIns="45000"/>
+          <a:p>
+            <a:pPr>
+              <a:lnSpc>
+                <a:spcPct val="100000"/>
+              </a:lnSpc>
+            </a:pPr>
+            <a:r>
+              <a:rPr b="0" lang="en-IN" sz="3600" spc="-1" strike="noStrike">
+                <a:solidFill>
+                  <a:srgbClr val="90c226"/>
+                </a:solidFill>
+                <a:uFill>
+                  <a:solidFill>
+                    <a:srgbClr val="ffffff"/>
+                  </a:solidFill>
+                </a:uFill>
+                <a:latin typeface="Trebuchet MS"/>
+              </a:rPr>
+              <a:t>How to pull from a github repository?</a:t>
+            </a:r>
+            <a:endParaRPr b="0" lang="en-IN" sz="1800" spc="-1" strike="noStrike">
+              <a:solidFill>
+                <a:srgbClr val="000000"/>
+              </a:solidFill>
+              <a:uFill>
+                <a:solidFill>
+                  <a:srgbClr val="ffffff"/>
+                </a:solidFill>
+              </a:uFill>
+              <a:latin typeface="Arial"/>
+            </a:endParaRPr>
+          </a:p>
+        </p:txBody>
+      </p:sp>
+      <p:sp>
+        <p:nvSpPr>
+          <p:cNvPr id="118" name="CustomShape 2"/>
+          <p:cNvSpPr/>
+          <p:nvPr/>
+        </p:nvSpPr>
+        <p:spPr>
+          <a:xfrm>
+            <a:off x="677160" y="2160720"/>
+            <a:ext cx="8596080" cy="3880080"/>
+          </a:xfrm>
+          <a:prstGeom prst="rect">
+            <a:avLst/>
+          </a:prstGeom>
+          <a:noFill/>
+          <a:ln>
+            <a:noFill/>
+          </a:ln>
+        </p:spPr>
+        <p:style>
+          <a:lnRef idx="0"/>
+          <a:fillRef idx="0"/>
+          <a:effectRef idx="0"/>
+          <a:fontRef idx="minor"/>
+        </p:style>
+        <p:txBody>
+          <a:bodyPr lIns="90000" rIns="90000" tIns="45000" bIns="45000"/>
+          <a:p>
+            <a:pPr>
+              <a:lnSpc>
+                <a:spcPct val="100000"/>
+              </a:lnSpc>
+            </a:pPr>
+            <a:r>
+              <a:rPr b="0" lang="en-IN" sz="2400" spc="-1" strike="noStrike">
+                <a:solidFill>
+                  <a:srgbClr val="404040"/>
+                </a:solidFill>
+                <a:uFill>
+                  <a:solidFill>
+                    <a:srgbClr val="ffffff"/>
+                  </a:solidFill>
+                </a:uFill>
+                <a:latin typeface="Trebuchet MS"/>
+              </a:rPr>
+              <a:t>git pull [remote name] [branch name]</a:t>
+            </a:r>
+            <a:endParaRPr b="0" lang="en-IN" sz="1800" spc="-1" strike="noStrike">
+              <a:solidFill>
+                <a:srgbClr val="000000"/>
+              </a:solidFill>
+              <a:uFill>
+                <a:solidFill>
+                  <a:srgbClr val="ffffff"/>
+                </a:solidFill>
+              </a:uFill>
+              <a:latin typeface="Arial"/>
+            </a:endParaRPr>
+          </a:p>
+          <a:p>
+            <a:pPr>
+              <a:lnSpc>
+                <a:spcPct val="100000"/>
+              </a:lnSpc>
+            </a:pPr>
+            <a:endParaRPr b="0" lang="en-IN" sz="1800" spc="-1" strike="noStrike">
+              <a:solidFill>
+                <a:srgbClr val="000000"/>
+              </a:solidFill>
+              <a:uFill>
+                <a:solidFill>
+                  <a:srgbClr val="ffffff"/>
+                </a:solidFill>
+              </a:uFill>
+              <a:latin typeface="Arial"/>
+            </a:endParaRPr>
+          </a:p>
+        </p:txBody>
+      </p:sp>
+    </p:spTree>
+  </p:cSld>
+</p:sld>
+</file>
+
+<file path=ppt/slides/slide9.xml><?xml version="1.0" encoding="utf-8"?>
+<p:sld xmlns:a="http://schemas.openxmlformats.org/drawingml/2006/main" xmlns:p="http://schemas.openxmlformats.org/presentationml/2006/main" xmlns:r="http://schemas.openxmlformats.org/officeDocument/2006/relationships" xmlns:p14="http://schemas.microsoft.com/office/powerpoint/2010/main" xmlns:p15="http://schemas.microsoft.com/office/powerpoint/2012/main" xmlns:mc="http://schemas.openxmlformats.org/markup-compatibility/2006">
+  <p:cSld>
+    <p:spTree>
+      <p:nvGrpSpPr>
+        <p:cNvPr id="1" name=""/>
+        <p:cNvGrpSpPr/>
+        <p:nvPr/>
+      </p:nvGrpSpPr>
+      <p:grpSpPr>
+        <a:xfrm>
+          <a:off x="0" y="0"/>
+          <a:ext cx="0" cy="0"/>
+          <a:chOff x="0" y="0"/>
+          <a:chExt cx="0" cy="0"/>
+        </a:xfrm>
+      </p:grpSpPr>
+      <p:sp>
+        <p:nvSpPr>
+          <p:cNvPr id="119" name="CustomShape 1"/>
+          <p:cNvSpPr/>
+          <p:nvPr/>
+        </p:nvSpPr>
+        <p:spPr>
+          <a:xfrm>
+            <a:off x="677160" y="609480"/>
+            <a:ext cx="8596080" cy="1320120"/>
+          </a:xfrm>
+          <a:prstGeom prst="rect">
+            <a:avLst/>
+          </a:prstGeom>
+          <a:noFill/>
+          <a:ln>
+            <a:noFill/>
+          </a:ln>
+        </p:spPr>
+        <p:style>
+          <a:lnRef idx="0"/>
+          <a:fillRef idx="0"/>
+          <a:effectRef idx="0"/>
+          <a:fontRef idx="minor"/>
+        </p:style>
+        <p:txBody>
+          <a:bodyPr lIns="90000" rIns="90000" tIns="45000" bIns="45000"/>
+          <a:p>
+            <a:pPr>
+              <a:lnSpc>
+                <a:spcPct val="100000"/>
+              </a:lnSpc>
+            </a:pPr>
+            <a:r>
+              <a:rPr b="0" lang="en-IN" sz="3600" spc="-1" strike="noStrike">
+                <a:solidFill>
+                  <a:srgbClr val="90c226"/>
+                </a:solidFill>
+                <a:uFill>
+                  <a:solidFill>
+                    <a:srgbClr val="ffffff"/>
+                  </a:solidFill>
+                </a:uFill>
+                <a:latin typeface="Trebuchet MS"/>
+              </a:rPr>
+              <a:t>How to fetch from a branch?</a:t>
+            </a:r>
+            <a:endParaRPr b="0" lang="en-IN" sz="1800" spc="-1" strike="noStrike">
+              <a:solidFill>
+                <a:srgbClr val="000000"/>
+              </a:solidFill>
+              <a:uFill>
+                <a:solidFill>
+                  <a:srgbClr val="ffffff"/>
+                </a:solidFill>
+              </a:uFill>
+              <a:latin typeface="Arial"/>
+            </a:endParaRPr>
+          </a:p>
+        </p:txBody>
+      </p:sp>
+      <p:sp>
+        <p:nvSpPr>
+          <p:cNvPr id="120" name="CustomShape 2"/>
+          <p:cNvSpPr/>
+          <p:nvPr/>
+        </p:nvSpPr>
+        <p:spPr>
+          <a:xfrm>
+            <a:off x="677160" y="2160720"/>
+            <a:ext cx="8596080" cy="3880080"/>
+          </a:xfrm>
+          <a:prstGeom prst="rect">
+            <a:avLst/>
+          </a:prstGeom>
+          <a:noFill/>
+          <a:ln>
+            <a:noFill/>
+          </a:ln>
+        </p:spPr>
+        <p:style>
+          <a:lnRef idx="0"/>
+          <a:fillRef idx="0"/>
+          <a:effectRef idx="0"/>
+          <a:fontRef idx="minor"/>
+        </p:style>
+        <p:txBody>
+          <a:bodyPr lIns="90000" rIns="90000" tIns="45000" bIns="45000"/>
+          <a:p>
+            <a:pPr>
+              <a:lnSpc>
+                <a:spcPct val="100000"/>
+              </a:lnSpc>
+            </a:pPr>
+            <a:r>
+              <a:rPr b="0" lang="en-IN" sz="2400" spc="-1" strike="noStrike">
+                <a:solidFill>
+                  <a:srgbClr val="404040"/>
+                </a:solidFill>
+                <a:uFill>
+                  <a:solidFill>
+                    <a:srgbClr val="ffffff"/>
+                  </a:solidFill>
+                </a:uFill>
+                <a:latin typeface="Trebuchet MS"/>
+              </a:rPr>
+              <a:t>git fetch [remote name] [branch name]</a:t>
+            </a:r>
+            <a:endParaRPr b="0" lang="en-IN" sz="1800" spc="-1" strike="noStrike">
+              <a:solidFill>
+                <a:srgbClr val="000000"/>
+              </a:solidFill>
+              <a:uFill>
+                <a:solidFill>
+                  <a:srgbClr val="ffffff"/>
+                </a:solidFill>
+              </a:uFill>
+              <a:latin typeface="Arial"/>
+            </a:endParaRPr>
+          </a:p>
+          <a:p>
+            <a:pPr>
+              <a:lnSpc>
+                <a:spcPct val="100000"/>
+              </a:lnSpc>
+            </a:pPr>
+            <a:r>
+              <a:rPr b="0" lang="en-IN" sz="2400" spc="-1" strike="noStrike">
+                <a:solidFill>
+                  <a:srgbClr val="404040"/>
+                </a:solidFill>
+                <a:uFill>
+                  <a:solidFill>
+                    <a:srgbClr val="ffffff"/>
+                  </a:solidFill>
+                </a:uFill>
+                <a:latin typeface="Trebuchet MS"/>
+              </a:rPr>
+              <a:t>git merge [remote name]/[branch name]</a:t>
+            </a:r>
+            <a:endParaRPr b="0" lang="en-IN" sz="1800" spc="-1" strike="noStrike">
+              <a:solidFill>
+                <a:srgbClr val="000000"/>
+              </a:solidFill>
+              <a:uFill>
+                <a:solidFill>
+                  <a:srgbClr val="ffffff"/>
+                </a:solidFill>
+              </a:uFill>
+              <a:latin typeface="Arial"/>
+            </a:endParaRPr>
+          </a:p>
+          <a:p>
+            <a:pPr>
+              <a:lnSpc>
+                <a:spcPct val="100000"/>
+              </a:lnSpc>
+            </a:pPr>
+            <a:r>
+              <a:rPr b="0" lang="en-IN" sz="2400" spc="-1" strike="noStrike">
+                <a:solidFill>
+                  <a:srgbClr val="404040"/>
+                </a:solidFill>
+                <a:uFill>
+                  <a:solidFill>
+                    <a:srgbClr val="ffffff"/>
+                  </a:solidFill>
+                </a:uFill>
+                <a:latin typeface="Trebuchet MS"/>
+              </a:rPr>
+              <a:t>git rebase [remote]/[branch  name] </a:t>
+            </a:r>
+            <a:endParaRPr b="0" lang="en-IN" sz="1800" spc="-1" strike="noStrike">
+              <a:solidFill>
+                <a:srgbClr val="000000"/>
+              </a:solidFill>
+              <a:uFill>
+                <a:solidFill>
+                  <a:srgbClr val="ffffff"/>
+                </a:solidFill>
+              </a:uFill>
+              <a:latin typeface="Arial"/>
+            </a:endParaRPr>
+          </a:p>
+          <a:p>
+            <a:pPr>
+              <a:lnSpc>
+                <a:spcPct val="100000"/>
+              </a:lnSpc>
+            </a:pPr>
+            <a:endParaRPr b="0" lang="en-IN" sz="1800" spc="-1" strike="noStrike">
+              <a:solidFill>
+                <a:srgbClr val="000000"/>
+              </a:solidFill>
+              <a:uFill>
+                <a:solidFill>
+                  <a:srgbClr val="ffffff"/>
+                </a:solidFill>
+              </a:uFill>
+              <a:latin typeface="Arial"/>
+            </a:endParaRPr>
+          </a:p>
+        </p:txBody>
+      </p:sp>
+    </p:spTree>
+  </p:cSld>
 </p:sld>
 </file>
 
